--- a/doku/Layout_Design.pptx
+++ b/doku/Layout_Design.pptx
@@ -5,10 +5,16 @@
     <p:sldMasterId id="2147483648" r:id="rId1"/>
   </p:sldMasterIdLst>
   <p:sldIdLst>
-    <p:sldId id="256" r:id="rId2"/>
-    <p:sldId id="257" r:id="rId3"/>
-    <p:sldId id="258" r:id="rId4"/>
-    <p:sldId id="259" r:id="rId5"/>
+    <p:sldId id="266" r:id="rId2"/>
+    <p:sldId id="268" r:id="rId3"/>
+    <p:sldId id="256" r:id="rId4"/>
+    <p:sldId id="261" r:id="rId5"/>
+    <p:sldId id="257" r:id="rId6"/>
+    <p:sldId id="258" r:id="rId7"/>
+    <p:sldId id="259" r:id="rId8"/>
+    <p:sldId id="265" r:id="rId9"/>
+    <p:sldId id="260" r:id="rId10"/>
+    <p:sldId id="267" r:id="rId11"/>
   </p:sldIdLst>
   <p:sldSz cx="5580063" cy="3060700"/>
   <p:notesSz cx="6858000" cy="9144000"/>
@@ -134,6 +140,22 @@
 </p1510:revInfo>
 </file>
 
+<file path=ppt/activeX/activeX1.xml><?xml version="1.0" encoding="utf-8"?>
+<ax:ocx xmlns:ax="http://schemas.microsoft.com/office/2006/activeX" xmlns:r="http://schemas.openxmlformats.org/officeDocument/2006/relationships" ax:classid="{8BD21D30-EC42-11CE-9E0D-00AA006002F3}" ax:persistence="persistStorage" r:id="rId1"/>
+</file>
+
+<file path=ppt/activeX/activeX2.xml><?xml version="1.0" encoding="utf-8"?>
+<ax:ocx xmlns:ax="http://schemas.microsoft.com/office/2006/activeX" xmlns:r="http://schemas.openxmlformats.org/officeDocument/2006/relationships" ax:classid="{8BD21D30-EC42-11CE-9E0D-00AA006002F3}" ax:persistence="persistStorage" r:id="rId1"/>
+</file>
+
+<file path=ppt/activeX/activeX3.xml><?xml version="1.0" encoding="utf-8"?>
+<ax:ocx xmlns:ax="http://schemas.microsoft.com/office/2006/activeX" xmlns:r="http://schemas.openxmlformats.org/officeDocument/2006/relationships" ax:classid="{8BD21D30-EC42-11CE-9E0D-00AA006002F3}" ax:persistence="persistStorage" r:id="rId1"/>
+</file>
+
+<file path=ppt/activeX/activeX4.xml><?xml version="1.0" encoding="utf-8"?>
+<ax:ocx xmlns:ax="http://schemas.microsoft.com/office/2006/activeX" xmlns:r="http://schemas.openxmlformats.org/officeDocument/2006/relationships" ax:classid="{8BD21D30-EC42-11CE-9E0D-00AA006002F3}" ax:persistence="persistStorage" r:id="rId1"/>
+</file>
+
 <file path=ppt/changesInfos/changesInfo1.xml><?xml version="1.0" encoding="utf-8"?>
 <pc:chgInfo xmlns:a="http://schemas.openxmlformats.org/drawingml/2006/main" xmlns:r="http://schemas.openxmlformats.org/officeDocument/2006/relationships" xmlns:ac="http://schemas.microsoft.com/office/drawing/2013/main/command" xmlns:pc="http://schemas.microsoft.com/office/powerpoint/2013/main/command">
   <pc:docChgLst>
@@ -342,7 +364,7 @@
           <a:p>
             <a:fld id="{22E9CEFC-BD71-4C03-8867-48BA3AFF4F3C}" type="datetimeFigureOut">
               <a:rPr lang="de-DE" smtClean="0"/>
-              <a:t>20.10.2018</a:t>
+              <a:t>27.03.2020</a:t>
             </a:fld>
             <a:endParaRPr lang="de-DE"/>
           </a:p>
@@ -510,7 +532,7 @@
           <a:p>
             <a:fld id="{22E9CEFC-BD71-4C03-8867-48BA3AFF4F3C}" type="datetimeFigureOut">
               <a:rPr lang="de-DE" smtClean="0"/>
-              <a:t>20.10.2018</a:t>
+              <a:t>27.03.2020</a:t>
             </a:fld>
             <a:endParaRPr lang="de-DE"/>
           </a:p>
@@ -688,7 +710,7 @@
           <a:p>
             <a:fld id="{22E9CEFC-BD71-4C03-8867-48BA3AFF4F3C}" type="datetimeFigureOut">
               <a:rPr lang="de-DE" smtClean="0"/>
-              <a:t>20.10.2018</a:t>
+              <a:t>27.03.2020</a:t>
             </a:fld>
             <a:endParaRPr lang="de-DE"/>
           </a:p>
@@ -746,6 +768,178 @@
   <p:clrMapOvr>
     <a:masterClrMapping/>
   </p:clrMapOvr>
+</p:sldLayout>
+</file>
+
+<file path=ppt/slideLayouts/slideLayout12.xml><?xml version="1.0" encoding="utf-8"?>
+<p:sldLayout xmlns:a="http://schemas.openxmlformats.org/drawingml/2006/main" xmlns:r="http://schemas.openxmlformats.org/officeDocument/2006/relationships" xmlns:p="http://schemas.openxmlformats.org/presentationml/2006/main" showMasterSp="0">
+  <p:cSld name="1_Titelfolie">
+    <p:bg>
+      <p:bgPr>
+        <a:solidFill>
+          <a:srgbClr val="E10019"/>
+        </a:solidFill>
+        <a:effectLst/>
+      </p:bgPr>
+    </p:bg>
+    <p:spTree>
+      <p:nvGrpSpPr>
+        <p:cNvPr id="1" name=""/>
+        <p:cNvGrpSpPr/>
+        <p:nvPr/>
+      </p:nvGrpSpPr>
+      <p:grpSpPr>
+        <a:xfrm>
+          <a:off x="0" y="0"/>
+          <a:ext cx="0" cy="0"/>
+          <a:chOff x="0" y="0"/>
+          <a:chExt cx="0" cy="0"/>
+        </a:xfrm>
+      </p:grpSpPr>
+      <p:pic>
+        <p:nvPicPr>
+          <p:cNvPr id="3" name="Bild 8" descr="logo_02_200_neu_weiss.png"/>
+          <p:cNvPicPr>
+            <a:picLocks noChangeAspect="1"/>
+          </p:cNvPicPr>
+          <p:nvPr/>
+        </p:nvPicPr>
+        <p:blipFill>
+          <a:blip r:embed="rId2" cstate="print">
+            <a:extLst>
+              <a:ext uri="{28A0092B-C50C-407E-A947-70E740481C1C}">
+                <a14:useLocalDpi xmlns:a14="http://schemas.microsoft.com/office/drawing/2010/main" val="0"/>
+              </a:ext>
+            </a:extLst>
+          </a:blip>
+          <a:srcRect/>
+          <a:stretch>
+            <a:fillRect/>
+          </a:stretch>
+        </p:blipFill>
+        <p:spPr bwMode="auto">
+          <a:xfrm>
+            <a:off x="4424193" y="0"/>
+            <a:ext cx="1155870" cy="484611"/>
+          </a:xfrm>
+          <a:prstGeom prst="rect">
+            <a:avLst/>
+          </a:prstGeom>
+          <a:noFill/>
+          <a:ln>
+            <a:noFill/>
+          </a:ln>
+          <a:extLst>
+            <a:ext uri="{909E8E84-426E-40DD-AFC4-6F175D3DCCD1}">
+              <a14:hiddenFill xmlns:a14="http://schemas.microsoft.com/office/drawing/2010/main">
+                <a:solidFill>
+                  <a:srgbClr val="FFFFFF"/>
+                </a:solidFill>
+              </a14:hiddenFill>
+            </a:ext>
+            <a:ext uri="{91240B29-F687-4F45-9708-019B960494DF}">
+              <a14:hiddenLine xmlns:a14="http://schemas.microsoft.com/office/drawing/2010/main" w="9525">
+                <a:solidFill>
+                  <a:srgbClr val="000000"/>
+                </a:solidFill>
+                <a:miter lim="800000"/>
+                <a:headEnd/>
+                <a:tailEnd/>
+              </a14:hiddenLine>
+            </a:ext>
+          </a:extLst>
+        </p:spPr>
+      </p:pic>
+      <p:sp>
+        <p:nvSpPr>
+          <p:cNvPr id="11" name="Titel 10"/>
+          <p:cNvSpPr>
+            <a:spLocks noGrp="1"/>
+          </p:cNvSpPr>
+          <p:nvPr>
+            <p:ph type="title"/>
+          </p:nvPr>
+        </p:nvSpPr>
+        <p:spPr>
+          <a:xfrm>
+            <a:off x="273191" y="851534"/>
+            <a:ext cx="4745129" cy="882863"/>
+          </a:xfrm>
+        </p:spPr>
+        <p:txBody>
+          <a:bodyPr tIns="0" anchor="t"/>
+          <a:lstStyle>
+            <a:lvl1pPr algn="ctr">
+              <a:defRPr sz="2200" baseline="0">
+                <a:solidFill>
+                  <a:schemeClr val="bg1"/>
+                </a:solidFill>
+                <a:effectLst/>
+              </a:defRPr>
+            </a:lvl1pPr>
+          </a:lstStyle>
+          <a:p>
+            <a:r>
+              <a:rPr lang="de-DE"/>
+              <a:t>Titelmasterformat durch Klicken bearbeiten</a:t>
+            </a:r>
+            <a:endParaRPr lang="de-DE" dirty="0"/>
+          </a:p>
+        </p:txBody>
+      </p:sp>
+      <p:sp>
+        <p:nvSpPr>
+          <p:cNvPr id="4" name="Textplatzhalter 3"/>
+          <p:cNvSpPr>
+            <a:spLocks noGrp="1"/>
+          </p:cNvSpPr>
+          <p:nvPr>
+            <p:ph type="body" sz="quarter" idx="10" hasCustomPrompt="1"/>
+          </p:nvPr>
+        </p:nvSpPr>
+        <p:spPr>
+          <a:xfrm>
+            <a:off x="273191" y="2255242"/>
+            <a:ext cx="4745129" cy="306700"/>
+          </a:xfrm>
+        </p:spPr>
+        <p:txBody>
+          <a:bodyPr/>
+          <a:lstStyle>
+            <a:lvl1pPr marL="0" indent="0" algn="ctr">
+              <a:buNone/>
+              <a:defRPr sz="700">
+                <a:solidFill>
+                  <a:schemeClr val="bg1">
+                    <a:lumMod val="85000"/>
+                  </a:schemeClr>
+                </a:solidFill>
+                <a:effectLst/>
+              </a:defRPr>
+            </a:lvl1pPr>
+          </a:lstStyle>
+          <a:p>
+            <a:pPr lvl="0"/>
+            <a:r>
+              <a:rPr lang="de-DE" dirty="0"/>
+              <a:t>Namen</a:t>
+            </a:r>
+          </a:p>
+        </p:txBody>
+      </p:sp>
+    </p:spTree>
+    <p:extLst>
+      <p:ext uri="{BB962C8B-B14F-4D97-AF65-F5344CB8AC3E}">
+        <p14:creationId xmlns:p14="http://schemas.microsoft.com/office/powerpoint/2010/main" val="2658304623"/>
+      </p:ext>
+    </p:extLst>
+  </p:cSld>
+  <p:clrMapOvr>
+    <a:masterClrMapping/>
+  </p:clrMapOvr>
+  <p:transition>
+    <p:fade/>
+  </p:transition>
 </p:sldLayout>
 </file>
 
@@ -856,7 +1050,7 @@
           <a:p>
             <a:fld id="{22E9CEFC-BD71-4C03-8867-48BA3AFF4F3C}" type="datetimeFigureOut">
               <a:rPr lang="de-DE" smtClean="0"/>
-              <a:t>20.10.2018</a:t>
+              <a:t>27.03.2020</a:t>
             </a:fld>
             <a:endParaRPr lang="de-DE"/>
           </a:p>
@@ -1101,7 +1295,7 @@
           <a:p>
             <a:fld id="{22E9CEFC-BD71-4C03-8867-48BA3AFF4F3C}" type="datetimeFigureOut">
               <a:rPr lang="de-DE" smtClean="0"/>
-              <a:t>20.10.2018</a:t>
+              <a:t>27.03.2020</a:t>
             </a:fld>
             <a:endParaRPr lang="de-DE"/>
           </a:p>
@@ -1386,7 +1580,7 @@
           <a:p>
             <a:fld id="{22E9CEFC-BD71-4C03-8867-48BA3AFF4F3C}" type="datetimeFigureOut">
               <a:rPr lang="de-DE" smtClean="0"/>
-              <a:t>20.10.2018</a:t>
+              <a:t>27.03.2020</a:t>
             </a:fld>
             <a:endParaRPr lang="de-DE"/>
           </a:p>
@@ -1810,7 +2004,7 @@
           <a:p>
             <a:fld id="{22E9CEFC-BD71-4C03-8867-48BA3AFF4F3C}" type="datetimeFigureOut">
               <a:rPr lang="de-DE" smtClean="0"/>
-              <a:t>20.10.2018</a:t>
+              <a:t>27.03.2020</a:t>
             </a:fld>
             <a:endParaRPr lang="de-DE"/>
           </a:p>
@@ -1927,7 +2121,7 @@
           <a:p>
             <a:fld id="{22E9CEFC-BD71-4C03-8867-48BA3AFF4F3C}" type="datetimeFigureOut">
               <a:rPr lang="de-DE" smtClean="0"/>
-              <a:t>20.10.2018</a:t>
+              <a:t>27.03.2020</a:t>
             </a:fld>
             <a:endParaRPr lang="de-DE"/>
           </a:p>
@@ -2022,7 +2216,7 @@
           <a:p>
             <a:fld id="{22E9CEFC-BD71-4C03-8867-48BA3AFF4F3C}" type="datetimeFigureOut">
               <a:rPr lang="de-DE" smtClean="0"/>
-              <a:t>20.10.2018</a:t>
+              <a:t>27.03.2020</a:t>
             </a:fld>
             <a:endParaRPr lang="de-DE"/>
           </a:p>
@@ -2297,7 +2491,7 @@
           <a:p>
             <a:fld id="{22E9CEFC-BD71-4C03-8867-48BA3AFF4F3C}" type="datetimeFigureOut">
               <a:rPr lang="de-DE" smtClean="0"/>
-              <a:t>20.10.2018</a:t>
+              <a:t>27.03.2020</a:t>
             </a:fld>
             <a:endParaRPr lang="de-DE"/>
           </a:p>
@@ -2549,7 +2743,7 @@
           <a:p>
             <a:fld id="{22E9CEFC-BD71-4C03-8867-48BA3AFF4F3C}" type="datetimeFigureOut">
               <a:rPr lang="de-DE" smtClean="0"/>
-              <a:t>20.10.2018</a:t>
+              <a:t>27.03.2020</a:t>
             </a:fld>
             <a:endParaRPr lang="de-DE"/>
           </a:p>
@@ -2760,7 +2954,7 @@
           <a:p>
             <a:fld id="{22E9CEFC-BD71-4C03-8867-48BA3AFF4F3C}" type="datetimeFigureOut">
               <a:rPr lang="de-DE" smtClean="0"/>
-              <a:t>20.10.2018</a:t>
+              <a:t>27.03.2020</a:t>
             </a:fld>
             <a:endParaRPr lang="de-DE"/>
           </a:p>
@@ -2864,6 +3058,7 @@
     <p:sldLayoutId id="2147483657" r:id="rId9"/>
     <p:sldLayoutId id="2147483658" r:id="rId10"/>
     <p:sldLayoutId id="2147483659" r:id="rId11"/>
+    <p:sldLayoutId id="2147483660" r:id="rId12"/>
   </p:sldLayoutIdLst>
   <p:txStyles>
     <p:titleStyle>
@@ -3137,357 +3332,305 @@
       </p:grpSpPr>
       <p:sp>
         <p:nvSpPr>
-          <p:cNvPr id="4" name="Rechteck 3"/>
-          <p:cNvSpPr/>
-          <p:nvPr/>
+          <p:cNvPr id="2" name="Titel 1"/>
+          <p:cNvSpPr>
+            <a:spLocks noGrp="1"/>
+          </p:cNvSpPr>
+          <p:nvPr>
+            <p:ph type="title"/>
+          </p:nvPr>
         </p:nvSpPr>
         <p:spPr>
           <a:xfrm>
-            <a:off x="4950271" y="0"/>
-            <a:ext cx="629792" cy="1044456"/>
-          </a:xfrm>
-          <a:prstGeom prst="rect">
-            <a:avLst/>
-          </a:prstGeom>
-        </p:spPr>
-        <p:style>
-          <a:lnRef idx="2">
-            <a:schemeClr val="accent1">
-              <a:shade val="50000"/>
-            </a:schemeClr>
-          </a:lnRef>
-          <a:fillRef idx="1">
-            <a:schemeClr val="accent1"/>
-          </a:fillRef>
-          <a:effectRef idx="0">
-            <a:schemeClr val="accent1"/>
-          </a:effectRef>
-          <a:fontRef idx="minor">
-            <a:schemeClr val="lt1"/>
-          </a:fontRef>
-        </p:style>
-        <p:txBody>
-          <a:bodyPr rtlCol="0" anchor="ctr"/>
-          <a:lstStyle/>
-          <a:p>
-            <a:pPr algn="ctr"/>
-            <a:r>
-              <a:rPr lang="de-DE" dirty="0"/>
-              <a:t>Home</a:t>
-            </a:r>
-          </a:p>
-        </p:txBody>
-      </p:sp>
-      <p:sp>
-        <p:nvSpPr>
-          <p:cNvPr id="13" name="Rechteck 12"/>
-          <p:cNvSpPr/>
-          <p:nvPr/>
+            <a:off x="273191" y="863511"/>
+            <a:ext cx="4097859" cy="882863"/>
+          </a:xfrm>
+        </p:spPr>
+        <p:txBody>
+          <a:bodyPr>
+            <a:normAutofit fontScale="90000"/>
+          </a:bodyPr>
+          <a:lstStyle/>
+          <a:p>
+            <a:pPr algn="l"/>
+            <a:r>
+              <a:rPr lang="de-DE" sz="1600" b="1" dirty="0" smtClean="0"/>
+              <a:t>PROJEKTARBEIT </a:t>
+            </a:r>
+            <a:r>
+              <a:rPr lang="de-DE" sz="1600" b="1" dirty="0"/>
+              <a:t>–</a:t>
+            </a:r>
+            <a:r>
+              <a:rPr lang="de-DE" sz="1600" b="1" dirty="0" smtClean="0"/>
+              <a:t> PROJEKT II B – iING-MEC:</a:t>
+            </a:r>
+            <a:r>
+              <a:rPr lang="de-DE" sz="1600" dirty="0"/>
+              <a:t/>
+            </a:r>
+            <a:br>
+              <a:rPr lang="de-DE" sz="1600" dirty="0"/>
+            </a:br>
+            <a:r>
+              <a:rPr lang="de-DE" sz="1600" dirty="0" smtClean="0"/>
+              <a:t>Entwicklung eines Rasberry Pi basierten Türschildes</a:t>
+            </a:r>
+            <a:r>
+              <a:rPr lang="de-DE" dirty="0">
+                <a:effectLst/>
+              </a:rPr>
+              <a:t/>
+            </a:r>
+            <a:br>
+              <a:rPr lang="de-DE" dirty="0">
+                <a:effectLst/>
+              </a:rPr>
+            </a:br>
+            <a:r>
+              <a:rPr lang="de-DE" dirty="0">
+                <a:effectLst/>
+              </a:rPr>
+              <a:t/>
+            </a:r>
+            <a:br>
+              <a:rPr lang="de-DE" dirty="0">
+                <a:effectLst/>
+              </a:rPr>
+            </a:br>
+            <a:endParaRPr lang="de-DE" dirty="0">
+              <a:effectLst/>
+            </a:endParaRPr>
+          </a:p>
+        </p:txBody>
+      </p:sp>
+      <p:sp>
+        <p:nvSpPr>
+          <p:cNvPr id="3" name="Textplatzhalter 2"/>
+          <p:cNvSpPr>
+            <a:spLocks noGrp="1"/>
+          </p:cNvSpPr>
+          <p:nvPr>
+            <p:ph type="body" sz="quarter" idx="10"/>
+          </p:nvPr>
         </p:nvSpPr>
         <p:spPr>
           <a:xfrm>
-            <a:off x="4950271" y="1044456"/>
-            <a:ext cx="629792" cy="989950"/>
-          </a:xfrm>
-          <a:prstGeom prst="rect">
-            <a:avLst/>
-          </a:prstGeom>
-        </p:spPr>
-        <p:style>
-          <a:lnRef idx="2">
-            <a:schemeClr val="accent1">
-              <a:shade val="50000"/>
-            </a:schemeClr>
-          </a:lnRef>
-          <a:fillRef idx="1">
-            <a:schemeClr val="accent1"/>
-          </a:fillRef>
-          <a:effectRef idx="0">
-            <a:schemeClr val="accent1"/>
-          </a:effectRef>
-          <a:fontRef idx="minor">
-            <a:schemeClr val="lt1"/>
-          </a:fontRef>
-        </p:style>
-        <p:txBody>
-          <a:bodyPr rtlCol="0" anchor="ctr"/>
-          <a:lstStyle/>
-          <a:p>
-            <a:pPr algn="ctr"/>
-            <a:r>
-              <a:rPr lang="de-DE" dirty="0"/>
-              <a:t>Kalender</a:t>
-            </a:r>
-          </a:p>
-        </p:txBody>
-      </p:sp>
-      <p:sp>
-        <p:nvSpPr>
-          <p:cNvPr id="14" name="Rechteck 13"/>
-          <p:cNvSpPr/>
-          <p:nvPr/>
-        </p:nvSpPr>
-        <p:spPr>
-          <a:xfrm>
-            <a:off x="4950271" y="2034406"/>
-            <a:ext cx="629792" cy="1017776"/>
-          </a:xfrm>
-          <a:prstGeom prst="rect">
-            <a:avLst/>
-          </a:prstGeom>
-        </p:spPr>
-        <p:style>
-          <a:lnRef idx="2">
-            <a:schemeClr val="accent1">
-              <a:shade val="50000"/>
-            </a:schemeClr>
-          </a:lnRef>
-          <a:fillRef idx="1">
-            <a:schemeClr val="accent1"/>
-          </a:fillRef>
-          <a:effectRef idx="0">
-            <a:schemeClr val="accent1"/>
-          </a:effectRef>
-          <a:fontRef idx="minor">
-            <a:schemeClr val="lt1"/>
-          </a:fontRef>
-        </p:style>
-        <p:txBody>
-          <a:bodyPr rtlCol="0" anchor="ctr"/>
-          <a:lstStyle/>
-          <a:p>
-            <a:pPr algn="ctr"/>
-            <a:r>
-              <a:rPr lang="de-DE" dirty="0"/>
-              <a:t>News</a:t>
-            </a:r>
-          </a:p>
-        </p:txBody>
-      </p:sp>
-      <p:sp>
-        <p:nvSpPr>
-          <p:cNvPr id="19" name="Rechteck 18"/>
-          <p:cNvSpPr/>
-          <p:nvPr/>
-        </p:nvSpPr>
-        <p:spPr>
-          <a:xfrm>
-            <a:off x="0" y="0"/>
-            <a:ext cx="3712704" cy="403804"/>
-          </a:xfrm>
-          <a:prstGeom prst="rect">
-            <a:avLst/>
-          </a:prstGeom>
-        </p:spPr>
-        <p:style>
-          <a:lnRef idx="2">
-            <a:schemeClr val="accent1">
-              <a:shade val="50000"/>
-            </a:schemeClr>
-          </a:lnRef>
-          <a:fillRef idx="1">
-            <a:schemeClr val="accent1"/>
-          </a:fillRef>
-          <a:effectRef idx="0">
-            <a:schemeClr val="accent1"/>
-          </a:effectRef>
-          <a:fontRef idx="minor">
-            <a:schemeClr val="lt1"/>
-          </a:fontRef>
-        </p:style>
-        <p:txBody>
-          <a:bodyPr rtlCol="0" anchor="ctr"/>
-          <a:lstStyle/>
-          <a:p>
-            <a:pPr algn="ctr"/>
-            <a:r>
-              <a:rPr lang="de-DE" dirty="0"/>
-              <a:t>*HSRM-LOGO* 	FACHBEREICH X </a:t>
-            </a:r>
-            <a:r>
-              <a:rPr lang="de-DE"/>
-              <a:t>	STUDIENBEREICH </a:t>
-            </a:r>
-            <a:r>
-              <a:rPr lang="de-DE" dirty="0"/>
-              <a:t>Y </a:t>
-            </a:r>
-          </a:p>
-        </p:txBody>
-      </p:sp>
-      <p:sp>
-        <p:nvSpPr>
-          <p:cNvPr id="20" name="Rechteck 19"/>
-          <p:cNvSpPr/>
-          <p:nvPr/>
-        </p:nvSpPr>
-        <p:spPr>
-          <a:xfrm>
-            <a:off x="-5373" y="403804"/>
-            <a:ext cx="2480508" cy="807608"/>
-          </a:xfrm>
-          <a:prstGeom prst="rect">
-            <a:avLst/>
-          </a:prstGeom>
-        </p:spPr>
-        <p:style>
-          <a:lnRef idx="2">
-            <a:schemeClr val="accent1">
-              <a:shade val="50000"/>
-            </a:schemeClr>
-          </a:lnRef>
-          <a:fillRef idx="1">
-            <a:schemeClr val="accent1"/>
-          </a:fillRef>
-          <a:effectRef idx="0">
-            <a:schemeClr val="accent1"/>
-          </a:effectRef>
-          <a:fontRef idx="minor">
-            <a:schemeClr val="lt1"/>
-          </a:fontRef>
-        </p:style>
-        <p:txBody>
-          <a:bodyPr rtlCol="0" anchor="ctr"/>
-          <a:lstStyle/>
-          <a:p>
-            <a:pPr algn="ctr"/>
-            <a:r>
-              <a:rPr lang="de-DE" sz="4400" dirty="0"/>
-              <a:t>RAUMNR</a:t>
-            </a:r>
-          </a:p>
-        </p:txBody>
-      </p:sp>
-      <p:sp>
-        <p:nvSpPr>
-          <p:cNvPr id="21" name="Rechteck 20"/>
-          <p:cNvSpPr/>
-          <p:nvPr/>
-        </p:nvSpPr>
-        <p:spPr>
-          <a:xfrm>
-            <a:off x="-5375" y="1211412"/>
-            <a:ext cx="2480509" cy="1840770"/>
-          </a:xfrm>
-          <a:prstGeom prst="rect">
-            <a:avLst/>
-          </a:prstGeom>
-        </p:spPr>
-        <p:style>
-          <a:lnRef idx="2">
-            <a:schemeClr val="accent1">
-              <a:shade val="50000"/>
-            </a:schemeClr>
-          </a:lnRef>
-          <a:fillRef idx="1">
-            <a:schemeClr val="accent1"/>
-          </a:fillRef>
-          <a:effectRef idx="0">
-            <a:schemeClr val="accent1"/>
-          </a:effectRef>
-          <a:fontRef idx="minor">
-            <a:schemeClr val="lt1"/>
-          </a:fontRef>
-        </p:style>
-        <p:txBody>
-          <a:bodyPr rtlCol="0" anchor="ctr"/>
-          <a:lstStyle/>
-          <a:p>
-            <a:pPr algn="ctr"/>
-            <a:r>
-              <a:rPr lang="de-DE" dirty="0"/>
-              <a:t>RAUMINFORMATIONEN</a:t>
-            </a:r>
-          </a:p>
-        </p:txBody>
-      </p:sp>
-      <p:sp>
-        <p:nvSpPr>
-          <p:cNvPr id="22" name="Rechteck 21"/>
-          <p:cNvSpPr/>
-          <p:nvPr/>
-        </p:nvSpPr>
-        <p:spPr>
-          <a:xfrm>
-            <a:off x="2475134" y="403804"/>
-            <a:ext cx="2475136" cy="2648378"/>
-          </a:xfrm>
-          <a:prstGeom prst="rect">
-            <a:avLst/>
-          </a:prstGeom>
-        </p:spPr>
-        <p:style>
-          <a:lnRef idx="2">
-            <a:schemeClr val="accent1">
-              <a:shade val="50000"/>
-            </a:schemeClr>
-          </a:lnRef>
-          <a:fillRef idx="1">
-            <a:schemeClr val="accent1"/>
-          </a:fillRef>
-          <a:effectRef idx="0">
-            <a:schemeClr val="accent1"/>
-          </a:effectRef>
-          <a:fontRef idx="minor">
-            <a:schemeClr val="lt1"/>
-          </a:fontRef>
-        </p:style>
-        <p:txBody>
-          <a:bodyPr rtlCol="0" anchor="ctr"/>
-          <a:lstStyle/>
-          <a:p>
-            <a:pPr algn="ctr"/>
-            <a:endParaRPr lang="de-DE"/>
-          </a:p>
-        </p:txBody>
-      </p:sp>
-      <p:sp>
-        <p:nvSpPr>
-          <p:cNvPr id="23" name="Rechteck 22"/>
-          <p:cNvSpPr/>
-          <p:nvPr/>
-        </p:nvSpPr>
-        <p:spPr>
-          <a:xfrm>
-            <a:off x="3712704" y="0"/>
-            <a:ext cx="1237567" cy="403804"/>
-          </a:xfrm>
-          <a:prstGeom prst="rect">
-            <a:avLst/>
-          </a:prstGeom>
-        </p:spPr>
-        <p:style>
-          <a:lnRef idx="2">
-            <a:schemeClr val="accent1">
-              <a:shade val="50000"/>
-            </a:schemeClr>
-          </a:lnRef>
-          <a:fillRef idx="1">
-            <a:schemeClr val="accent1"/>
-          </a:fillRef>
-          <a:effectRef idx="0">
-            <a:schemeClr val="accent1"/>
-          </a:effectRef>
-          <a:fontRef idx="minor">
-            <a:schemeClr val="lt1"/>
-          </a:fontRef>
-        </p:style>
-        <p:txBody>
-          <a:bodyPr rtlCol="0" anchor="ctr"/>
-          <a:lstStyle/>
-          <a:p>
-            <a:pPr algn="ctr"/>
-            <a:r>
-              <a:rPr lang="de-DE" dirty="0"/>
-              <a:t>UHR</a:t>
-            </a:r>
+            <a:off x="281910" y="2009293"/>
+            <a:ext cx="4745129" cy="306700"/>
+          </a:xfrm>
+        </p:spPr>
+        <p:txBody>
+          <a:bodyPr>
+            <a:noAutofit/>
+          </a:bodyPr>
+          <a:lstStyle/>
+          <a:p>
+            <a:pPr algn="l">
+              <a:spcBef>
+                <a:spcPts val="0"/>
+              </a:spcBef>
+            </a:pPr>
+            <a:r>
+              <a:rPr lang="de-DE" sz="800" dirty="0">
+                <a:solidFill>
+                  <a:schemeClr val="bg1"/>
+                </a:solidFill>
+              </a:rPr>
+              <a:t>Bachelor Interdisziplinäre Ingenieurwissenschaften </a:t>
+            </a:r>
+          </a:p>
+          <a:p>
+            <a:pPr algn="l">
+              <a:spcBef>
+                <a:spcPts val="0"/>
+              </a:spcBef>
+            </a:pPr>
+            <a:r>
+              <a:rPr lang="de-DE" sz="800" dirty="0" smtClean="0">
+                <a:solidFill>
+                  <a:schemeClr val="bg1"/>
+                </a:solidFill>
+              </a:rPr>
+              <a:t>Hochschule RheinMain</a:t>
+            </a:r>
+            <a:endParaRPr lang="de-DE" sz="800" dirty="0">
+              <a:solidFill>
+                <a:schemeClr val="bg1"/>
+              </a:solidFill>
+            </a:endParaRPr>
+          </a:p>
+          <a:p>
+            <a:pPr algn="l">
+              <a:spcBef>
+                <a:spcPts val="0"/>
+              </a:spcBef>
+            </a:pPr>
+            <a:endParaRPr lang="de-DE" sz="800" dirty="0">
+              <a:solidFill>
+                <a:schemeClr val="bg1"/>
+              </a:solidFill>
+            </a:endParaRPr>
+          </a:p>
+          <a:p>
+            <a:pPr algn="l">
+              <a:spcBef>
+                <a:spcPts val="0"/>
+              </a:spcBef>
+            </a:pPr>
+            <a:r>
+              <a:rPr lang="de-DE" sz="800" dirty="0" smtClean="0">
+                <a:solidFill>
+                  <a:schemeClr val="bg1"/>
+                </a:solidFill>
+              </a:rPr>
+              <a:t>Von Tom Odak 485143</a:t>
+            </a:r>
+          </a:p>
+          <a:p>
+            <a:pPr algn="l">
+              <a:spcBef>
+                <a:spcPts val="0"/>
+              </a:spcBef>
+            </a:pPr>
+            <a:r>
+              <a:rPr lang="de-DE" sz="800" dirty="0" smtClean="0">
+                <a:solidFill>
+                  <a:schemeClr val="bg1"/>
+                </a:solidFill>
+              </a:rPr>
+              <a:t>Betreuer: Visar Januzaj M. Sc.						27.03.2020</a:t>
+            </a:r>
+          </a:p>
+          <a:p>
+            <a:pPr algn="l">
+              <a:spcBef>
+                <a:spcPts val="0"/>
+              </a:spcBef>
+            </a:pPr>
+            <a:endParaRPr lang="de-DE" sz="800" dirty="0">
+              <a:solidFill>
+                <a:schemeClr val="bg1"/>
+              </a:solidFill>
+            </a:endParaRPr>
           </a:p>
         </p:txBody>
       </p:sp>
     </p:spTree>
     <p:extLst>
       <p:ext uri="{BB962C8B-B14F-4D97-AF65-F5344CB8AC3E}">
-        <p14:creationId xmlns:p14="http://schemas.microsoft.com/office/powerpoint/2010/main" val="710682189"/>
+        <p14:creationId xmlns:p14="http://schemas.microsoft.com/office/powerpoint/2010/main" val="3411088744"/>
+      </p:ext>
+    </p:extLst>
+  </p:cSld>
+  <p:clrMapOvr>
+    <a:masterClrMapping/>
+  </p:clrMapOvr>
+  <p:transition>
+    <p:fade/>
+  </p:transition>
+</p:sld>
+</file>
+
+<file path=ppt/slides/slide10.xml><?xml version="1.0" encoding="utf-8"?>
+<p:sld xmlns:a="http://schemas.openxmlformats.org/drawingml/2006/main" xmlns:r="http://schemas.openxmlformats.org/officeDocument/2006/relationships" xmlns:p="http://schemas.openxmlformats.org/presentationml/2006/main">
+  <p:cSld>
+    <p:spTree>
+      <p:nvGrpSpPr>
+        <p:cNvPr id="1" name=""/>
+        <p:cNvGrpSpPr/>
+        <p:nvPr/>
+      </p:nvGrpSpPr>
+      <p:grpSpPr>
+        <a:xfrm>
+          <a:off x="0" y="0"/>
+          <a:ext cx="0" cy="0"/>
+          <a:chOff x="0" y="0"/>
+          <a:chExt cx="0" cy="0"/>
+        </a:xfrm>
+      </p:grpSpPr>
+      <p:sp>
+        <p:nvSpPr>
+          <p:cNvPr id="2" name="Titel 1"/>
+          <p:cNvSpPr>
+            <a:spLocks noGrp="1"/>
+          </p:cNvSpPr>
+          <p:nvPr>
+            <p:ph type="title"/>
+          </p:nvPr>
+        </p:nvSpPr>
+        <p:spPr/>
+        <p:txBody>
+          <a:bodyPr>
+            <a:normAutofit/>
+          </a:bodyPr>
+          <a:lstStyle/>
+          <a:p>
+            <a:r>
+              <a:rPr lang="de-DE" dirty="0" smtClean="0"/>
+              <a:t>Ausblick</a:t>
+            </a:r>
+            <a:endParaRPr lang="de-DE" dirty="0"/>
+          </a:p>
+        </p:txBody>
+      </p:sp>
+      <p:sp>
+        <p:nvSpPr>
+          <p:cNvPr id="3" name="Inhaltsplatzhalter 2"/>
+          <p:cNvSpPr>
+            <a:spLocks noGrp="1"/>
+          </p:cNvSpPr>
+          <p:nvPr>
+            <p:ph idx="1"/>
+          </p:nvPr>
+        </p:nvSpPr>
+        <p:spPr/>
+        <p:txBody>
+          <a:bodyPr/>
+          <a:lstStyle/>
+          <a:p>
+            <a:r>
+              <a:rPr lang="de-DE" dirty="0" smtClean="0"/>
+              <a:t>Implementieren der Screens</a:t>
+            </a:r>
+          </a:p>
+          <a:p>
+            <a:r>
+              <a:rPr lang="de-DE" dirty="0" smtClean="0"/>
+              <a:t>Ideen für weitere Screens</a:t>
+            </a:r>
+          </a:p>
+          <a:p>
+            <a:r>
+              <a:rPr lang="de-DE" dirty="0" smtClean="0"/>
+              <a:t>Implementieren von Datenbankanbindung (Server)</a:t>
+            </a:r>
+          </a:p>
+          <a:p>
+            <a:r>
+              <a:rPr lang="de-DE" dirty="0" smtClean="0"/>
+              <a:t>Implementieren der Display Server Anwendung</a:t>
+            </a:r>
+          </a:p>
+          <a:p>
+            <a:endParaRPr lang="de-DE" dirty="0" smtClean="0"/>
+          </a:p>
+          <a:p>
+            <a:r>
+              <a:rPr lang="de-DE" dirty="0" smtClean="0"/>
+              <a:t>Bald Verfügbar auf https</a:t>
+            </a:r>
+            <a:r>
+              <a:rPr lang="de-DE" dirty="0"/>
+              <a:t>://github.com/3xtogo/dwd</a:t>
+            </a:r>
+          </a:p>
+        </p:txBody>
+      </p:sp>
+    </p:spTree>
+    <p:extLst>
+      <p:ext uri="{BB962C8B-B14F-4D97-AF65-F5344CB8AC3E}">
+        <p14:creationId xmlns:p14="http://schemas.microsoft.com/office/powerpoint/2010/main" val="584151498"/>
       </p:ext>
     </p:extLst>
   </p:cSld>
@@ -3516,153 +3659,40 @@
       </p:grpSpPr>
       <p:sp>
         <p:nvSpPr>
-          <p:cNvPr id="4" name="Rechteck 3"/>
-          <p:cNvSpPr/>
+          <p:cNvPr id="2" name="Titel 1"/>
+          <p:cNvSpPr>
+            <a:spLocks noGrp="1"/>
+          </p:cNvSpPr>
+          <p:nvPr>
+            <p:ph type="title"/>
+          </p:nvPr>
+        </p:nvSpPr>
+        <p:spPr/>
+        <p:txBody>
+          <a:bodyPr/>
+          <a:lstStyle/>
+          <a:p>
+            <a:pPr algn="l"/>
+            <a:r>
+              <a:rPr lang="de-DE" dirty="0" smtClean="0"/>
+              <a:t>LDC Türschild in Action</a:t>
+            </a:r>
+            <a:endParaRPr lang="de-DE" dirty="0"/>
+          </a:p>
+        </p:txBody>
+      </p:sp>
+      <p:sp>
+        <p:nvSpPr>
+          <p:cNvPr id="4" name="AutoShape 2" descr="https://3c.gmx.net/mail/client/attachment/thumbnail/tatt0_1---tmai1600251c09d02555/800/600;jsessionid=2BCF5B5DACDD0A8053869371A0132A4D-n2.bs41a"/>
+          <p:cNvSpPr>
+            <a:spLocks noChangeAspect="1" noChangeArrowheads="1"/>
+          </p:cNvSpPr>
           <p:nvPr/>
         </p:nvSpPr>
-        <p:spPr>
-          <a:xfrm>
-            <a:off x="4950271" y="0"/>
-            <a:ext cx="629792" cy="1044456"/>
-          </a:xfrm>
-          <a:prstGeom prst="rect">
-            <a:avLst/>
-          </a:prstGeom>
-          <a:solidFill>
-            <a:srgbClr val="FFC000"/>
-          </a:solidFill>
-        </p:spPr>
-        <p:style>
-          <a:lnRef idx="2">
-            <a:schemeClr val="accent1">
-              <a:shade val="50000"/>
-            </a:schemeClr>
-          </a:lnRef>
-          <a:fillRef idx="1">
-            <a:schemeClr val="accent1"/>
-          </a:fillRef>
-          <a:effectRef idx="0">
-            <a:schemeClr val="accent1"/>
-          </a:effectRef>
-          <a:fontRef idx="minor">
-            <a:schemeClr val="lt1"/>
-          </a:fontRef>
-        </p:style>
-        <p:txBody>
-          <a:bodyPr rtlCol="0" anchor="ctr"/>
-          <a:lstStyle/>
-          <a:p>
-            <a:pPr algn="ctr"/>
-            <a:endParaRPr lang="de-DE"/>
-          </a:p>
-        </p:txBody>
-      </p:sp>
-      <p:sp>
-        <p:nvSpPr>
-          <p:cNvPr id="13" name="Rechteck 12"/>
-          <p:cNvSpPr/>
-          <p:nvPr/>
-        </p:nvSpPr>
-        <p:spPr>
-          <a:xfrm>
-            <a:off x="4950271" y="1044456"/>
-            <a:ext cx="629792" cy="989950"/>
-          </a:xfrm>
-          <a:prstGeom prst="rect">
-            <a:avLst/>
-          </a:prstGeom>
-        </p:spPr>
-        <p:style>
-          <a:lnRef idx="2">
-            <a:schemeClr val="accent1">
-              <a:shade val="50000"/>
-            </a:schemeClr>
-          </a:lnRef>
-          <a:fillRef idx="1">
-            <a:schemeClr val="accent1"/>
-          </a:fillRef>
-          <a:effectRef idx="0">
-            <a:schemeClr val="accent1"/>
-          </a:effectRef>
-          <a:fontRef idx="minor">
-            <a:schemeClr val="lt1"/>
-          </a:fontRef>
-        </p:style>
-        <p:txBody>
-          <a:bodyPr rtlCol="0" anchor="ctr"/>
-          <a:lstStyle/>
-          <a:p>
-            <a:pPr algn="ctr"/>
-            <a:endParaRPr lang="de-DE"/>
-          </a:p>
-        </p:txBody>
-      </p:sp>
-      <p:sp>
-        <p:nvSpPr>
-          <p:cNvPr id="14" name="Rechteck 13"/>
-          <p:cNvSpPr/>
-          <p:nvPr/>
-        </p:nvSpPr>
-        <p:spPr>
-          <a:xfrm>
-            <a:off x="4950271" y="2034406"/>
-            <a:ext cx="629792" cy="1017776"/>
-          </a:xfrm>
-          <a:prstGeom prst="rect">
-            <a:avLst/>
-          </a:prstGeom>
-        </p:spPr>
-        <p:style>
-          <a:lnRef idx="2">
-            <a:schemeClr val="accent1">
-              <a:shade val="50000"/>
-            </a:schemeClr>
-          </a:lnRef>
-          <a:fillRef idx="1">
-            <a:schemeClr val="accent1"/>
-          </a:fillRef>
-          <a:effectRef idx="0">
-            <a:schemeClr val="accent1"/>
-          </a:effectRef>
-          <a:fontRef idx="minor">
-            <a:schemeClr val="lt1"/>
-          </a:fontRef>
-        </p:style>
-        <p:txBody>
-          <a:bodyPr rtlCol="0" anchor="ctr"/>
-          <a:lstStyle/>
-          <a:p>
-            <a:pPr algn="ctr"/>
-            <a:endParaRPr lang="de-DE"/>
-          </a:p>
-        </p:txBody>
-      </p:sp>
-      <p:pic>
-        <p:nvPicPr>
-          <p:cNvPr id="1041" name="Picture 17" descr="C:\Users\Tom\AppData\Local\Microsoft\Windows\INetCache\IE\NN7TXIFT\matt-icons_user-home[1].png"/>
-          <p:cNvPicPr>
-            <a:picLocks noChangeAspect="1" noChangeArrowheads="1"/>
-          </p:cNvPicPr>
-          <p:nvPr/>
-        </p:nvPicPr>
-        <p:blipFill>
-          <a:blip r:embed="rId2" cstate="print">
-            <a:biLevel thresh="75000"/>
-            <a:extLst>
-              <a:ext uri="{28A0092B-C50C-407E-A947-70E740481C1C}">
-                <a14:useLocalDpi xmlns:a14="http://schemas.microsoft.com/office/drawing/2010/main" val="0"/>
-              </a:ext>
-            </a:extLst>
-          </a:blip>
-          <a:srcRect/>
-          <a:stretch>
-            <a:fillRect/>
-          </a:stretch>
-        </p:blipFill>
         <p:spPr bwMode="auto">
           <a:xfrm>
-            <a:off x="4990347" y="236848"/>
-            <a:ext cx="549639" cy="570760"/>
+            <a:off x="155575" y="-144463"/>
+            <a:ext cx="304800" cy="304801"/>
           </a:xfrm>
           <a:prstGeom prst="rect">
             <a:avLst/>
@@ -3678,18 +3708,28 @@
             </a:ext>
           </a:extLst>
         </p:spPr>
-      </p:pic>
+        <p:txBody>
+          <a:bodyPr vert="horz" wrap="square" lIns="91440" tIns="45720" rIns="91440" bIns="45720" numCol="1" anchor="t" anchorCtr="0" compatLnSpc="1">
+            <a:prstTxWarp prst="textNoShape">
+              <a:avLst/>
+            </a:prstTxWarp>
+          </a:bodyPr>
+          <a:lstStyle/>
+          <a:p>
+            <a:endParaRPr lang="de-DE"/>
+          </a:p>
+        </p:txBody>
+      </p:sp>
       <p:pic>
         <p:nvPicPr>
-          <p:cNvPr id="1042" name="Picture 18" descr="C:\Users\Tom\AppData\Local\Microsoft\Windows\INetCache\IE\9XPSHUUL\icon-1549619_960_720[1].png"/>
+          <p:cNvPr id="8195" name="Picture 3" descr="C:\Users\Tom\Desktop\Neuer Ordner\IMG-8484.JPG"/>
           <p:cNvPicPr>
             <a:picLocks noChangeAspect="1" noChangeArrowheads="1"/>
           </p:cNvPicPr>
           <p:nvPr/>
         </p:nvPicPr>
         <p:blipFill>
-          <a:blip r:embed="rId3" cstate="print">
-            <a:biLevel thresh="75000"/>
+          <a:blip r:embed="rId2" cstate="print">
             <a:extLst>
               <a:ext uri="{28A0092B-C50C-407E-A947-70E740481C1C}">
                 <a14:useLocalDpi xmlns:a14="http://schemas.microsoft.com/office/drawing/2010/main" val="0"/>
@@ -3702,9 +3742,9 @@
           </a:stretch>
         </p:blipFill>
         <p:spPr bwMode="auto">
-          <a:xfrm>
-            <a:off x="4982939" y="1269929"/>
-            <a:ext cx="564455" cy="539003"/>
+          <a:xfrm rot="5400000">
+            <a:off x="-227297" y="1469618"/>
+            <a:ext cx="1818379" cy="1363785"/>
           </a:xfrm>
           <a:prstGeom prst="rect">
             <a:avLst/>
@@ -3723,15 +3763,14 @@
       </p:pic>
       <p:pic>
         <p:nvPicPr>
-          <p:cNvPr id="1043" name="Picture 19" descr="C:\Users\Tom\AppData\Local\Microsoft\Windows\INetCache\IE\NN7TXIFT\newspaper-154444_960_720[1].png"/>
+          <p:cNvPr id="8196" name="Picture 4" descr="C:\Users\Tom\Desktop\Neuer Ordner\IMG-8485.JPG"/>
           <p:cNvPicPr>
             <a:picLocks noChangeAspect="1" noChangeArrowheads="1"/>
           </p:cNvPicPr>
           <p:nvPr/>
         </p:nvPicPr>
         <p:blipFill>
-          <a:blip r:embed="rId4" cstate="print">
-            <a:biLevel thresh="75000"/>
+          <a:blip r:embed="rId3" cstate="print">
             <a:extLst>
               <a:ext uri="{28A0092B-C50C-407E-A947-70E740481C1C}">
                 <a14:useLocalDpi xmlns:a14="http://schemas.microsoft.com/office/drawing/2010/main" val="0"/>
@@ -3744,9 +3783,9 @@
           </a:stretch>
         </p:blipFill>
         <p:spPr bwMode="auto">
-          <a:xfrm>
-            <a:off x="4982938" y="2299936"/>
-            <a:ext cx="564455" cy="486715"/>
+          <a:xfrm rot="5400000">
+            <a:off x="1482613" y="1465104"/>
+            <a:ext cx="1818380" cy="1363785"/>
           </a:xfrm>
           <a:prstGeom prst="rect">
             <a:avLst/>
@@ -3763,225 +3802,92 @@
           </a:extLst>
         </p:spPr>
       </p:pic>
-      <p:sp>
-        <p:nvSpPr>
-          <p:cNvPr id="19" name="Rechteck 18"/>
-          <p:cNvSpPr/>
+      <p:pic>
+        <p:nvPicPr>
+          <p:cNvPr id="8197" name="Picture 5" descr="C:\Users\Tom\Desktop\Neuer Ordner\IMG-8487.JPG"/>
+          <p:cNvPicPr>
+            <a:picLocks noChangeAspect="1" noChangeArrowheads="1"/>
+          </p:cNvPicPr>
           <p:nvPr/>
-        </p:nvSpPr>
-        <p:spPr>
-          <a:xfrm>
-            <a:off x="0" y="0"/>
-            <a:ext cx="3712704" cy="403804"/>
+        </p:nvPicPr>
+        <p:blipFill>
+          <a:blip r:embed="rId4" cstate="print">
+            <a:extLst>
+              <a:ext uri="{28A0092B-C50C-407E-A947-70E740481C1C}">
+                <a14:useLocalDpi xmlns:a14="http://schemas.microsoft.com/office/drawing/2010/main" val="0"/>
+              </a:ext>
+            </a:extLst>
+          </a:blip>
+          <a:srcRect/>
+          <a:stretch>
+            <a:fillRect/>
+          </a:stretch>
+        </p:blipFill>
+        <p:spPr bwMode="auto">
+          <a:xfrm flipH="1">
+            <a:off x="3336823" y="0"/>
+            <a:ext cx="1944458" cy="1458342"/>
           </a:xfrm>
           <a:prstGeom prst="rect">
             <a:avLst/>
           </a:prstGeom>
-        </p:spPr>
-        <p:style>
-          <a:lnRef idx="2">
-            <a:schemeClr val="accent1">
-              <a:shade val="50000"/>
-            </a:schemeClr>
-          </a:lnRef>
-          <a:fillRef idx="1">
-            <a:schemeClr val="accent1"/>
-          </a:fillRef>
-          <a:effectRef idx="0">
-            <a:schemeClr val="accent1"/>
-          </a:effectRef>
-          <a:fontRef idx="minor">
-            <a:schemeClr val="lt1"/>
-          </a:fontRef>
-        </p:style>
-        <p:txBody>
-          <a:bodyPr rtlCol="0" anchor="ctr"/>
-          <a:lstStyle/>
-          <a:p>
-            <a:pPr algn="ctr"/>
-            <a:r>
-              <a:rPr lang="de-DE" dirty="0"/>
-              <a:t>*HSRM-LOGO* 	FACHBEREICH X 	STUDIENBEREICH Y </a:t>
-            </a:r>
-          </a:p>
-        </p:txBody>
-      </p:sp>
-      <p:sp>
-        <p:nvSpPr>
-          <p:cNvPr id="20" name="Rechteck 19"/>
-          <p:cNvSpPr/>
+          <a:noFill/>
+          <a:extLst>
+            <a:ext uri="{909E8E84-426E-40DD-AFC4-6F175D3DCCD1}">
+              <a14:hiddenFill xmlns:a14="http://schemas.microsoft.com/office/drawing/2010/main">
+                <a:solidFill>
+                  <a:srgbClr val="FFFFFF"/>
+                </a:solidFill>
+              </a14:hiddenFill>
+            </a:ext>
+          </a:extLst>
+        </p:spPr>
+      </p:pic>
+      <p:pic>
+        <p:nvPicPr>
+          <p:cNvPr id="8198" name="Picture 6" descr="C:\Users\Tom\Desktop\Neuer Ordner\IMG-8488.JPG"/>
+          <p:cNvPicPr>
+            <a:picLocks noChangeAspect="1" noChangeArrowheads="1"/>
+          </p:cNvPicPr>
           <p:nvPr/>
-        </p:nvSpPr>
-        <p:spPr>
-          <a:xfrm>
-            <a:off x="-5373" y="403804"/>
-            <a:ext cx="2480508" cy="807608"/>
+        </p:nvPicPr>
+        <p:blipFill>
+          <a:blip r:embed="rId5" cstate="print">
+            <a:extLst>
+              <a:ext uri="{28A0092B-C50C-407E-A947-70E740481C1C}">
+                <a14:useLocalDpi xmlns:a14="http://schemas.microsoft.com/office/drawing/2010/main" val="0"/>
+              </a:ext>
+            </a:extLst>
+          </a:blip>
+          <a:srcRect/>
+          <a:stretch>
+            <a:fillRect/>
+          </a:stretch>
+        </p:blipFill>
+        <p:spPr bwMode="auto">
+          <a:xfrm>
+            <a:off x="3520861" y="1530350"/>
+            <a:ext cx="2059202" cy="1544402"/>
           </a:xfrm>
           <a:prstGeom prst="rect">
             <a:avLst/>
           </a:prstGeom>
-        </p:spPr>
-        <p:style>
-          <a:lnRef idx="2">
-            <a:schemeClr val="accent1">
-              <a:shade val="50000"/>
-            </a:schemeClr>
-          </a:lnRef>
-          <a:fillRef idx="1">
-            <a:schemeClr val="accent1"/>
-          </a:fillRef>
-          <a:effectRef idx="0">
-            <a:schemeClr val="accent1"/>
-          </a:effectRef>
-          <a:fontRef idx="minor">
-            <a:schemeClr val="lt1"/>
-          </a:fontRef>
-        </p:style>
-        <p:txBody>
-          <a:bodyPr rtlCol="0" anchor="ctr"/>
-          <a:lstStyle/>
-          <a:p>
-            <a:pPr algn="ctr"/>
-            <a:r>
-              <a:rPr lang="de-DE" sz="4400" dirty="0"/>
-              <a:t>RAUMNR</a:t>
-            </a:r>
-          </a:p>
-        </p:txBody>
-      </p:sp>
-      <p:sp>
-        <p:nvSpPr>
-          <p:cNvPr id="21" name="Rechteck 20"/>
-          <p:cNvSpPr/>
-          <p:nvPr/>
-        </p:nvSpPr>
-        <p:spPr>
-          <a:xfrm>
-            <a:off x="-5375" y="1211412"/>
-            <a:ext cx="2480509" cy="1840770"/>
-          </a:xfrm>
-          <a:prstGeom prst="rect">
-            <a:avLst/>
-          </a:prstGeom>
-          <a:solidFill>
-            <a:srgbClr val="FFC000"/>
-          </a:solidFill>
-        </p:spPr>
-        <p:style>
-          <a:lnRef idx="2">
-            <a:schemeClr val="accent1">
-              <a:shade val="50000"/>
-            </a:schemeClr>
-          </a:lnRef>
-          <a:fillRef idx="1">
-            <a:schemeClr val="accent1"/>
-          </a:fillRef>
-          <a:effectRef idx="0">
-            <a:schemeClr val="accent1"/>
-          </a:effectRef>
-          <a:fontRef idx="minor">
-            <a:schemeClr val="lt1"/>
-          </a:fontRef>
-        </p:style>
-        <p:txBody>
-          <a:bodyPr rtlCol="0" anchor="ctr"/>
-          <a:lstStyle/>
-          <a:p>
-            <a:pPr algn="ctr"/>
-            <a:endParaRPr lang="de-DE" dirty="0"/>
-          </a:p>
-        </p:txBody>
-      </p:sp>
-      <p:sp>
-        <p:nvSpPr>
-          <p:cNvPr id="22" name="Rechteck 21"/>
-          <p:cNvSpPr/>
-          <p:nvPr/>
-        </p:nvSpPr>
-        <p:spPr>
-          <a:xfrm>
-            <a:off x="2475135" y="403804"/>
-            <a:ext cx="2475136" cy="2648378"/>
-          </a:xfrm>
-          <a:prstGeom prst="rect">
-            <a:avLst/>
-          </a:prstGeom>
-          <a:solidFill>
-            <a:srgbClr val="FFC000"/>
-          </a:solidFill>
-        </p:spPr>
-        <p:style>
-          <a:lnRef idx="2">
-            <a:schemeClr val="accent1">
-              <a:shade val="50000"/>
-            </a:schemeClr>
-          </a:lnRef>
-          <a:fillRef idx="1">
-            <a:schemeClr val="accent1"/>
-          </a:fillRef>
-          <a:effectRef idx="0">
-            <a:schemeClr val="accent1"/>
-          </a:effectRef>
-          <a:fontRef idx="minor">
-            <a:schemeClr val="lt1"/>
-          </a:fontRef>
-        </p:style>
-        <p:txBody>
-          <a:bodyPr rtlCol="0" anchor="ctr"/>
-          <a:lstStyle/>
-          <a:p>
-            <a:pPr algn="ctr"/>
-            <a:endParaRPr lang="de-DE"/>
-          </a:p>
-        </p:txBody>
-      </p:sp>
-      <p:sp>
-        <p:nvSpPr>
-          <p:cNvPr id="23" name="Rechteck 22"/>
-          <p:cNvSpPr/>
-          <p:nvPr/>
-        </p:nvSpPr>
-        <p:spPr>
-          <a:xfrm>
-            <a:off x="3712704" y="0"/>
-            <a:ext cx="1237567" cy="403804"/>
-          </a:xfrm>
-          <a:prstGeom prst="rect">
-            <a:avLst/>
-          </a:prstGeom>
-        </p:spPr>
-        <p:style>
-          <a:lnRef idx="2">
-            <a:schemeClr val="accent1">
-              <a:shade val="50000"/>
-            </a:schemeClr>
-          </a:lnRef>
-          <a:fillRef idx="1">
-            <a:schemeClr val="accent1"/>
-          </a:fillRef>
-          <a:effectRef idx="0">
-            <a:schemeClr val="accent1"/>
-          </a:effectRef>
-          <a:fontRef idx="minor">
-            <a:schemeClr val="lt1"/>
-          </a:fontRef>
-        </p:style>
-        <p:txBody>
-          <a:bodyPr rtlCol="0" anchor="ctr"/>
-          <a:lstStyle/>
-          <a:p>
-            <a:pPr algn="ctr"/>
-            <a:r>
-              <a:rPr lang="de-DE" dirty="0"/>
-              <a:t>UHR</a:t>
-            </a:r>
-          </a:p>
-        </p:txBody>
-      </p:sp>
+          <a:noFill/>
+          <a:extLst>
+            <a:ext uri="{909E8E84-426E-40DD-AFC4-6F175D3DCCD1}">
+              <a14:hiddenFill xmlns:a14="http://schemas.microsoft.com/office/drawing/2010/main">
+                <a:solidFill>
+                  <a:srgbClr val="FFFFFF"/>
+                </a:solidFill>
+              </a14:hiddenFill>
+            </a:ext>
+          </a:extLst>
+        </p:spPr>
+      </p:pic>
     </p:spTree>
     <p:extLst>
       <p:ext uri="{BB962C8B-B14F-4D97-AF65-F5344CB8AC3E}">
-        <p14:creationId xmlns:p14="http://schemas.microsoft.com/office/powerpoint/2010/main" val="3773980856"/>
+        <p14:creationId xmlns:p14="http://schemas.microsoft.com/office/powerpoint/2010/main" val="2704246280"/>
       </p:ext>
     </p:extLst>
   </p:cSld>
@@ -4008,474 +3914,373 @@
           <a:chExt cx="0" cy="0"/>
         </a:xfrm>
       </p:grpSpPr>
-      <p:sp>
-        <p:nvSpPr>
-          <p:cNvPr id="4" name="Rechteck 3"/>
-          <p:cNvSpPr/>
+      <p:grpSp>
+        <p:nvGrpSpPr>
+          <p:cNvPr id="2" name="Gruppieren 1"/>
+          <p:cNvGrpSpPr/>
           <p:nvPr/>
-        </p:nvSpPr>
-        <p:spPr>
-          <a:xfrm>
-            <a:off x="4950271" y="0"/>
-            <a:ext cx="629792" cy="1044456"/>
-          </a:xfrm>
-          <a:prstGeom prst="rect">
-            <a:avLst/>
-          </a:prstGeom>
-        </p:spPr>
-        <p:style>
-          <a:lnRef idx="2">
-            <a:schemeClr val="accent1">
-              <a:shade val="50000"/>
-            </a:schemeClr>
-          </a:lnRef>
-          <a:fillRef idx="1">
-            <a:schemeClr val="accent1"/>
-          </a:fillRef>
-          <a:effectRef idx="0">
-            <a:schemeClr val="accent1"/>
-          </a:effectRef>
-          <a:fontRef idx="minor">
-            <a:schemeClr val="lt1"/>
-          </a:fontRef>
-        </p:style>
-        <p:txBody>
-          <a:bodyPr rtlCol="0" anchor="ctr"/>
-          <a:lstStyle/>
-          <a:p>
-            <a:pPr algn="ctr"/>
-            <a:endParaRPr lang="de-DE"/>
-          </a:p>
-        </p:txBody>
-      </p:sp>
-      <p:sp>
-        <p:nvSpPr>
-          <p:cNvPr id="13" name="Rechteck 12"/>
-          <p:cNvSpPr/>
-          <p:nvPr/>
-        </p:nvSpPr>
-        <p:spPr>
-          <a:xfrm>
-            <a:off x="4950271" y="1044456"/>
-            <a:ext cx="629792" cy="989950"/>
-          </a:xfrm>
-          <a:prstGeom prst="rect">
-            <a:avLst/>
-          </a:prstGeom>
-          <a:solidFill>
-            <a:srgbClr val="92D050"/>
-          </a:solidFill>
-        </p:spPr>
-        <p:style>
-          <a:lnRef idx="2">
-            <a:schemeClr val="accent1">
-              <a:shade val="50000"/>
-            </a:schemeClr>
-          </a:lnRef>
-          <a:fillRef idx="1">
-            <a:schemeClr val="accent1"/>
-          </a:fillRef>
-          <a:effectRef idx="0">
-            <a:schemeClr val="accent1"/>
-          </a:effectRef>
-          <a:fontRef idx="minor">
-            <a:schemeClr val="lt1"/>
-          </a:fontRef>
-        </p:style>
-        <p:txBody>
-          <a:bodyPr rtlCol="0" anchor="ctr"/>
-          <a:lstStyle/>
-          <a:p>
-            <a:pPr algn="ctr"/>
-            <a:endParaRPr lang="de-DE"/>
-          </a:p>
-        </p:txBody>
-      </p:sp>
-      <p:sp>
-        <p:nvSpPr>
-          <p:cNvPr id="14" name="Rechteck 13"/>
-          <p:cNvSpPr/>
-          <p:nvPr/>
-        </p:nvSpPr>
-        <p:spPr>
-          <a:xfrm>
-            <a:off x="4950271" y="2034406"/>
-            <a:ext cx="629792" cy="1017776"/>
-          </a:xfrm>
-          <a:prstGeom prst="rect">
-            <a:avLst/>
-          </a:prstGeom>
-        </p:spPr>
-        <p:style>
-          <a:lnRef idx="2">
-            <a:schemeClr val="accent1">
-              <a:shade val="50000"/>
-            </a:schemeClr>
-          </a:lnRef>
-          <a:fillRef idx="1">
-            <a:schemeClr val="accent1"/>
-          </a:fillRef>
-          <a:effectRef idx="0">
-            <a:schemeClr val="accent1"/>
-          </a:effectRef>
-          <a:fontRef idx="minor">
-            <a:schemeClr val="lt1"/>
-          </a:fontRef>
-        </p:style>
-        <p:txBody>
-          <a:bodyPr rtlCol="0" anchor="ctr"/>
-          <a:lstStyle/>
-          <a:p>
-            <a:pPr algn="ctr"/>
-            <a:endParaRPr lang="de-DE"/>
-          </a:p>
-        </p:txBody>
-      </p:sp>
-      <p:pic>
-        <p:nvPicPr>
-          <p:cNvPr id="1041" name="Picture 17" descr="C:\Users\Tom\AppData\Local\Microsoft\Windows\INetCache\IE\NN7TXIFT\matt-icons_user-home[1].png"/>
-          <p:cNvPicPr>
-            <a:picLocks noChangeAspect="1" noChangeArrowheads="1"/>
-          </p:cNvPicPr>
-          <p:nvPr/>
-        </p:nvPicPr>
-        <p:blipFill>
-          <a:blip r:embed="rId2" cstate="print">
-            <a:biLevel thresh="75000"/>
-            <a:extLst>
-              <a:ext uri="{28A0092B-C50C-407E-A947-70E740481C1C}">
-                <a14:useLocalDpi xmlns:a14="http://schemas.microsoft.com/office/drawing/2010/main" val="0"/>
-              </a:ext>
-            </a:extLst>
-          </a:blip>
-          <a:srcRect/>
-          <a:stretch>
-            <a:fillRect/>
-          </a:stretch>
-        </p:blipFill>
-        <p:spPr bwMode="auto">
-          <a:xfrm>
-            <a:off x="4990347" y="236848"/>
-            <a:ext cx="549639" cy="570760"/>
-          </a:xfrm>
-          <a:prstGeom prst="rect">
-            <a:avLst/>
-          </a:prstGeom>
-          <a:noFill/>
-          <a:extLst>
-            <a:ext uri="{909E8E84-426E-40DD-AFC4-6F175D3DCCD1}">
-              <a14:hiddenFill xmlns:a14="http://schemas.microsoft.com/office/drawing/2010/main">
-                <a:solidFill>
-                  <a:srgbClr val="FFFFFF"/>
-                </a:solidFill>
-              </a14:hiddenFill>
-            </a:ext>
-          </a:extLst>
-        </p:spPr>
-      </p:pic>
-      <p:pic>
-        <p:nvPicPr>
-          <p:cNvPr id="1042" name="Picture 18" descr="C:\Users\Tom\AppData\Local\Microsoft\Windows\INetCache\IE\9XPSHUUL\icon-1549619_960_720[1].png"/>
-          <p:cNvPicPr>
-            <a:picLocks noChangeAspect="1" noChangeArrowheads="1"/>
-          </p:cNvPicPr>
-          <p:nvPr/>
-        </p:nvPicPr>
-        <p:blipFill>
-          <a:blip r:embed="rId3" cstate="print">
-            <a:biLevel thresh="75000"/>
-            <a:extLst>
-              <a:ext uri="{28A0092B-C50C-407E-A947-70E740481C1C}">
-                <a14:useLocalDpi xmlns:a14="http://schemas.microsoft.com/office/drawing/2010/main" val="0"/>
-              </a:ext>
-            </a:extLst>
-          </a:blip>
-          <a:srcRect/>
-          <a:stretch>
-            <a:fillRect/>
-          </a:stretch>
-        </p:blipFill>
-        <p:spPr bwMode="auto">
-          <a:xfrm>
-            <a:off x="4982939" y="1269929"/>
-            <a:ext cx="564455" cy="539003"/>
-          </a:xfrm>
-          <a:prstGeom prst="rect">
-            <a:avLst/>
-          </a:prstGeom>
-          <a:noFill/>
-          <a:extLst>
-            <a:ext uri="{909E8E84-426E-40DD-AFC4-6F175D3DCCD1}">
-              <a14:hiddenFill xmlns:a14="http://schemas.microsoft.com/office/drawing/2010/main">
-                <a:solidFill>
-                  <a:srgbClr val="FFFFFF"/>
-                </a:solidFill>
-              </a14:hiddenFill>
-            </a:ext>
-          </a:extLst>
-        </p:spPr>
-      </p:pic>
-      <p:pic>
-        <p:nvPicPr>
-          <p:cNvPr id="1043" name="Picture 19" descr="C:\Users\Tom\AppData\Local\Microsoft\Windows\INetCache\IE\NN7TXIFT\newspaper-154444_960_720[1].png"/>
-          <p:cNvPicPr>
-            <a:picLocks noChangeAspect="1" noChangeArrowheads="1"/>
-          </p:cNvPicPr>
-          <p:nvPr/>
-        </p:nvPicPr>
-        <p:blipFill>
-          <a:blip r:embed="rId4" cstate="print">
-            <a:biLevel thresh="75000"/>
-            <a:extLst>
-              <a:ext uri="{28A0092B-C50C-407E-A947-70E740481C1C}">
-                <a14:useLocalDpi xmlns:a14="http://schemas.microsoft.com/office/drawing/2010/main" val="0"/>
-              </a:ext>
-            </a:extLst>
-          </a:blip>
-          <a:srcRect/>
-          <a:stretch>
-            <a:fillRect/>
-          </a:stretch>
-        </p:blipFill>
-        <p:spPr bwMode="auto">
-          <a:xfrm>
-            <a:off x="4982938" y="2299936"/>
-            <a:ext cx="564455" cy="486715"/>
-          </a:xfrm>
-          <a:prstGeom prst="rect">
-            <a:avLst/>
-          </a:prstGeom>
-          <a:noFill/>
-          <a:extLst>
-            <a:ext uri="{909E8E84-426E-40DD-AFC4-6F175D3DCCD1}">
-              <a14:hiddenFill xmlns:a14="http://schemas.microsoft.com/office/drawing/2010/main">
-                <a:solidFill>
-                  <a:srgbClr val="FFFFFF"/>
-                </a:solidFill>
-              </a14:hiddenFill>
-            </a:ext>
-          </a:extLst>
-        </p:spPr>
-      </p:pic>
-      <p:sp>
-        <p:nvSpPr>
-          <p:cNvPr id="19" name="Rechteck 18"/>
-          <p:cNvSpPr/>
-          <p:nvPr/>
-        </p:nvSpPr>
-        <p:spPr>
-          <a:xfrm>
-            <a:off x="0" y="0"/>
-            <a:ext cx="3712704" cy="403804"/>
-          </a:xfrm>
-          <a:prstGeom prst="rect">
-            <a:avLst/>
-          </a:prstGeom>
-        </p:spPr>
-        <p:style>
-          <a:lnRef idx="2">
-            <a:schemeClr val="accent1">
-              <a:shade val="50000"/>
-            </a:schemeClr>
-          </a:lnRef>
-          <a:fillRef idx="1">
-            <a:schemeClr val="accent1"/>
-          </a:fillRef>
-          <a:effectRef idx="0">
-            <a:schemeClr val="accent1"/>
-          </a:effectRef>
-          <a:fontRef idx="minor">
-            <a:schemeClr val="lt1"/>
-          </a:fontRef>
-        </p:style>
-        <p:txBody>
-          <a:bodyPr rtlCol="0" anchor="ctr"/>
-          <a:lstStyle/>
-          <a:p>
-            <a:pPr algn="ctr"/>
-            <a:r>
-              <a:rPr lang="de-DE" dirty="0"/>
-              <a:t>*HSRM-LOGO* 	FACHBEREICH X 	STUDIENBEREICH Y </a:t>
-            </a:r>
-          </a:p>
-        </p:txBody>
-      </p:sp>
-      <p:sp>
-        <p:nvSpPr>
-          <p:cNvPr id="20" name="Rechteck 19"/>
-          <p:cNvSpPr/>
-          <p:nvPr/>
-        </p:nvSpPr>
-        <p:spPr>
-          <a:xfrm>
-            <a:off x="-5373" y="403804"/>
-            <a:ext cx="2480508" cy="807608"/>
-          </a:xfrm>
-          <a:prstGeom prst="rect">
-            <a:avLst/>
-          </a:prstGeom>
-        </p:spPr>
-        <p:style>
-          <a:lnRef idx="2">
-            <a:schemeClr val="accent1">
-              <a:shade val="50000"/>
-            </a:schemeClr>
-          </a:lnRef>
-          <a:fillRef idx="1">
-            <a:schemeClr val="accent1"/>
-          </a:fillRef>
-          <a:effectRef idx="0">
-            <a:schemeClr val="accent1"/>
-          </a:effectRef>
-          <a:fontRef idx="minor">
-            <a:schemeClr val="lt1"/>
-          </a:fontRef>
-        </p:style>
-        <p:txBody>
-          <a:bodyPr rtlCol="0" anchor="ctr"/>
-          <a:lstStyle/>
-          <a:p>
-            <a:pPr algn="ctr"/>
-            <a:r>
-              <a:rPr lang="de-DE" sz="4400" dirty="0"/>
-              <a:t>RAUMNR</a:t>
-            </a:r>
-          </a:p>
-        </p:txBody>
-      </p:sp>
-      <p:sp>
-        <p:nvSpPr>
-          <p:cNvPr id="21" name="Rechteck 20"/>
-          <p:cNvSpPr/>
-          <p:nvPr/>
-        </p:nvSpPr>
-        <p:spPr>
-          <a:xfrm>
-            <a:off x="-5375" y="1211412"/>
-            <a:ext cx="2480509" cy="1840770"/>
-          </a:xfrm>
-          <a:prstGeom prst="rect">
-            <a:avLst/>
-          </a:prstGeom>
-          <a:solidFill>
-            <a:srgbClr val="92D050"/>
-          </a:solidFill>
-        </p:spPr>
-        <p:style>
-          <a:lnRef idx="2">
-            <a:schemeClr val="accent1">
-              <a:shade val="50000"/>
-            </a:schemeClr>
-          </a:lnRef>
-          <a:fillRef idx="1">
-            <a:schemeClr val="accent1"/>
-          </a:fillRef>
-          <a:effectRef idx="0">
-            <a:schemeClr val="accent1"/>
-          </a:effectRef>
-          <a:fontRef idx="minor">
-            <a:schemeClr val="lt1"/>
-          </a:fontRef>
-        </p:style>
-        <p:txBody>
-          <a:bodyPr rtlCol="0" anchor="ctr"/>
-          <a:lstStyle/>
-          <a:p>
-            <a:pPr algn="ctr"/>
-            <a:endParaRPr lang="de-DE" dirty="0"/>
-          </a:p>
-        </p:txBody>
-      </p:sp>
-      <p:sp>
-        <p:nvSpPr>
-          <p:cNvPr id="22" name="Rechteck 21"/>
-          <p:cNvSpPr/>
-          <p:nvPr/>
-        </p:nvSpPr>
-        <p:spPr>
-          <a:xfrm>
-            <a:off x="2475135" y="403804"/>
-            <a:ext cx="2475136" cy="2648378"/>
-          </a:xfrm>
-          <a:prstGeom prst="rect">
-            <a:avLst/>
-          </a:prstGeom>
-          <a:solidFill>
-            <a:srgbClr val="92D050"/>
-          </a:solidFill>
-        </p:spPr>
-        <p:style>
-          <a:lnRef idx="2">
-            <a:schemeClr val="accent1">
-              <a:shade val="50000"/>
-            </a:schemeClr>
-          </a:lnRef>
-          <a:fillRef idx="1">
-            <a:schemeClr val="accent1"/>
-          </a:fillRef>
-          <a:effectRef idx="0">
-            <a:schemeClr val="accent1"/>
-          </a:effectRef>
-          <a:fontRef idx="minor">
-            <a:schemeClr val="lt1"/>
-          </a:fontRef>
-        </p:style>
-        <p:txBody>
-          <a:bodyPr rtlCol="0" anchor="ctr"/>
-          <a:lstStyle/>
-          <a:p>
-            <a:pPr algn="ctr"/>
-            <a:endParaRPr lang="de-DE"/>
-          </a:p>
-        </p:txBody>
-      </p:sp>
-      <p:sp>
-        <p:nvSpPr>
-          <p:cNvPr id="23" name="Rechteck 22"/>
-          <p:cNvSpPr/>
-          <p:nvPr/>
-        </p:nvSpPr>
-        <p:spPr>
-          <a:xfrm>
-            <a:off x="3712704" y="0"/>
-            <a:ext cx="1237567" cy="403804"/>
-          </a:xfrm>
-          <a:prstGeom prst="rect">
-            <a:avLst/>
-          </a:prstGeom>
-        </p:spPr>
-        <p:style>
-          <a:lnRef idx="2">
-            <a:schemeClr val="accent1">
-              <a:shade val="50000"/>
-            </a:schemeClr>
-          </a:lnRef>
-          <a:fillRef idx="1">
-            <a:schemeClr val="accent1"/>
-          </a:fillRef>
-          <a:effectRef idx="0">
-            <a:schemeClr val="accent1"/>
-          </a:effectRef>
-          <a:fontRef idx="minor">
-            <a:schemeClr val="lt1"/>
-          </a:fontRef>
-        </p:style>
-        <p:txBody>
-          <a:bodyPr rtlCol="0" anchor="ctr"/>
-          <a:lstStyle/>
-          <a:p>
-            <a:pPr algn="ctr"/>
-            <a:r>
-              <a:rPr lang="de-DE" dirty="0"/>
-              <a:t>UHR</a:t>
-            </a:r>
-          </a:p>
-        </p:txBody>
-      </p:sp>
+        </p:nvGrpSpPr>
+        <p:grpSpPr>
+          <a:xfrm>
+            <a:off x="-5375" y="0"/>
+            <a:ext cx="5585438" cy="3052182"/>
+            <a:chOff x="-5375" y="0"/>
+            <a:chExt cx="5585438" cy="3052182"/>
+          </a:xfrm>
+        </p:grpSpPr>
+        <p:sp>
+          <p:nvSpPr>
+            <p:cNvPr id="4" name="Rechteck 3"/>
+            <p:cNvSpPr/>
+            <p:nvPr/>
+          </p:nvSpPr>
+          <p:spPr>
+            <a:xfrm>
+              <a:off x="4950271" y="0"/>
+              <a:ext cx="629792" cy="1044456"/>
+            </a:xfrm>
+            <a:prstGeom prst="rect">
+              <a:avLst/>
+            </a:prstGeom>
+          </p:spPr>
+          <p:style>
+            <a:lnRef idx="2">
+              <a:schemeClr val="accent1">
+                <a:shade val="50000"/>
+              </a:schemeClr>
+            </a:lnRef>
+            <a:fillRef idx="1">
+              <a:schemeClr val="accent1"/>
+            </a:fillRef>
+            <a:effectRef idx="0">
+              <a:schemeClr val="accent1"/>
+            </a:effectRef>
+            <a:fontRef idx="minor">
+              <a:schemeClr val="lt1"/>
+            </a:fontRef>
+          </p:style>
+          <p:txBody>
+            <a:bodyPr rtlCol="0" anchor="ctr"/>
+            <a:lstStyle/>
+            <a:p>
+              <a:pPr algn="ctr"/>
+              <a:r>
+                <a:rPr lang="de-DE" dirty="0" smtClean="0"/>
+                <a:t>Screen1</a:t>
+              </a:r>
+              <a:endParaRPr lang="de-DE" dirty="0"/>
+            </a:p>
+          </p:txBody>
+        </p:sp>
+        <p:sp>
+          <p:nvSpPr>
+            <p:cNvPr id="13" name="Rechteck 12"/>
+            <p:cNvSpPr/>
+            <p:nvPr/>
+          </p:nvSpPr>
+          <p:spPr>
+            <a:xfrm>
+              <a:off x="4950271" y="1044456"/>
+              <a:ext cx="629792" cy="989950"/>
+            </a:xfrm>
+            <a:prstGeom prst="rect">
+              <a:avLst/>
+            </a:prstGeom>
+          </p:spPr>
+          <p:style>
+            <a:lnRef idx="2">
+              <a:schemeClr val="accent1">
+                <a:shade val="50000"/>
+              </a:schemeClr>
+            </a:lnRef>
+            <a:fillRef idx="1">
+              <a:schemeClr val="accent1"/>
+            </a:fillRef>
+            <a:effectRef idx="0">
+              <a:schemeClr val="accent1"/>
+            </a:effectRef>
+            <a:fontRef idx="minor">
+              <a:schemeClr val="lt1"/>
+            </a:fontRef>
+          </p:style>
+          <p:txBody>
+            <a:bodyPr rtlCol="0" anchor="ctr"/>
+            <a:lstStyle/>
+            <a:p>
+              <a:pPr algn="ctr"/>
+              <a:r>
+                <a:rPr lang="de-DE" dirty="0" smtClean="0"/>
+                <a:t>Screen2</a:t>
+              </a:r>
+              <a:endParaRPr lang="de-DE" dirty="0"/>
+            </a:p>
+          </p:txBody>
+        </p:sp>
+        <p:sp>
+          <p:nvSpPr>
+            <p:cNvPr id="14" name="Rechteck 13"/>
+            <p:cNvSpPr/>
+            <p:nvPr/>
+          </p:nvSpPr>
+          <p:spPr>
+            <a:xfrm>
+              <a:off x="4950271" y="2034406"/>
+              <a:ext cx="629792" cy="1017776"/>
+            </a:xfrm>
+            <a:prstGeom prst="rect">
+              <a:avLst/>
+            </a:prstGeom>
+          </p:spPr>
+          <p:style>
+            <a:lnRef idx="2">
+              <a:schemeClr val="accent1">
+                <a:shade val="50000"/>
+              </a:schemeClr>
+            </a:lnRef>
+            <a:fillRef idx="1">
+              <a:schemeClr val="accent1"/>
+            </a:fillRef>
+            <a:effectRef idx="0">
+              <a:schemeClr val="accent1"/>
+            </a:effectRef>
+            <a:fontRef idx="minor">
+              <a:schemeClr val="lt1"/>
+            </a:fontRef>
+          </p:style>
+          <p:txBody>
+            <a:bodyPr rtlCol="0" anchor="ctr"/>
+            <a:lstStyle/>
+            <a:p>
+              <a:pPr algn="ctr"/>
+              <a:r>
+                <a:rPr lang="de-DE" dirty="0" smtClean="0"/>
+                <a:t>Screen3</a:t>
+              </a:r>
+            </a:p>
+          </p:txBody>
+        </p:sp>
+        <p:sp>
+          <p:nvSpPr>
+            <p:cNvPr id="19" name="Rechteck 18"/>
+            <p:cNvSpPr/>
+            <p:nvPr/>
+          </p:nvSpPr>
+          <p:spPr>
+            <a:xfrm>
+              <a:off x="0" y="0"/>
+              <a:ext cx="3712704" cy="403804"/>
+            </a:xfrm>
+            <a:prstGeom prst="rect">
+              <a:avLst/>
+            </a:prstGeom>
+          </p:spPr>
+          <p:style>
+            <a:lnRef idx="2">
+              <a:schemeClr val="accent1">
+                <a:shade val="50000"/>
+              </a:schemeClr>
+            </a:lnRef>
+            <a:fillRef idx="1">
+              <a:schemeClr val="accent1"/>
+            </a:fillRef>
+            <a:effectRef idx="0">
+              <a:schemeClr val="accent1"/>
+            </a:effectRef>
+            <a:fontRef idx="minor">
+              <a:schemeClr val="lt1"/>
+            </a:fontRef>
+          </p:style>
+          <p:txBody>
+            <a:bodyPr rtlCol="0" anchor="ctr"/>
+            <a:lstStyle/>
+            <a:p>
+              <a:pPr algn="ctr"/>
+              <a:r>
+                <a:rPr lang="de-DE" dirty="0"/>
+                <a:t>*HSRM-LOGO* 	FACHBEREICH X </a:t>
+              </a:r>
+              <a:r>
+                <a:rPr lang="de-DE"/>
+                <a:t>	STUDIENBEREICH </a:t>
+              </a:r>
+              <a:r>
+                <a:rPr lang="de-DE" dirty="0"/>
+                <a:t>Y </a:t>
+              </a:r>
+            </a:p>
+          </p:txBody>
+        </p:sp>
+        <p:sp>
+          <p:nvSpPr>
+            <p:cNvPr id="20" name="Rechteck 19"/>
+            <p:cNvSpPr/>
+            <p:nvPr/>
+          </p:nvSpPr>
+          <p:spPr>
+            <a:xfrm>
+              <a:off x="-5373" y="403804"/>
+              <a:ext cx="2480508" cy="807608"/>
+            </a:xfrm>
+            <a:prstGeom prst="rect">
+              <a:avLst/>
+            </a:prstGeom>
+          </p:spPr>
+          <p:style>
+            <a:lnRef idx="2">
+              <a:schemeClr val="accent1">
+                <a:shade val="50000"/>
+              </a:schemeClr>
+            </a:lnRef>
+            <a:fillRef idx="1">
+              <a:schemeClr val="accent1"/>
+            </a:fillRef>
+            <a:effectRef idx="0">
+              <a:schemeClr val="accent1"/>
+            </a:effectRef>
+            <a:fontRef idx="minor">
+              <a:schemeClr val="lt1"/>
+            </a:fontRef>
+          </p:style>
+          <p:txBody>
+            <a:bodyPr rtlCol="0" anchor="ctr"/>
+            <a:lstStyle/>
+            <a:p>
+              <a:pPr algn="ctr"/>
+              <a:r>
+                <a:rPr lang="de-DE" sz="4400" dirty="0"/>
+                <a:t>RAUMNR</a:t>
+              </a:r>
+            </a:p>
+          </p:txBody>
+        </p:sp>
+        <p:sp>
+          <p:nvSpPr>
+            <p:cNvPr id="21" name="Rechteck 20"/>
+            <p:cNvSpPr/>
+            <p:nvPr/>
+          </p:nvSpPr>
+          <p:spPr>
+            <a:xfrm>
+              <a:off x="-5375" y="1211412"/>
+              <a:ext cx="2480509" cy="1840770"/>
+            </a:xfrm>
+            <a:prstGeom prst="rect">
+              <a:avLst/>
+            </a:prstGeom>
+          </p:spPr>
+          <p:style>
+            <a:lnRef idx="2">
+              <a:schemeClr val="accent1">
+                <a:shade val="50000"/>
+              </a:schemeClr>
+            </a:lnRef>
+            <a:fillRef idx="1">
+              <a:schemeClr val="accent1"/>
+            </a:fillRef>
+            <a:effectRef idx="0">
+              <a:schemeClr val="accent1"/>
+            </a:effectRef>
+            <a:fontRef idx="minor">
+              <a:schemeClr val="lt1"/>
+            </a:fontRef>
+          </p:style>
+          <p:txBody>
+            <a:bodyPr rtlCol="0" anchor="ctr"/>
+            <a:lstStyle/>
+            <a:p>
+              <a:pPr algn="ctr"/>
+              <a:endParaRPr lang="de-DE" dirty="0"/>
+            </a:p>
+          </p:txBody>
+        </p:sp>
+        <p:sp>
+          <p:nvSpPr>
+            <p:cNvPr id="22" name="Rechteck 21"/>
+            <p:cNvSpPr/>
+            <p:nvPr/>
+          </p:nvSpPr>
+          <p:spPr>
+            <a:xfrm>
+              <a:off x="2475134" y="403804"/>
+              <a:ext cx="2475136" cy="2648378"/>
+            </a:xfrm>
+            <a:prstGeom prst="rect">
+              <a:avLst/>
+            </a:prstGeom>
+          </p:spPr>
+          <p:style>
+            <a:lnRef idx="2">
+              <a:schemeClr val="accent1">
+                <a:shade val="50000"/>
+              </a:schemeClr>
+            </a:lnRef>
+            <a:fillRef idx="1">
+              <a:schemeClr val="accent1"/>
+            </a:fillRef>
+            <a:effectRef idx="0">
+              <a:schemeClr val="accent1"/>
+            </a:effectRef>
+            <a:fontRef idx="minor">
+              <a:schemeClr val="lt1"/>
+            </a:fontRef>
+          </p:style>
+          <p:txBody>
+            <a:bodyPr rtlCol="0" anchor="ctr"/>
+            <a:lstStyle/>
+            <a:p>
+              <a:pPr algn="ctr"/>
+              <a:endParaRPr lang="de-DE"/>
+            </a:p>
+          </p:txBody>
+        </p:sp>
+        <p:sp>
+          <p:nvSpPr>
+            <p:cNvPr id="23" name="Rechteck 22"/>
+            <p:cNvSpPr/>
+            <p:nvPr/>
+          </p:nvSpPr>
+          <p:spPr>
+            <a:xfrm>
+              <a:off x="3712704" y="0"/>
+              <a:ext cx="1237567" cy="403804"/>
+            </a:xfrm>
+            <a:prstGeom prst="rect">
+              <a:avLst/>
+            </a:prstGeom>
+          </p:spPr>
+          <p:style>
+            <a:lnRef idx="2">
+              <a:schemeClr val="accent1">
+                <a:shade val="50000"/>
+              </a:schemeClr>
+            </a:lnRef>
+            <a:fillRef idx="1">
+              <a:schemeClr val="accent1"/>
+            </a:fillRef>
+            <a:effectRef idx="0">
+              <a:schemeClr val="accent1"/>
+            </a:effectRef>
+            <a:fontRef idx="minor">
+              <a:schemeClr val="lt1"/>
+            </a:fontRef>
+          </p:style>
+          <p:txBody>
+            <a:bodyPr rtlCol="0" anchor="ctr"/>
+            <a:lstStyle/>
+            <a:p>
+              <a:pPr algn="ctr"/>
+              <a:r>
+                <a:rPr lang="de-DE" dirty="0"/>
+                <a:t>UHR</a:t>
+              </a:r>
+            </a:p>
+          </p:txBody>
+        </p:sp>
+      </p:grpSp>
     </p:spTree>
     <p:extLst>
       <p:ext uri="{BB962C8B-B14F-4D97-AF65-F5344CB8AC3E}">
-        <p14:creationId xmlns:p14="http://schemas.microsoft.com/office/powerpoint/2010/main" val="1680513626"/>
+        <p14:creationId xmlns:p14="http://schemas.microsoft.com/office/powerpoint/2010/main" val="710682189"/>
       </p:ext>
     </p:extLst>
   </p:cSld>
@@ -4504,6 +4309,132 @@
       </p:grpSpPr>
       <p:sp>
         <p:nvSpPr>
+          <p:cNvPr id="2" name="Titel 1"/>
+          <p:cNvSpPr>
+            <a:spLocks noGrp="1"/>
+          </p:cNvSpPr>
+          <p:nvPr>
+            <p:ph type="title"/>
+          </p:nvPr>
+        </p:nvSpPr>
+        <p:spPr/>
+        <p:txBody>
+          <a:bodyPr/>
+          <a:lstStyle/>
+          <a:p>
+            <a:r>
+              <a:rPr lang="de-DE" dirty="0" smtClean="0"/>
+              <a:t>Screen Klasse für die Anzeige</a:t>
+            </a:r>
+            <a:endParaRPr lang="de-DE" dirty="0"/>
+          </a:p>
+        </p:txBody>
+      </p:sp>
+      <p:sp>
+        <p:nvSpPr>
+          <p:cNvPr id="3" name="Inhaltsplatzhalter 2"/>
+          <p:cNvSpPr>
+            <a:spLocks noGrp="1"/>
+          </p:cNvSpPr>
+          <p:nvPr>
+            <p:ph idx="1"/>
+          </p:nvPr>
+        </p:nvSpPr>
+        <p:spPr/>
+        <p:txBody>
+          <a:bodyPr/>
+          <a:lstStyle/>
+          <a:p>
+            <a:r>
+              <a:rPr lang="de-DE" dirty="0" smtClean="0"/>
+              <a:t>Basisklasse für Screens</a:t>
+            </a:r>
+          </a:p>
+          <a:p>
+            <a:pPr lvl="1"/>
+            <a:r>
+              <a:rPr lang="de-DE" dirty="0" smtClean="0"/>
+              <a:t>Funktion für Buttons, weitere Funktionen</a:t>
+            </a:r>
+          </a:p>
+          <a:p>
+            <a:pPr lvl="1"/>
+            <a:r>
+              <a:rPr lang="de-DE" dirty="0" smtClean="0"/>
+              <a:t>Kalender, Infos erben von dieser Klasse können aber anders aufgebaut sein</a:t>
+            </a:r>
+          </a:p>
+          <a:p>
+            <a:pPr lvl="1"/>
+            <a:r>
+              <a:rPr lang="de-DE" dirty="0" smtClean="0"/>
+              <a:t>Weitere Screens sind durch Vererbung möglich</a:t>
+            </a:r>
+          </a:p>
+          <a:p>
+            <a:r>
+              <a:rPr lang="de-DE" dirty="0" smtClean="0"/>
+              <a:t>Welcher Screen genutzt werden steht im </a:t>
+            </a:r>
+            <a:r>
+              <a:rPr lang="de-DE" dirty="0" err="1" smtClean="0"/>
+              <a:t>JsonFile</a:t>
+            </a:r>
+            <a:endParaRPr lang="de-DE" dirty="0" smtClean="0"/>
+          </a:p>
+          <a:p>
+            <a:pPr lvl="1"/>
+            <a:r>
+              <a:rPr lang="de-DE" dirty="0" smtClean="0"/>
+              <a:t>Inhalte jedes Screens in </a:t>
+            </a:r>
+            <a:r>
+              <a:rPr lang="de-DE" dirty="0" err="1" smtClean="0"/>
+              <a:t>JsonObjekt</a:t>
+            </a:r>
+            <a:r>
+              <a:rPr lang="de-DE" dirty="0" smtClean="0"/>
+              <a:t> und lokaler Datenbank</a:t>
+            </a:r>
+            <a:endParaRPr lang="de-DE" dirty="0"/>
+          </a:p>
+          <a:p>
+            <a:endParaRPr lang="de-DE" dirty="0" smtClean="0"/>
+          </a:p>
+        </p:txBody>
+      </p:sp>
+    </p:spTree>
+    <p:extLst>
+      <p:ext uri="{BB962C8B-B14F-4D97-AF65-F5344CB8AC3E}">
+        <p14:creationId xmlns:p14="http://schemas.microsoft.com/office/powerpoint/2010/main" val="3868073004"/>
+      </p:ext>
+    </p:extLst>
+  </p:cSld>
+  <p:clrMapOvr>
+    <a:masterClrMapping/>
+  </p:clrMapOvr>
+</p:sld>
+</file>
+
+<file path=ppt/slides/slide5.xml><?xml version="1.0" encoding="utf-8"?>
+<p:sld xmlns:a="http://schemas.openxmlformats.org/drawingml/2006/main" xmlns:r="http://schemas.openxmlformats.org/officeDocument/2006/relationships" xmlns:p="http://schemas.openxmlformats.org/presentationml/2006/main">
+  <p:cSld>
+    <p:spTree>
+      <p:nvGrpSpPr>
+        <p:cNvPr id="1" name=""/>
+        <p:cNvGrpSpPr/>
+        <p:nvPr/>
+      </p:nvGrpSpPr>
+      <p:grpSpPr>
+        <a:xfrm>
+          <a:off x="0" y="0"/>
+          <a:ext cx="0" cy="0"/>
+          <a:chOff x="0" y="0"/>
+          <a:chExt cx="0" cy="0"/>
+        </a:xfrm>
+      </p:grpSpPr>
+      <p:sp>
+        <p:nvSpPr>
           <p:cNvPr id="4" name="Rechteck 3"/>
           <p:cNvSpPr/>
           <p:nvPr/>
@@ -4516,6 +4447,9 @@
           <a:prstGeom prst="rect">
             <a:avLst/>
           </a:prstGeom>
+          <a:solidFill>
+            <a:srgbClr val="FFC000"/>
+          </a:solidFill>
         </p:spPr>
         <p:style>
           <a:lnRef idx="2">
@@ -4596,9 +4530,6 @@
           <a:prstGeom prst="rect">
             <a:avLst/>
           </a:prstGeom>
-          <a:solidFill>
-            <a:srgbClr val="7030A0"/>
-          </a:solidFill>
         </p:spPr>
         <p:style>
           <a:lnRef idx="2">
@@ -4852,7 +4783,7 @@
             <a:avLst/>
           </a:prstGeom>
           <a:solidFill>
-            <a:srgbClr val="7030A0"/>
+            <a:srgbClr val="FFC000"/>
           </a:solidFill>
         </p:spPr>
         <p:style>
@@ -4895,7 +4826,7 @@
             <a:avLst/>
           </a:prstGeom>
           <a:solidFill>
-            <a:srgbClr val="7030A0"/>
+            <a:srgbClr val="FFC000"/>
           </a:solidFill>
         </p:spPr>
         <p:style>
@@ -4966,10 +4897,4535 @@
           </a:p>
         </p:txBody>
       </p:sp>
+      <p:sp>
+        <p:nvSpPr>
+          <p:cNvPr id="2" name="AutoShape 2" descr="Person Free Icon of Eva Fill Icons"/>
+          <p:cNvSpPr>
+            <a:spLocks noChangeAspect="1" noChangeArrowheads="1"/>
+          </p:cNvSpPr>
+          <p:nvPr/>
+        </p:nvSpPr>
+        <p:spPr bwMode="auto">
+          <a:xfrm>
+            <a:off x="155575" y="-144463"/>
+            <a:ext cx="304800" cy="304801"/>
+          </a:xfrm>
+          <a:prstGeom prst="rect">
+            <a:avLst/>
+          </a:prstGeom>
+          <a:noFill/>
+          <a:extLst>
+            <a:ext uri="{909E8E84-426E-40DD-AFC4-6F175D3DCCD1}">
+              <a14:hiddenFill xmlns:a14="http://schemas.microsoft.com/office/drawing/2010/main">
+                <a:solidFill>
+                  <a:srgbClr val="FFFFFF"/>
+                </a:solidFill>
+              </a14:hiddenFill>
+            </a:ext>
+          </a:extLst>
+        </p:spPr>
+        <p:txBody>
+          <a:bodyPr vert="horz" wrap="square" lIns="91440" tIns="45720" rIns="91440" bIns="45720" numCol="1" anchor="t" anchorCtr="0" compatLnSpc="1">
+            <a:prstTxWarp prst="textNoShape">
+              <a:avLst/>
+            </a:prstTxWarp>
+          </a:bodyPr>
+          <a:lstStyle/>
+          <a:p>
+            <a:endParaRPr lang="de-DE"/>
+          </a:p>
+        </p:txBody>
+      </p:sp>
+      <p:pic>
+        <p:nvPicPr>
+          <p:cNvPr id="15" name="Picture 2" descr="Person Free Icon of Eva Fill Icons"/>
+          <p:cNvPicPr>
+            <a:picLocks noChangeAspect="1" noChangeArrowheads="1"/>
+          </p:cNvPicPr>
+          <p:nvPr/>
+        </p:nvPicPr>
+        <p:blipFill>
+          <a:blip r:embed="rId5" cstate="print">
+            <a:extLst>
+              <a:ext uri="{28A0092B-C50C-407E-A947-70E740481C1C}">
+                <a14:useLocalDpi xmlns:a14="http://schemas.microsoft.com/office/drawing/2010/main" val="0"/>
+              </a:ext>
+            </a:extLst>
+          </a:blip>
+          <a:srcRect/>
+          <a:stretch>
+            <a:fillRect/>
+          </a:stretch>
+        </p:blipFill>
+        <p:spPr bwMode="auto">
+          <a:xfrm>
+            <a:off x="95633" y="1304925"/>
+            <a:ext cx="729481" cy="729481"/>
+          </a:xfrm>
+          <a:prstGeom prst="rect">
+            <a:avLst/>
+          </a:prstGeom>
+          <a:noFill/>
+          <a:extLst>
+            <a:ext uri="{909E8E84-426E-40DD-AFC4-6F175D3DCCD1}">
+              <a14:hiddenFill xmlns:a14="http://schemas.microsoft.com/office/drawing/2010/main">
+                <a:solidFill>
+                  <a:srgbClr val="FFFFFF"/>
+                </a:solidFill>
+              </a14:hiddenFill>
+            </a:ext>
+          </a:extLst>
+        </p:spPr>
+      </p:pic>
+      <p:pic>
+        <p:nvPicPr>
+          <p:cNvPr id="4100" name="Picture 4" descr="Visar Januzaj, M. Sc."/>
+          <p:cNvPicPr>
+            <a:picLocks noChangeAspect="1" noChangeArrowheads="1"/>
+          </p:cNvPicPr>
+          <p:nvPr/>
+        </p:nvPicPr>
+        <p:blipFill>
+          <a:blip r:embed="rId6" cstate="print">
+            <a:extLst>
+              <a:ext uri="{28A0092B-C50C-407E-A947-70E740481C1C}">
+                <a14:useLocalDpi xmlns:a14="http://schemas.microsoft.com/office/drawing/2010/main" val="0"/>
+              </a:ext>
+            </a:extLst>
+          </a:blip>
+          <a:srcRect/>
+          <a:stretch>
+            <a:fillRect/>
+          </a:stretch>
+        </p:blipFill>
+        <p:spPr bwMode="auto">
+          <a:xfrm>
+            <a:off x="248160" y="2178422"/>
+            <a:ext cx="389372" cy="486715"/>
+          </a:xfrm>
+          <a:prstGeom prst="rect">
+            <a:avLst/>
+          </a:prstGeom>
+          <a:noFill/>
+          <a:extLst>
+            <a:ext uri="{909E8E84-426E-40DD-AFC4-6F175D3DCCD1}">
+              <a14:hiddenFill xmlns:a14="http://schemas.microsoft.com/office/drawing/2010/main">
+                <a:solidFill>
+                  <a:srgbClr val="FFFFFF"/>
+                </a:solidFill>
+              </a14:hiddenFill>
+            </a:ext>
+          </a:extLst>
+        </p:spPr>
+      </p:pic>
+      <p:grpSp>
+        <p:nvGrpSpPr>
+          <p:cNvPr id="8" name="Gruppieren 7"/>
+          <p:cNvGrpSpPr/>
+          <p:nvPr/>
+        </p:nvGrpSpPr>
+        <p:grpSpPr>
+          <a:xfrm>
+            <a:off x="802831" y="1458181"/>
+            <a:ext cx="864096" cy="422967"/>
+            <a:chOff x="802831" y="1458181"/>
+            <a:chExt cx="864096" cy="422967"/>
+          </a:xfrm>
+        </p:grpSpPr>
+        <p:sp>
+          <p:nvSpPr>
+            <p:cNvPr id="3" name="Rechteck 2"/>
+            <p:cNvSpPr/>
+            <p:nvPr/>
+          </p:nvSpPr>
+          <p:spPr>
+            <a:xfrm>
+              <a:off x="802831" y="1458181"/>
+              <a:ext cx="864096" cy="422967"/>
+            </a:xfrm>
+            <a:prstGeom prst="rect">
+              <a:avLst/>
+            </a:prstGeom>
+          </p:spPr>
+          <p:style>
+            <a:lnRef idx="2">
+              <a:schemeClr val="accent1">
+                <a:shade val="50000"/>
+              </a:schemeClr>
+            </a:lnRef>
+            <a:fillRef idx="1">
+              <a:schemeClr val="accent1"/>
+            </a:fillRef>
+            <a:effectRef idx="0">
+              <a:schemeClr val="accent1"/>
+            </a:effectRef>
+            <a:fontRef idx="minor">
+              <a:schemeClr val="lt1"/>
+            </a:fontRef>
+          </p:style>
+          <p:txBody>
+            <a:bodyPr rtlCol="0" anchor="ctr"/>
+            <a:lstStyle/>
+            <a:p>
+              <a:pPr algn="ctr"/>
+              <a:r>
+                <a:rPr lang="de-DE" dirty="0" smtClean="0"/>
+                <a:t>Person1</a:t>
+              </a:r>
+              <a:endParaRPr lang="de-DE" dirty="0"/>
+            </a:p>
+          </p:txBody>
+        </p:sp>
+        <p:sp>
+          <p:nvSpPr>
+            <p:cNvPr id="7" name="Minus 6"/>
+            <p:cNvSpPr/>
+            <p:nvPr/>
+          </p:nvSpPr>
+          <p:spPr>
+            <a:xfrm>
+              <a:off x="802831" y="1458181"/>
+              <a:ext cx="648072" cy="243358"/>
+            </a:xfrm>
+            <a:prstGeom prst="mathMinus">
+              <a:avLst/>
+            </a:prstGeom>
+          </p:spPr>
+          <p:style>
+            <a:lnRef idx="2">
+              <a:schemeClr val="accent1">
+                <a:shade val="50000"/>
+              </a:schemeClr>
+            </a:lnRef>
+            <a:fillRef idx="1">
+              <a:schemeClr val="accent1"/>
+            </a:fillRef>
+            <a:effectRef idx="0">
+              <a:schemeClr val="accent1"/>
+            </a:effectRef>
+            <a:fontRef idx="minor">
+              <a:schemeClr val="lt1"/>
+            </a:fontRef>
+          </p:style>
+          <p:txBody>
+            <a:bodyPr rtlCol="0" anchor="ctr"/>
+            <a:lstStyle/>
+            <a:p>
+              <a:pPr algn="ctr"/>
+              <a:endParaRPr lang="de-DE"/>
+            </a:p>
+          </p:txBody>
+        </p:sp>
+        <p:sp>
+          <p:nvSpPr>
+            <p:cNvPr id="24" name="Minus 23"/>
+            <p:cNvSpPr/>
+            <p:nvPr/>
+          </p:nvSpPr>
+          <p:spPr>
+            <a:xfrm>
+              <a:off x="802831" y="1637316"/>
+              <a:ext cx="864096" cy="243358"/>
+            </a:xfrm>
+            <a:prstGeom prst="mathMinus">
+              <a:avLst/>
+            </a:prstGeom>
+          </p:spPr>
+          <p:style>
+            <a:lnRef idx="2">
+              <a:schemeClr val="accent1">
+                <a:shade val="50000"/>
+              </a:schemeClr>
+            </a:lnRef>
+            <a:fillRef idx="1">
+              <a:schemeClr val="accent1"/>
+            </a:fillRef>
+            <a:effectRef idx="0">
+              <a:schemeClr val="accent1"/>
+            </a:effectRef>
+            <a:fontRef idx="minor">
+              <a:schemeClr val="lt1"/>
+            </a:fontRef>
+          </p:style>
+          <p:txBody>
+            <a:bodyPr rtlCol="0" anchor="ctr"/>
+            <a:lstStyle/>
+            <a:p>
+              <a:pPr algn="ctr"/>
+              <a:endParaRPr lang="de-DE"/>
+            </a:p>
+          </p:txBody>
+        </p:sp>
+      </p:grpSp>
+      <p:grpSp>
+        <p:nvGrpSpPr>
+          <p:cNvPr id="25" name="Gruppieren 24"/>
+          <p:cNvGrpSpPr/>
+          <p:nvPr/>
+        </p:nvGrpSpPr>
+        <p:grpSpPr>
+          <a:xfrm>
+            <a:off x="790797" y="2210295"/>
+            <a:ext cx="864096" cy="422967"/>
+            <a:chOff x="802831" y="1458181"/>
+            <a:chExt cx="864096" cy="422967"/>
+          </a:xfrm>
+        </p:grpSpPr>
+        <p:sp>
+          <p:nvSpPr>
+            <p:cNvPr id="26" name="Rechteck 25"/>
+            <p:cNvSpPr/>
+            <p:nvPr/>
+          </p:nvSpPr>
+          <p:spPr>
+            <a:xfrm>
+              <a:off x="802831" y="1458181"/>
+              <a:ext cx="864096" cy="422967"/>
+            </a:xfrm>
+            <a:prstGeom prst="rect">
+              <a:avLst/>
+            </a:prstGeom>
+          </p:spPr>
+          <p:style>
+            <a:lnRef idx="2">
+              <a:schemeClr val="accent1">
+                <a:shade val="50000"/>
+              </a:schemeClr>
+            </a:lnRef>
+            <a:fillRef idx="1">
+              <a:schemeClr val="accent1"/>
+            </a:fillRef>
+            <a:effectRef idx="0">
+              <a:schemeClr val="accent1"/>
+            </a:effectRef>
+            <a:fontRef idx="minor">
+              <a:schemeClr val="lt1"/>
+            </a:fontRef>
+          </p:style>
+          <p:txBody>
+            <a:bodyPr rtlCol="0" anchor="ctr"/>
+            <a:lstStyle/>
+            <a:p>
+              <a:pPr algn="ctr"/>
+              <a:r>
+                <a:rPr lang="de-DE" dirty="0" smtClean="0"/>
+                <a:t>Person2</a:t>
+              </a:r>
+              <a:endParaRPr lang="de-DE" dirty="0"/>
+            </a:p>
+          </p:txBody>
+        </p:sp>
+        <p:sp>
+          <p:nvSpPr>
+            <p:cNvPr id="27" name="Minus 26"/>
+            <p:cNvSpPr/>
+            <p:nvPr/>
+          </p:nvSpPr>
+          <p:spPr>
+            <a:xfrm>
+              <a:off x="802831" y="1458181"/>
+              <a:ext cx="648072" cy="243358"/>
+            </a:xfrm>
+            <a:prstGeom prst="mathMinus">
+              <a:avLst/>
+            </a:prstGeom>
+          </p:spPr>
+          <p:style>
+            <a:lnRef idx="2">
+              <a:schemeClr val="accent1">
+                <a:shade val="50000"/>
+              </a:schemeClr>
+            </a:lnRef>
+            <a:fillRef idx="1">
+              <a:schemeClr val="accent1"/>
+            </a:fillRef>
+            <a:effectRef idx="0">
+              <a:schemeClr val="accent1"/>
+            </a:effectRef>
+            <a:fontRef idx="minor">
+              <a:schemeClr val="lt1"/>
+            </a:fontRef>
+          </p:style>
+          <p:txBody>
+            <a:bodyPr rtlCol="0" anchor="ctr"/>
+            <a:lstStyle/>
+            <a:p>
+              <a:pPr algn="ctr"/>
+              <a:endParaRPr lang="de-DE"/>
+            </a:p>
+          </p:txBody>
+        </p:sp>
+        <p:sp>
+          <p:nvSpPr>
+            <p:cNvPr id="28" name="Minus 27"/>
+            <p:cNvSpPr/>
+            <p:nvPr/>
+          </p:nvSpPr>
+          <p:spPr>
+            <a:xfrm>
+              <a:off x="802831" y="1637316"/>
+              <a:ext cx="864096" cy="243358"/>
+            </a:xfrm>
+            <a:prstGeom prst="mathMinus">
+              <a:avLst/>
+            </a:prstGeom>
+          </p:spPr>
+          <p:style>
+            <a:lnRef idx="2">
+              <a:schemeClr val="accent1">
+                <a:shade val="50000"/>
+              </a:schemeClr>
+            </a:lnRef>
+            <a:fillRef idx="1">
+              <a:schemeClr val="accent1"/>
+            </a:fillRef>
+            <a:effectRef idx="0">
+              <a:schemeClr val="accent1"/>
+            </a:effectRef>
+            <a:fontRef idx="minor">
+              <a:schemeClr val="lt1"/>
+            </a:fontRef>
+          </p:style>
+          <p:txBody>
+            <a:bodyPr rtlCol="0" anchor="ctr"/>
+            <a:lstStyle/>
+            <a:p>
+              <a:pPr algn="ctr"/>
+              <a:endParaRPr lang="de-DE"/>
+            </a:p>
+          </p:txBody>
+        </p:sp>
+      </p:grpSp>
+      <p:sp>
+        <p:nvSpPr>
+          <p:cNvPr id="30" name="Rechteck 29"/>
+          <p:cNvSpPr/>
+          <p:nvPr/>
+        </p:nvSpPr>
+        <p:spPr>
+          <a:xfrm>
+            <a:off x="2884402" y="859941"/>
+            <a:ext cx="1008112" cy="1296144"/>
+          </a:xfrm>
+          <a:prstGeom prst="rect">
+            <a:avLst/>
+          </a:prstGeom>
+        </p:spPr>
+        <p:style>
+          <a:lnRef idx="2">
+            <a:schemeClr val="accent1">
+              <a:shade val="50000"/>
+            </a:schemeClr>
+          </a:lnRef>
+          <a:fillRef idx="1">
+            <a:schemeClr val="accent1"/>
+          </a:fillRef>
+          <a:effectRef idx="0">
+            <a:schemeClr val="accent1"/>
+          </a:effectRef>
+          <a:fontRef idx="minor">
+            <a:schemeClr val="lt1"/>
+          </a:fontRef>
+        </p:style>
+        <p:txBody>
+          <a:bodyPr rtlCol="0" anchor="ctr"/>
+          <a:lstStyle/>
+          <a:p>
+            <a:pPr algn="ctr"/>
+            <a:r>
+              <a:rPr lang="de-DE" dirty="0" smtClean="0"/>
+              <a:t>Weitere </a:t>
+            </a:r>
+          </a:p>
+          <a:p>
+            <a:pPr algn="ctr"/>
+            <a:r>
+              <a:rPr lang="de-DE" dirty="0" smtClean="0"/>
+              <a:t>Infos zu ausgewählter Person</a:t>
+            </a:r>
+            <a:endParaRPr lang="de-DE" dirty="0"/>
+          </a:p>
+        </p:txBody>
+      </p:sp>
+      <p:sp>
+        <p:nvSpPr>
+          <p:cNvPr id="33" name="Minus 32"/>
+          <p:cNvSpPr/>
+          <p:nvPr/>
+        </p:nvSpPr>
+        <p:spPr>
+          <a:xfrm>
+            <a:off x="2934047" y="968054"/>
+            <a:ext cx="864096" cy="243358"/>
+          </a:xfrm>
+          <a:prstGeom prst="mathMinus">
+            <a:avLst/>
+          </a:prstGeom>
+        </p:spPr>
+        <p:style>
+          <a:lnRef idx="2">
+            <a:schemeClr val="accent1">
+              <a:shade val="50000"/>
+            </a:schemeClr>
+          </a:lnRef>
+          <a:fillRef idx="1">
+            <a:schemeClr val="accent1"/>
+          </a:fillRef>
+          <a:effectRef idx="0">
+            <a:schemeClr val="accent1"/>
+          </a:effectRef>
+          <a:fontRef idx="minor">
+            <a:schemeClr val="lt1"/>
+          </a:fontRef>
+        </p:style>
+        <p:txBody>
+          <a:bodyPr rtlCol="0" anchor="ctr"/>
+          <a:lstStyle/>
+          <a:p>
+            <a:pPr algn="ctr"/>
+            <a:endParaRPr lang="de-DE"/>
+          </a:p>
+        </p:txBody>
+      </p:sp>
+      <p:sp>
+        <p:nvSpPr>
+          <p:cNvPr id="34" name="Minus 33"/>
+          <p:cNvSpPr/>
+          <p:nvPr/>
+        </p:nvSpPr>
+        <p:spPr>
+          <a:xfrm>
+            <a:off x="2867661" y="846228"/>
+            <a:ext cx="648072" cy="243358"/>
+          </a:xfrm>
+          <a:prstGeom prst="mathMinus">
+            <a:avLst/>
+          </a:prstGeom>
+        </p:spPr>
+        <p:style>
+          <a:lnRef idx="2">
+            <a:schemeClr val="accent1">
+              <a:shade val="50000"/>
+            </a:schemeClr>
+          </a:lnRef>
+          <a:fillRef idx="1">
+            <a:schemeClr val="accent1"/>
+          </a:fillRef>
+          <a:effectRef idx="0">
+            <a:schemeClr val="accent1"/>
+          </a:effectRef>
+          <a:fontRef idx="minor">
+            <a:schemeClr val="lt1"/>
+          </a:fontRef>
+        </p:style>
+        <p:txBody>
+          <a:bodyPr rtlCol="0" anchor="ctr"/>
+          <a:lstStyle/>
+          <a:p>
+            <a:pPr algn="ctr"/>
+            <a:endParaRPr lang="de-DE"/>
+          </a:p>
+        </p:txBody>
+      </p:sp>
+    </p:spTree>
+    <p:extLst>
+      <p:ext uri="{BB962C8B-B14F-4D97-AF65-F5344CB8AC3E}">
+        <p14:creationId xmlns:p14="http://schemas.microsoft.com/office/powerpoint/2010/main" val="3773980856"/>
+      </p:ext>
+    </p:extLst>
+  </p:cSld>
+  <p:clrMapOvr>
+    <a:masterClrMapping/>
+  </p:clrMapOvr>
+</p:sld>
+</file>
+
+<file path=ppt/slides/slide6.xml><?xml version="1.0" encoding="utf-8"?>
+<p:sld xmlns:a="http://schemas.openxmlformats.org/drawingml/2006/main" xmlns:r="http://schemas.openxmlformats.org/officeDocument/2006/relationships" xmlns:p="http://schemas.openxmlformats.org/presentationml/2006/main">
+  <p:cSld>
+    <p:spTree>
+      <p:nvGrpSpPr>
+        <p:cNvPr id="1" name=""/>
+        <p:cNvGrpSpPr/>
+        <p:nvPr/>
+      </p:nvGrpSpPr>
+      <p:grpSpPr>
+        <a:xfrm>
+          <a:off x="0" y="0"/>
+          <a:ext cx="0" cy="0"/>
+          <a:chOff x="0" y="0"/>
+          <a:chExt cx="0" cy="0"/>
+        </a:xfrm>
+      </p:grpSpPr>
+      <p:sp>
+        <p:nvSpPr>
+          <p:cNvPr id="4" name="Rechteck 3"/>
+          <p:cNvSpPr/>
+          <p:nvPr/>
+        </p:nvSpPr>
+        <p:spPr>
+          <a:xfrm>
+            <a:off x="4950271" y="0"/>
+            <a:ext cx="629792" cy="1044456"/>
+          </a:xfrm>
+          <a:prstGeom prst="rect">
+            <a:avLst/>
+          </a:prstGeom>
+        </p:spPr>
+        <p:style>
+          <a:lnRef idx="2">
+            <a:schemeClr val="accent1">
+              <a:shade val="50000"/>
+            </a:schemeClr>
+          </a:lnRef>
+          <a:fillRef idx="1">
+            <a:schemeClr val="accent1"/>
+          </a:fillRef>
+          <a:effectRef idx="0">
+            <a:schemeClr val="accent1"/>
+          </a:effectRef>
+          <a:fontRef idx="minor">
+            <a:schemeClr val="lt1"/>
+          </a:fontRef>
+        </p:style>
+        <p:txBody>
+          <a:bodyPr rtlCol="0" anchor="ctr"/>
+          <a:lstStyle/>
+          <a:p>
+            <a:pPr algn="ctr"/>
+            <a:endParaRPr lang="de-DE"/>
+          </a:p>
+        </p:txBody>
+      </p:sp>
+      <p:sp>
+        <p:nvSpPr>
+          <p:cNvPr id="13" name="Rechteck 12"/>
+          <p:cNvSpPr/>
+          <p:nvPr/>
+        </p:nvSpPr>
+        <p:spPr>
+          <a:xfrm>
+            <a:off x="4950271" y="1044456"/>
+            <a:ext cx="629792" cy="989950"/>
+          </a:xfrm>
+          <a:prstGeom prst="rect">
+            <a:avLst/>
+          </a:prstGeom>
+          <a:solidFill>
+            <a:srgbClr val="92D050"/>
+          </a:solidFill>
+        </p:spPr>
+        <p:style>
+          <a:lnRef idx="2">
+            <a:schemeClr val="accent1">
+              <a:shade val="50000"/>
+            </a:schemeClr>
+          </a:lnRef>
+          <a:fillRef idx="1">
+            <a:schemeClr val="accent1"/>
+          </a:fillRef>
+          <a:effectRef idx="0">
+            <a:schemeClr val="accent1"/>
+          </a:effectRef>
+          <a:fontRef idx="minor">
+            <a:schemeClr val="lt1"/>
+          </a:fontRef>
+        </p:style>
+        <p:txBody>
+          <a:bodyPr rtlCol="0" anchor="ctr"/>
+          <a:lstStyle/>
+          <a:p>
+            <a:pPr algn="ctr"/>
+            <a:endParaRPr lang="de-DE"/>
+          </a:p>
+        </p:txBody>
+      </p:sp>
+      <p:sp>
+        <p:nvSpPr>
+          <p:cNvPr id="14" name="Rechteck 13"/>
+          <p:cNvSpPr/>
+          <p:nvPr/>
+        </p:nvSpPr>
+        <p:spPr>
+          <a:xfrm>
+            <a:off x="4950271" y="2034406"/>
+            <a:ext cx="629792" cy="1017776"/>
+          </a:xfrm>
+          <a:prstGeom prst="rect">
+            <a:avLst/>
+          </a:prstGeom>
+        </p:spPr>
+        <p:style>
+          <a:lnRef idx="2">
+            <a:schemeClr val="accent1">
+              <a:shade val="50000"/>
+            </a:schemeClr>
+          </a:lnRef>
+          <a:fillRef idx="1">
+            <a:schemeClr val="accent1"/>
+          </a:fillRef>
+          <a:effectRef idx="0">
+            <a:schemeClr val="accent1"/>
+          </a:effectRef>
+          <a:fontRef idx="minor">
+            <a:schemeClr val="lt1"/>
+          </a:fontRef>
+        </p:style>
+        <p:txBody>
+          <a:bodyPr rtlCol="0" anchor="ctr"/>
+          <a:lstStyle/>
+          <a:p>
+            <a:pPr algn="ctr"/>
+            <a:endParaRPr lang="de-DE"/>
+          </a:p>
+        </p:txBody>
+      </p:sp>
+      <p:pic>
+        <p:nvPicPr>
+          <p:cNvPr id="1041" name="Picture 17" descr="C:\Users\Tom\AppData\Local\Microsoft\Windows\INetCache\IE\NN7TXIFT\matt-icons_user-home[1].png"/>
+          <p:cNvPicPr>
+            <a:picLocks noChangeAspect="1" noChangeArrowheads="1"/>
+          </p:cNvPicPr>
+          <p:nvPr/>
+        </p:nvPicPr>
+        <p:blipFill>
+          <a:blip r:embed="rId2" cstate="print">
+            <a:biLevel thresh="75000"/>
+            <a:extLst>
+              <a:ext uri="{28A0092B-C50C-407E-A947-70E740481C1C}">
+                <a14:useLocalDpi xmlns:a14="http://schemas.microsoft.com/office/drawing/2010/main" val="0"/>
+              </a:ext>
+            </a:extLst>
+          </a:blip>
+          <a:srcRect/>
+          <a:stretch>
+            <a:fillRect/>
+          </a:stretch>
+        </p:blipFill>
+        <p:spPr bwMode="auto">
+          <a:xfrm>
+            <a:off x="4990347" y="236848"/>
+            <a:ext cx="549639" cy="570760"/>
+          </a:xfrm>
+          <a:prstGeom prst="rect">
+            <a:avLst/>
+          </a:prstGeom>
+          <a:noFill/>
+          <a:extLst>
+            <a:ext uri="{909E8E84-426E-40DD-AFC4-6F175D3DCCD1}">
+              <a14:hiddenFill xmlns:a14="http://schemas.microsoft.com/office/drawing/2010/main">
+                <a:solidFill>
+                  <a:srgbClr val="FFFFFF"/>
+                </a:solidFill>
+              </a14:hiddenFill>
+            </a:ext>
+          </a:extLst>
+        </p:spPr>
+      </p:pic>
+      <p:pic>
+        <p:nvPicPr>
+          <p:cNvPr id="1042" name="Picture 18" descr="C:\Users\Tom\AppData\Local\Microsoft\Windows\INetCache\IE\9XPSHUUL\icon-1549619_960_720[1].png"/>
+          <p:cNvPicPr>
+            <a:picLocks noChangeAspect="1" noChangeArrowheads="1"/>
+          </p:cNvPicPr>
+          <p:nvPr/>
+        </p:nvPicPr>
+        <p:blipFill>
+          <a:blip r:embed="rId3" cstate="print">
+            <a:biLevel thresh="75000"/>
+            <a:extLst>
+              <a:ext uri="{28A0092B-C50C-407E-A947-70E740481C1C}">
+                <a14:useLocalDpi xmlns:a14="http://schemas.microsoft.com/office/drawing/2010/main" val="0"/>
+              </a:ext>
+            </a:extLst>
+          </a:blip>
+          <a:srcRect/>
+          <a:stretch>
+            <a:fillRect/>
+          </a:stretch>
+        </p:blipFill>
+        <p:spPr bwMode="auto">
+          <a:xfrm>
+            <a:off x="4982939" y="1269929"/>
+            <a:ext cx="564455" cy="539003"/>
+          </a:xfrm>
+          <a:prstGeom prst="rect">
+            <a:avLst/>
+          </a:prstGeom>
+          <a:noFill/>
+          <a:extLst>
+            <a:ext uri="{909E8E84-426E-40DD-AFC4-6F175D3DCCD1}">
+              <a14:hiddenFill xmlns:a14="http://schemas.microsoft.com/office/drawing/2010/main">
+                <a:solidFill>
+                  <a:srgbClr val="FFFFFF"/>
+                </a:solidFill>
+              </a14:hiddenFill>
+            </a:ext>
+          </a:extLst>
+        </p:spPr>
+      </p:pic>
+      <p:pic>
+        <p:nvPicPr>
+          <p:cNvPr id="1043" name="Picture 19" descr="C:\Users\Tom\AppData\Local\Microsoft\Windows\INetCache\IE\NN7TXIFT\newspaper-154444_960_720[1].png"/>
+          <p:cNvPicPr>
+            <a:picLocks noChangeAspect="1" noChangeArrowheads="1"/>
+          </p:cNvPicPr>
+          <p:nvPr/>
+        </p:nvPicPr>
+        <p:blipFill>
+          <a:blip r:embed="rId4" cstate="print">
+            <a:biLevel thresh="75000"/>
+            <a:extLst>
+              <a:ext uri="{28A0092B-C50C-407E-A947-70E740481C1C}">
+                <a14:useLocalDpi xmlns:a14="http://schemas.microsoft.com/office/drawing/2010/main" val="0"/>
+              </a:ext>
+            </a:extLst>
+          </a:blip>
+          <a:srcRect/>
+          <a:stretch>
+            <a:fillRect/>
+          </a:stretch>
+        </p:blipFill>
+        <p:spPr bwMode="auto">
+          <a:xfrm>
+            <a:off x="4982938" y="2299936"/>
+            <a:ext cx="564455" cy="486715"/>
+          </a:xfrm>
+          <a:prstGeom prst="rect">
+            <a:avLst/>
+          </a:prstGeom>
+          <a:noFill/>
+          <a:extLst>
+            <a:ext uri="{909E8E84-426E-40DD-AFC4-6F175D3DCCD1}">
+              <a14:hiddenFill xmlns:a14="http://schemas.microsoft.com/office/drawing/2010/main">
+                <a:solidFill>
+                  <a:srgbClr val="FFFFFF"/>
+                </a:solidFill>
+              </a14:hiddenFill>
+            </a:ext>
+          </a:extLst>
+        </p:spPr>
+      </p:pic>
+      <p:sp>
+        <p:nvSpPr>
+          <p:cNvPr id="19" name="Rechteck 18"/>
+          <p:cNvSpPr/>
+          <p:nvPr/>
+        </p:nvSpPr>
+        <p:spPr>
+          <a:xfrm>
+            <a:off x="0" y="0"/>
+            <a:ext cx="3712704" cy="403804"/>
+          </a:xfrm>
+          <a:prstGeom prst="rect">
+            <a:avLst/>
+          </a:prstGeom>
+        </p:spPr>
+        <p:style>
+          <a:lnRef idx="2">
+            <a:schemeClr val="accent1">
+              <a:shade val="50000"/>
+            </a:schemeClr>
+          </a:lnRef>
+          <a:fillRef idx="1">
+            <a:schemeClr val="accent1"/>
+          </a:fillRef>
+          <a:effectRef idx="0">
+            <a:schemeClr val="accent1"/>
+          </a:effectRef>
+          <a:fontRef idx="minor">
+            <a:schemeClr val="lt1"/>
+          </a:fontRef>
+        </p:style>
+        <p:txBody>
+          <a:bodyPr rtlCol="0" anchor="ctr"/>
+          <a:lstStyle/>
+          <a:p>
+            <a:pPr algn="ctr"/>
+            <a:r>
+              <a:rPr lang="de-DE" dirty="0"/>
+              <a:t>*HSRM-LOGO* 	FACHBEREICH X 	STUDIENBEREICH Y </a:t>
+            </a:r>
+          </a:p>
+        </p:txBody>
+      </p:sp>
+      <p:sp>
+        <p:nvSpPr>
+          <p:cNvPr id="20" name="Rechteck 19"/>
+          <p:cNvSpPr/>
+          <p:nvPr/>
+        </p:nvSpPr>
+        <p:spPr>
+          <a:xfrm>
+            <a:off x="-5373" y="403804"/>
+            <a:ext cx="2480508" cy="807608"/>
+          </a:xfrm>
+          <a:prstGeom prst="rect">
+            <a:avLst/>
+          </a:prstGeom>
+        </p:spPr>
+        <p:style>
+          <a:lnRef idx="2">
+            <a:schemeClr val="accent1">
+              <a:shade val="50000"/>
+            </a:schemeClr>
+          </a:lnRef>
+          <a:fillRef idx="1">
+            <a:schemeClr val="accent1"/>
+          </a:fillRef>
+          <a:effectRef idx="0">
+            <a:schemeClr val="accent1"/>
+          </a:effectRef>
+          <a:fontRef idx="minor">
+            <a:schemeClr val="lt1"/>
+          </a:fontRef>
+        </p:style>
+        <p:txBody>
+          <a:bodyPr rtlCol="0" anchor="ctr"/>
+          <a:lstStyle/>
+          <a:p>
+            <a:pPr algn="ctr"/>
+            <a:r>
+              <a:rPr lang="de-DE" sz="4400" dirty="0"/>
+              <a:t>RAUMNR</a:t>
+            </a:r>
+          </a:p>
+        </p:txBody>
+      </p:sp>
+      <p:sp>
+        <p:nvSpPr>
+          <p:cNvPr id="21" name="Rechteck 20"/>
+          <p:cNvSpPr/>
+          <p:nvPr/>
+        </p:nvSpPr>
+        <p:spPr>
+          <a:xfrm>
+            <a:off x="-5375" y="1211412"/>
+            <a:ext cx="2480509" cy="1840770"/>
+          </a:xfrm>
+          <a:prstGeom prst="rect">
+            <a:avLst/>
+          </a:prstGeom>
+          <a:solidFill>
+            <a:srgbClr val="92D050"/>
+          </a:solidFill>
+        </p:spPr>
+        <p:style>
+          <a:lnRef idx="2">
+            <a:schemeClr val="accent1">
+              <a:shade val="50000"/>
+            </a:schemeClr>
+          </a:lnRef>
+          <a:fillRef idx="1">
+            <a:schemeClr val="accent1"/>
+          </a:fillRef>
+          <a:effectRef idx="0">
+            <a:schemeClr val="accent1"/>
+          </a:effectRef>
+          <a:fontRef idx="minor">
+            <a:schemeClr val="lt1"/>
+          </a:fontRef>
+        </p:style>
+        <p:txBody>
+          <a:bodyPr rtlCol="0" anchor="ctr"/>
+          <a:lstStyle/>
+          <a:p>
+            <a:pPr algn="ctr"/>
+            <a:endParaRPr lang="de-DE" dirty="0"/>
+          </a:p>
+        </p:txBody>
+      </p:sp>
+      <p:sp>
+        <p:nvSpPr>
+          <p:cNvPr id="22" name="Rechteck 21"/>
+          <p:cNvSpPr/>
+          <p:nvPr/>
+        </p:nvSpPr>
+        <p:spPr>
+          <a:xfrm>
+            <a:off x="2475135" y="403804"/>
+            <a:ext cx="2475136" cy="2648378"/>
+          </a:xfrm>
+          <a:prstGeom prst="rect">
+            <a:avLst/>
+          </a:prstGeom>
+          <a:solidFill>
+            <a:srgbClr val="92D050"/>
+          </a:solidFill>
+        </p:spPr>
+        <p:style>
+          <a:lnRef idx="2">
+            <a:schemeClr val="accent1">
+              <a:shade val="50000"/>
+            </a:schemeClr>
+          </a:lnRef>
+          <a:fillRef idx="1">
+            <a:schemeClr val="accent1"/>
+          </a:fillRef>
+          <a:effectRef idx="0">
+            <a:schemeClr val="accent1"/>
+          </a:effectRef>
+          <a:fontRef idx="minor">
+            <a:schemeClr val="lt1"/>
+          </a:fontRef>
+        </p:style>
+        <p:txBody>
+          <a:bodyPr rtlCol="0" anchor="ctr"/>
+          <a:lstStyle/>
+          <a:p>
+            <a:pPr algn="ctr"/>
+            <a:endParaRPr lang="de-DE"/>
+          </a:p>
+        </p:txBody>
+      </p:sp>
+      <p:sp>
+        <p:nvSpPr>
+          <p:cNvPr id="23" name="Rechteck 22"/>
+          <p:cNvSpPr/>
+          <p:nvPr/>
+        </p:nvSpPr>
+        <p:spPr>
+          <a:xfrm>
+            <a:off x="3712704" y="0"/>
+            <a:ext cx="1237567" cy="403804"/>
+          </a:xfrm>
+          <a:prstGeom prst="rect">
+            <a:avLst/>
+          </a:prstGeom>
+        </p:spPr>
+        <p:style>
+          <a:lnRef idx="2">
+            <a:schemeClr val="accent1">
+              <a:shade val="50000"/>
+            </a:schemeClr>
+          </a:lnRef>
+          <a:fillRef idx="1">
+            <a:schemeClr val="accent1"/>
+          </a:fillRef>
+          <a:effectRef idx="0">
+            <a:schemeClr val="accent1"/>
+          </a:effectRef>
+          <a:fontRef idx="minor">
+            <a:schemeClr val="lt1"/>
+          </a:fontRef>
+        </p:style>
+        <p:txBody>
+          <a:bodyPr rtlCol="0" anchor="ctr"/>
+          <a:lstStyle/>
+          <a:p>
+            <a:pPr algn="ctr"/>
+            <a:r>
+              <a:rPr lang="de-DE" dirty="0"/>
+              <a:t>UHR</a:t>
+            </a:r>
+          </a:p>
+        </p:txBody>
+      </p:sp>
+      <p:sp>
+        <p:nvSpPr>
+          <p:cNvPr id="2" name="Textfeld 1"/>
+          <p:cNvSpPr txBox="1"/>
+          <p:nvPr/>
+        </p:nvSpPr>
+        <p:spPr>
+          <a:xfrm>
+            <a:off x="197743" y="1402422"/>
+            <a:ext cx="2160240" cy="1631216"/>
+          </a:xfrm>
+          <a:prstGeom prst="rect">
+            <a:avLst/>
+          </a:prstGeom>
+          <a:noFill/>
+        </p:spPr>
+        <p:txBody>
+          <a:bodyPr wrap="square" rtlCol="0">
+            <a:spAutoFit/>
+          </a:bodyPr>
+          <a:lstStyle/>
+          <a:p>
+            <a:r>
+              <a:rPr lang="de-DE" dirty="0" smtClean="0"/>
+              <a:t>Kalender Übersicht aus </a:t>
+            </a:r>
+          </a:p>
+          <a:p>
+            <a:r>
+              <a:rPr lang="de-DE" dirty="0" smtClean="0"/>
+              <a:t>Kalender Datei</a:t>
+            </a:r>
+          </a:p>
+          <a:p>
+            <a:r>
+              <a:rPr lang="de-DE" dirty="0" smtClean="0"/>
+              <a:t>z.B. ICS (von Studip oder Outlook </a:t>
+            </a:r>
+            <a:r>
+              <a:rPr lang="de-DE" dirty="0" err="1" smtClean="0"/>
+              <a:t>ect</a:t>
+            </a:r>
+            <a:r>
+              <a:rPr lang="de-DE" dirty="0" smtClean="0"/>
+              <a:t>) oder eigenes Format</a:t>
+            </a:r>
+          </a:p>
+          <a:p>
+            <a:endParaRPr lang="de-DE" dirty="0"/>
+          </a:p>
+          <a:p>
+            <a:pPr marL="171450" indent="-171450">
+              <a:buFont typeface="Arial" panose="020B0604020202020204" pitchFamily="34" charset="0"/>
+              <a:buChar char="•"/>
+            </a:pPr>
+            <a:r>
+              <a:rPr lang="de-DE" dirty="0" smtClean="0"/>
+              <a:t>Termin 1, 27.03  10:30 – 11:45 </a:t>
+            </a:r>
+          </a:p>
+          <a:p>
+            <a:pPr marL="171450" indent="-171450">
+              <a:buFont typeface="Arial" panose="020B0604020202020204" pitchFamily="34" charset="0"/>
+              <a:buChar char="•"/>
+            </a:pPr>
+            <a:r>
+              <a:rPr lang="de-DE" dirty="0" smtClean="0"/>
+              <a:t>Termin 2  27.03  13:30 </a:t>
+            </a:r>
+            <a:r>
+              <a:rPr lang="de-DE" dirty="0"/>
+              <a:t>– </a:t>
+            </a:r>
+            <a:r>
+              <a:rPr lang="de-DE" dirty="0" smtClean="0"/>
+              <a:t>14:45 </a:t>
+            </a:r>
+          </a:p>
+          <a:p>
+            <a:pPr marL="171450" indent="-171450">
+              <a:buFont typeface="Arial" panose="020B0604020202020204" pitchFamily="34" charset="0"/>
+              <a:buChar char="•"/>
+            </a:pPr>
+            <a:r>
+              <a:rPr lang="de-DE" dirty="0" smtClean="0"/>
+              <a:t>Termin 3  27.03  15:00 </a:t>
+            </a:r>
+            <a:r>
+              <a:rPr lang="de-DE" dirty="0"/>
+              <a:t>– </a:t>
+            </a:r>
+            <a:r>
+              <a:rPr lang="de-DE" dirty="0" smtClean="0"/>
+              <a:t>16:30 </a:t>
+            </a:r>
+          </a:p>
+          <a:p>
+            <a:pPr marL="171450" indent="-171450">
+              <a:buFont typeface="Arial" panose="020B0604020202020204" pitchFamily="34" charset="0"/>
+              <a:buChar char="•"/>
+            </a:pPr>
+            <a:r>
+              <a:rPr lang="de-DE" dirty="0" smtClean="0"/>
+              <a:t>…….</a:t>
+            </a:r>
+          </a:p>
+          <a:p>
+            <a:endParaRPr lang="de-DE" dirty="0" smtClean="0"/>
+          </a:p>
+        </p:txBody>
+      </p:sp>
+      <p:sp>
+        <p:nvSpPr>
+          <p:cNvPr id="15" name="Textfeld 14"/>
+          <p:cNvSpPr txBox="1"/>
+          <p:nvPr/>
+        </p:nvSpPr>
+        <p:spPr>
+          <a:xfrm>
+            <a:off x="2941002" y="807608"/>
+            <a:ext cx="1440160" cy="1785104"/>
+          </a:xfrm>
+          <a:prstGeom prst="rect">
+            <a:avLst/>
+          </a:prstGeom>
+          <a:noFill/>
+        </p:spPr>
+        <p:txBody>
+          <a:bodyPr wrap="square" rtlCol="0">
+            <a:spAutoFit/>
+          </a:bodyPr>
+          <a:lstStyle/>
+          <a:p>
+            <a:r>
+              <a:rPr lang="de-DE" dirty="0" smtClean="0"/>
+              <a:t>Detaillierte Infos zu einem ausgewählten Termin</a:t>
+            </a:r>
+          </a:p>
+          <a:p>
+            <a:endParaRPr lang="de-DE" dirty="0"/>
+          </a:p>
+          <a:p>
+            <a:r>
+              <a:rPr lang="de-DE" dirty="0" smtClean="0"/>
+              <a:t>Termin 1</a:t>
+            </a:r>
+          </a:p>
+          <a:p>
+            <a:r>
+              <a:rPr lang="de-DE" dirty="0" smtClean="0"/>
+              <a:t>Datum: </a:t>
+            </a:r>
+            <a:r>
+              <a:rPr lang="de-DE" dirty="0"/>
+              <a:t>27.03</a:t>
+            </a:r>
+          </a:p>
+          <a:p>
+            <a:r>
+              <a:rPr lang="de-DE" dirty="0" smtClean="0"/>
+              <a:t>Person: FIRMEN</a:t>
+            </a:r>
+          </a:p>
+          <a:p>
+            <a:r>
+              <a:rPr lang="de-DE" dirty="0" smtClean="0"/>
+              <a:t>Von: </a:t>
+            </a:r>
+            <a:r>
+              <a:rPr lang="de-DE" dirty="0"/>
+              <a:t>10:30 </a:t>
+            </a:r>
+            <a:endParaRPr lang="de-DE" dirty="0" smtClean="0"/>
+          </a:p>
+          <a:p>
+            <a:r>
+              <a:rPr lang="de-DE" dirty="0" smtClean="0"/>
+              <a:t>Bis: 11:45</a:t>
+            </a:r>
+          </a:p>
+          <a:p>
+            <a:r>
+              <a:rPr lang="de-DE" dirty="0" smtClean="0"/>
+              <a:t>Weitere Infos: …….</a:t>
+            </a:r>
+          </a:p>
+          <a:p>
+            <a:endParaRPr lang="de-DE" dirty="0" smtClean="0"/>
+          </a:p>
+        </p:txBody>
+      </p:sp>
     </p:spTree>
     <p:extLst>
       <p:ext uri="{BB962C8B-B14F-4D97-AF65-F5344CB8AC3E}">
         <p14:creationId xmlns:p14="http://schemas.microsoft.com/office/powerpoint/2010/main" val="1680513626"/>
+      </p:ext>
+    </p:extLst>
+  </p:cSld>
+  <p:clrMapOvr>
+    <a:masterClrMapping/>
+  </p:clrMapOvr>
+</p:sld>
+</file>
+
+<file path=ppt/slides/slide7.xml><?xml version="1.0" encoding="utf-8"?>
+<p:sld xmlns:a="http://schemas.openxmlformats.org/drawingml/2006/main" xmlns:r="http://schemas.openxmlformats.org/officeDocument/2006/relationships" xmlns:p="http://schemas.openxmlformats.org/presentationml/2006/main">
+  <p:cSld>
+    <p:spTree>
+      <p:nvGrpSpPr>
+        <p:cNvPr id="1" name=""/>
+        <p:cNvGrpSpPr/>
+        <p:nvPr/>
+      </p:nvGrpSpPr>
+      <p:grpSpPr>
+        <a:xfrm>
+          <a:off x="0" y="0"/>
+          <a:ext cx="0" cy="0"/>
+          <a:chOff x="0" y="0"/>
+          <a:chExt cx="0" cy="0"/>
+        </a:xfrm>
+      </p:grpSpPr>
+      <p:sp>
+        <p:nvSpPr>
+          <p:cNvPr id="4" name="Rechteck 3"/>
+          <p:cNvSpPr/>
+          <p:nvPr/>
+        </p:nvSpPr>
+        <p:spPr>
+          <a:xfrm>
+            <a:off x="4950271" y="0"/>
+            <a:ext cx="629792" cy="1044456"/>
+          </a:xfrm>
+          <a:prstGeom prst="rect">
+            <a:avLst/>
+          </a:prstGeom>
+        </p:spPr>
+        <p:style>
+          <a:lnRef idx="2">
+            <a:schemeClr val="accent1">
+              <a:shade val="50000"/>
+            </a:schemeClr>
+          </a:lnRef>
+          <a:fillRef idx="1">
+            <a:schemeClr val="accent1"/>
+          </a:fillRef>
+          <a:effectRef idx="0">
+            <a:schemeClr val="accent1"/>
+          </a:effectRef>
+          <a:fontRef idx="minor">
+            <a:schemeClr val="lt1"/>
+          </a:fontRef>
+        </p:style>
+        <p:txBody>
+          <a:bodyPr rtlCol="0" anchor="ctr"/>
+          <a:lstStyle/>
+          <a:p>
+            <a:pPr algn="ctr"/>
+            <a:endParaRPr lang="de-DE"/>
+          </a:p>
+        </p:txBody>
+      </p:sp>
+      <p:sp>
+        <p:nvSpPr>
+          <p:cNvPr id="13" name="Rechteck 12"/>
+          <p:cNvSpPr/>
+          <p:nvPr/>
+        </p:nvSpPr>
+        <p:spPr>
+          <a:xfrm>
+            <a:off x="4950271" y="1044456"/>
+            <a:ext cx="629792" cy="989950"/>
+          </a:xfrm>
+          <a:prstGeom prst="rect">
+            <a:avLst/>
+          </a:prstGeom>
+        </p:spPr>
+        <p:style>
+          <a:lnRef idx="2">
+            <a:schemeClr val="accent1">
+              <a:shade val="50000"/>
+            </a:schemeClr>
+          </a:lnRef>
+          <a:fillRef idx="1">
+            <a:schemeClr val="accent1"/>
+          </a:fillRef>
+          <a:effectRef idx="0">
+            <a:schemeClr val="accent1"/>
+          </a:effectRef>
+          <a:fontRef idx="minor">
+            <a:schemeClr val="lt1"/>
+          </a:fontRef>
+        </p:style>
+        <p:txBody>
+          <a:bodyPr rtlCol="0" anchor="ctr"/>
+          <a:lstStyle/>
+          <a:p>
+            <a:pPr algn="ctr"/>
+            <a:endParaRPr lang="de-DE"/>
+          </a:p>
+        </p:txBody>
+      </p:sp>
+      <p:sp>
+        <p:nvSpPr>
+          <p:cNvPr id="14" name="Rechteck 13"/>
+          <p:cNvSpPr/>
+          <p:nvPr/>
+        </p:nvSpPr>
+        <p:spPr>
+          <a:xfrm>
+            <a:off x="4950271" y="2034406"/>
+            <a:ext cx="629792" cy="1017776"/>
+          </a:xfrm>
+          <a:prstGeom prst="rect">
+            <a:avLst/>
+          </a:prstGeom>
+          <a:solidFill>
+            <a:srgbClr val="7030A0"/>
+          </a:solidFill>
+        </p:spPr>
+        <p:style>
+          <a:lnRef idx="2">
+            <a:schemeClr val="accent1">
+              <a:shade val="50000"/>
+            </a:schemeClr>
+          </a:lnRef>
+          <a:fillRef idx="1">
+            <a:schemeClr val="accent1"/>
+          </a:fillRef>
+          <a:effectRef idx="0">
+            <a:schemeClr val="accent1"/>
+          </a:effectRef>
+          <a:fontRef idx="minor">
+            <a:schemeClr val="lt1"/>
+          </a:fontRef>
+        </p:style>
+        <p:txBody>
+          <a:bodyPr rtlCol="0" anchor="ctr"/>
+          <a:lstStyle/>
+          <a:p>
+            <a:pPr algn="ctr"/>
+            <a:endParaRPr lang="de-DE"/>
+          </a:p>
+        </p:txBody>
+      </p:sp>
+      <p:pic>
+        <p:nvPicPr>
+          <p:cNvPr id="1041" name="Picture 17" descr="C:\Users\Tom\AppData\Local\Microsoft\Windows\INetCache\IE\NN7TXIFT\matt-icons_user-home[1].png"/>
+          <p:cNvPicPr>
+            <a:picLocks noChangeAspect="1" noChangeArrowheads="1"/>
+          </p:cNvPicPr>
+          <p:nvPr/>
+        </p:nvPicPr>
+        <p:blipFill>
+          <a:blip r:embed="rId2" cstate="print">
+            <a:biLevel thresh="75000"/>
+            <a:extLst>
+              <a:ext uri="{28A0092B-C50C-407E-A947-70E740481C1C}">
+                <a14:useLocalDpi xmlns:a14="http://schemas.microsoft.com/office/drawing/2010/main" val="0"/>
+              </a:ext>
+            </a:extLst>
+          </a:blip>
+          <a:srcRect/>
+          <a:stretch>
+            <a:fillRect/>
+          </a:stretch>
+        </p:blipFill>
+        <p:spPr bwMode="auto">
+          <a:xfrm>
+            <a:off x="4990347" y="236848"/>
+            <a:ext cx="549639" cy="570760"/>
+          </a:xfrm>
+          <a:prstGeom prst="rect">
+            <a:avLst/>
+          </a:prstGeom>
+          <a:noFill/>
+          <a:extLst>
+            <a:ext uri="{909E8E84-426E-40DD-AFC4-6F175D3DCCD1}">
+              <a14:hiddenFill xmlns:a14="http://schemas.microsoft.com/office/drawing/2010/main">
+                <a:solidFill>
+                  <a:srgbClr val="FFFFFF"/>
+                </a:solidFill>
+              </a14:hiddenFill>
+            </a:ext>
+          </a:extLst>
+        </p:spPr>
+      </p:pic>
+      <p:pic>
+        <p:nvPicPr>
+          <p:cNvPr id="1042" name="Picture 18" descr="C:\Users\Tom\AppData\Local\Microsoft\Windows\INetCache\IE\9XPSHUUL\icon-1549619_960_720[1].png"/>
+          <p:cNvPicPr>
+            <a:picLocks noChangeAspect="1" noChangeArrowheads="1"/>
+          </p:cNvPicPr>
+          <p:nvPr/>
+        </p:nvPicPr>
+        <p:blipFill>
+          <a:blip r:embed="rId3" cstate="print">
+            <a:biLevel thresh="75000"/>
+            <a:extLst>
+              <a:ext uri="{28A0092B-C50C-407E-A947-70E740481C1C}">
+                <a14:useLocalDpi xmlns:a14="http://schemas.microsoft.com/office/drawing/2010/main" val="0"/>
+              </a:ext>
+            </a:extLst>
+          </a:blip>
+          <a:srcRect/>
+          <a:stretch>
+            <a:fillRect/>
+          </a:stretch>
+        </p:blipFill>
+        <p:spPr bwMode="auto">
+          <a:xfrm>
+            <a:off x="4982939" y="1269929"/>
+            <a:ext cx="564455" cy="539003"/>
+          </a:xfrm>
+          <a:prstGeom prst="rect">
+            <a:avLst/>
+          </a:prstGeom>
+          <a:noFill/>
+          <a:extLst>
+            <a:ext uri="{909E8E84-426E-40DD-AFC4-6F175D3DCCD1}">
+              <a14:hiddenFill xmlns:a14="http://schemas.microsoft.com/office/drawing/2010/main">
+                <a:solidFill>
+                  <a:srgbClr val="FFFFFF"/>
+                </a:solidFill>
+              </a14:hiddenFill>
+            </a:ext>
+          </a:extLst>
+        </p:spPr>
+      </p:pic>
+      <p:pic>
+        <p:nvPicPr>
+          <p:cNvPr id="1043" name="Picture 19" descr="C:\Users\Tom\AppData\Local\Microsoft\Windows\INetCache\IE\NN7TXIFT\newspaper-154444_960_720[1].png"/>
+          <p:cNvPicPr>
+            <a:picLocks noChangeAspect="1" noChangeArrowheads="1"/>
+          </p:cNvPicPr>
+          <p:nvPr/>
+        </p:nvPicPr>
+        <p:blipFill>
+          <a:blip r:embed="rId4" cstate="print">
+            <a:biLevel thresh="75000"/>
+            <a:extLst>
+              <a:ext uri="{28A0092B-C50C-407E-A947-70E740481C1C}">
+                <a14:useLocalDpi xmlns:a14="http://schemas.microsoft.com/office/drawing/2010/main" val="0"/>
+              </a:ext>
+            </a:extLst>
+          </a:blip>
+          <a:srcRect/>
+          <a:stretch>
+            <a:fillRect/>
+          </a:stretch>
+        </p:blipFill>
+        <p:spPr bwMode="auto">
+          <a:xfrm>
+            <a:off x="4982938" y="2299936"/>
+            <a:ext cx="564455" cy="486715"/>
+          </a:xfrm>
+          <a:prstGeom prst="rect">
+            <a:avLst/>
+          </a:prstGeom>
+          <a:noFill/>
+          <a:extLst>
+            <a:ext uri="{909E8E84-426E-40DD-AFC4-6F175D3DCCD1}">
+              <a14:hiddenFill xmlns:a14="http://schemas.microsoft.com/office/drawing/2010/main">
+                <a:solidFill>
+                  <a:srgbClr val="FFFFFF"/>
+                </a:solidFill>
+              </a14:hiddenFill>
+            </a:ext>
+          </a:extLst>
+        </p:spPr>
+      </p:pic>
+      <p:sp>
+        <p:nvSpPr>
+          <p:cNvPr id="19" name="Rechteck 18"/>
+          <p:cNvSpPr/>
+          <p:nvPr/>
+        </p:nvSpPr>
+        <p:spPr>
+          <a:xfrm>
+            <a:off x="0" y="0"/>
+            <a:ext cx="3712704" cy="403804"/>
+          </a:xfrm>
+          <a:prstGeom prst="rect">
+            <a:avLst/>
+          </a:prstGeom>
+        </p:spPr>
+        <p:style>
+          <a:lnRef idx="2">
+            <a:schemeClr val="accent1">
+              <a:shade val="50000"/>
+            </a:schemeClr>
+          </a:lnRef>
+          <a:fillRef idx="1">
+            <a:schemeClr val="accent1"/>
+          </a:fillRef>
+          <a:effectRef idx="0">
+            <a:schemeClr val="accent1"/>
+          </a:effectRef>
+          <a:fontRef idx="minor">
+            <a:schemeClr val="lt1"/>
+          </a:fontRef>
+        </p:style>
+        <p:txBody>
+          <a:bodyPr rtlCol="0" anchor="ctr"/>
+          <a:lstStyle/>
+          <a:p>
+            <a:pPr algn="ctr"/>
+            <a:r>
+              <a:rPr lang="de-DE" dirty="0"/>
+              <a:t>*HSRM-LOGO* 	FACHBEREICH X 	STUDIENBEREICH Y </a:t>
+            </a:r>
+          </a:p>
+        </p:txBody>
+      </p:sp>
+      <p:sp>
+        <p:nvSpPr>
+          <p:cNvPr id="20" name="Rechteck 19"/>
+          <p:cNvSpPr/>
+          <p:nvPr/>
+        </p:nvSpPr>
+        <p:spPr>
+          <a:xfrm>
+            <a:off x="-5373" y="403804"/>
+            <a:ext cx="2480508" cy="807608"/>
+          </a:xfrm>
+          <a:prstGeom prst="rect">
+            <a:avLst/>
+          </a:prstGeom>
+        </p:spPr>
+        <p:style>
+          <a:lnRef idx="2">
+            <a:schemeClr val="accent1">
+              <a:shade val="50000"/>
+            </a:schemeClr>
+          </a:lnRef>
+          <a:fillRef idx="1">
+            <a:schemeClr val="accent1"/>
+          </a:fillRef>
+          <a:effectRef idx="0">
+            <a:schemeClr val="accent1"/>
+          </a:effectRef>
+          <a:fontRef idx="minor">
+            <a:schemeClr val="lt1"/>
+          </a:fontRef>
+        </p:style>
+        <p:txBody>
+          <a:bodyPr rtlCol="0" anchor="ctr"/>
+          <a:lstStyle/>
+          <a:p>
+            <a:pPr algn="ctr"/>
+            <a:r>
+              <a:rPr lang="de-DE" sz="4400" dirty="0"/>
+              <a:t>RAUMNR</a:t>
+            </a:r>
+          </a:p>
+        </p:txBody>
+      </p:sp>
+      <p:sp>
+        <p:nvSpPr>
+          <p:cNvPr id="21" name="Rechteck 20"/>
+          <p:cNvSpPr/>
+          <p:nvPr/>
+        </p:nvSpPr>
+        <p:spPr>
+          <a:xfrm>
+            <a:off x="-5375" y="1178828"/>
+            <a:ext cx="2480509" cy="1881872"/>
+          </a:xfrm>
+          <a:prstGeom prst="rect">
+            <a:avLst/>
+          </a:prstGeom>
+          <a:solidFill>
+            <a:srgbClr val="7030A0"/>
+          </a:solidFill>
+        </p:spPr>
+        <p:style>
+          <a:lnRef idx="2">
+            <a:schemeClr val="accent1">
+              <a:shade val="50000"/>
+            </a:schemeClr>
+          </a:lnRef>
+          <a:fillRef idx="1">
+            <a:schemeClr val="accent1"/>
+          </a:fillRef>
+          <a:effectRef idx="0">
+            <a:schemeClr val="accent1"/>
+          </a:effectRef>
+          <a:fontRef idx="minor">
+            <a:schemeClr val="lt1"/>
+          </a:fontRef>
+        </p:style>
+        <p:txBody>
+          <a:bodyPr rtlCol="0" anchor="ctr"/>
+          <a:lstStyle/>
+          <a:p>
+            <a:pPr algn="ctr"/>
+            <a:r>
+              <a:rPr lang="de-DE" dirty="0" smtClean="0"/>
+              <a:t>Nachrichten/Infos</a:t>
+            </a:r>
+          </a:p>
+          <a:p>
+            <a:pPr algn="ctr"/>
+            <a:endParaRPr lang="de-DE" dirty="0" smtClean="0"/>
+          </a:p>
+          <a:p>
+            <a:pPr algn="ctr"/>
+            <a:endParaRPr lang="de-DE" dirty="0"/>
+          </a:p>
+          <a:p>
+            <a:pPr algn="ctr"/>
+            <a:r>
+              <a:rPr lang="de-DE" dirty="0" smtClean="0"/>
+              <a:t>Info 1 : Titel</a:t>
+            </a:r>
+          </a:p>
+          <a:p>
+            <a:pPr algn="ctr"/>
+            <a:r>
+              <a:rPr lang="de-DE" dirty="0" smtClean="0"/>
+              <a:t>Info 2 : Titel</a:t>
+            </a:r>
+          </a:p>
+          <a:p>
+            <a:pPr algn="ctr"/>
+            <a:r>
+              <a:rPr lang="de-DE" dirty="0"/>
+              <a:t>Info </a:t>
+            </a:r>
+            <a:r>
+              <a:rPr lang="de-DE" dirty="0" smtClean="0"/>
+              <a:t>3 </a:t>
+            </a:r>
+            <a:r>
+              <a:rPr lang="de-DE" dirty="0"/>
+              <a:t>: Titel</a:t>
+            </a:r>
+          </a:p>
+          <a:p>
+            <a:pPr algn="ctr"/>
+            <a:r>
+              <a:rPr lang="de-DE" dirty="0" smtClean="0"/>
+              <a:t>…</a:t>
+            </a:r>
+          </a:p>
+          <a:p>
+            <a:pPr algn="ctr"/>
+            <a:r>
+              <a:rPr lang="de-DE" dirty="0"/>
+              <a:t>Info </a:t>
+            </a:r>
+            <a:r>
+              <a:rPr lang="de-DE" dirty="0" smtClean="0"/>
+              <a:t>n </a:t>
+            </a:r>
+            <a:r>
+              <a:rPr lang="de-DE" dirty="0"/>
+              <a:t>: Titel</a:t>
+            </a:r>
+          </a:p>
+          <a:p>
+            <a:pPr algn="ctr"/>
+            <a:endParaRPr lang="de-DE" dirty="0" smtClean="0"/>
+          </a:p>
+          <a:p>
+            <a:pPr algn="ctr"/>
+            <a:endParaRPr lang="de-DE" dirty="0"/>
+          </a:p>
+        </p:txBody>
+      </p:sp>
+      <p:sp>
+        <p:nvSpPr>
+          <p:cNvPr id="22" name="Rechteck 21"/>
+          <p:cNvSpPr/>
+          <p:nvPr/>
+        </p:nvSpPr>
+        <p:spPr>
+          <a:xfrm>
+            <a:off x="2472722" y="403804"/>
+            <a:ext cx="2475136" cy="2648378"/>
+          </a:xfrm>
+          <a:prstGeom prst="rect">
+            <a:avLst/>
+          </a:prstGeom>
+          <a:solidFill>
+            <a:srgbClr val="7030A0"/>
+          </a:solidFill>
+        </p:spPr>
+        <p:style>
+          <a:lnRef idx="2">
+            <a:schemeClr val="accent1">
+              <a:shade val="50000"/>
+            </a:schemeClr>
+          </a:lnRef>
+          <a:fillRef idx="1">
+            <a:schemeClr val="accent1"/>
+          </a:fillRef>
+          <a:effectRef idx="0">
+            <a:schemeClr val="accent1"/>
+          </a:effectRef>
+          <a:fontRef idx="minor">
+            <a:schemeClr val="lt1"/>
+          </a:fontRef>
+        </p:style>
+        <p:txBody>
+          <a:bodyPr rtlCol="0" anchor="ctr"/>
+          <a:lstStyle/>
+          <a:p>
+            <a:pPr algn="ctr"/>
+            <a:endParaRPr lang="de-DE"/>
+          </a:p>
+        </p:txBody>
+      </p:sp>
+      <p:sp>
+        <p:nvSpPr>
+          <p:cNvPr id="23" name="Rechteck 22"/>
+          <p:cNvSpPr/>
+          <p:nvPr/>
+        </p:nvSpPr>
+        <p:spPr>
+          <a:xfrm>
+            <a:off x="3712704" y="0"/>
+            <a:ext cx="1237567" cy="403804"/>
+          </a:xfrm>
+          <a:prstGeom prst="rect">
+            <a:avLst/>
+          </a:prstGeom>
+        </p:spPr>
+        <p:style>
+          <a:lnRef idx="2">
+            <a:schemeClr val="accent1">
+              <a:shade val="50000"/>
+            </a:schemeClr>
+          </a:lnRef>
+          <a:fillRef idx="1">
+            <a:schemeClr val="accent1"/>
+          </a:fillRef>
+          <a:effectRef idx="0">
+            <a:schemeClr val="accent1"/>
+          </a:effectRef>
+          <a:fontRef idx="minor">
+            <a:schemeClr val="lt1"/>
+          </a:fontRef>
+        </p:style>
+        <p:txBody>
+          <a:bodyPr rtlCol="0" anchor="ctr"/>
+          <a:lstStyle/>
+          <a:p>
+            <a:pPr algn="ctr"/>
+            <a:r>
+              <a:rPr lang="de-DE" dirty="0"/>
+              <a:t>UHR</a:t>
+            </a:r>
+          </a:p>
+        </p:txBody>
+      </p:sp>
+      <p:sp>
+        <p:nvSpPr>
+          <p:cNvPr id="2" name="Ellipse 1"/>
+          <p:cNvSpPr/>
+          <p:nvPr/>
+        </p:nvSpPr>
+        <p:spPr>
+          <a:xfrm>
+            <a:off x="5220023" y="2131797"/>
+            <a:ext cx="360040" cy="360040"/>
+          </a:xfrm>
+          <a:prstGeom prst="ellipse">
+            <a:avLst/>
+          </a:prstGeom>
+        </p:spPr>
+        <p:style>
+          <a:lnRef idx="0">
+            <a:schemeClr val="accent2"/>
+          </a:lnRef>
+          <a:fillRef idx="3">
+            <a:schemeClr val="accent2"/>
+          </a:fillRef>
+          <a:effectRef idx="3">
+            <a:schemeClr val="accent2"/>
+          </a:effectRef>
+          <a:fontRef idx="minor">
+            <a:schemeClr val="lt1"/>
+          </a:fontRef>
+        </p:style>
+        <p:txBody>
+          <a:bodyPr rtlCol="0" anchor="ctr"/>
+          <a:lstStyle/>
+          <a:p>
+            <a:pPr algn="ctr"/>
+            <a:endParaRPr lang="de-DE"/>
+          </a:p>
+        </p:txBody>
+      </p:sp>
+      <p:sp>
+        <p:nvSpPr>
+          <p:cNvPr id="3" name="Textfeld 2"/>
+          <p:cNvSpPr txBox="1"/>
+          <p:nvPr/>
+        </p:nvSpPr>
+        <p:spPr>
+          <a:xfrm>
+            <a:off x="341759" y="1602358"/>
+            <a:ext cx="432048" cy="246221"/>
+          </a:xfrm>
+          <a:prstGeom prst="rect">
+            <a:avLst/>
+          </a:prstGeom>
+          <a:noFill/>
+        </p:spPr>
+        <p:txBody>
+          <a:bodyPr wrap="square" rtlCol="0">
+            <a:spAutoFit/>
+          </a:bodyPr>
+          <a:lstStyle/>
+          <a:p>
+            <a:endParaRPr lang="de-DE" dirty="0"/>
+          </a:p>
+        </p:txBody>
+      </p:sp>
+      <p:cxnSp>
+        <p:nvCxnSpPr>
+          <p:cNvPr id="6" name="Gerade Verbindung mit Pfeil 5"/>
+          <p:cNvCxnSpPr/>
+          <p:nvPr/>
+        </p:nvCxnSpPr>
+        <p:spPr>
+          <a:xfrm>
+            <a:off x="4331487" y="2287157"/>
+            <a:ext cx="860504" cy="1"/>
+          </a:xfrm>
+          <a:prstGeom prst="straightConnector1">
+            <a:avLst/>
+          </a:prstGeom>
+          <a:ln w="34925">
+            <a:tailEnd type="triangle"/>
+          </a:ln>
+        </p:spPr>
+        <p:style>
+          <a:lnRef idx="1">
+            <a:schemeClr val="accent2"/>
+          </a:lnRef>
+          <a:fillRef idx="0">
+            <a:schemeClr val="accent2"/>
+          </a:fillRef>
+          <a:effectRef idx="0">
+            <a:schemeClr val="accent2"/>
+          </a:effectRef>
+          <a:fontRef idx="minor">
+            <a:schemeClr val="tx1"/>
+          </a:fontRef>
+        </p:style>
+      </p:cxnSp>
+      <p:sp>
+        <p:nvSpPr>
+          <p:cNvPr id="9" name="Textfeld 8"/>
+          <p:cNvSpPr txBox="1"/>
+          <p:nvPr/>
+        </p:nvSpPr>
+        <p:spPr>
+          <a:xfrm>
+            <a:off x="3294087" y="2178422"/>
+            <a:ext cx="1224136" cy="707886"/>
+          </a:xfrm>
+          <a:prstGeom prst="rect">
+            <a:avLst/>
+          </a:prstGeom>
+          <a:noFill/>
+        </p:spPr>
+        <p:txBody>
+          <a:bodyPr wrap="square" rtlCol="0">
+            <a:spAutoFit/>
+          </a:bodyPr>
+          <a:lstStyle/>
+          <a:p>
+            <a:r>
+              <a:rPr lang="de-DE" dirty="0" smtClean="0">
+                <a:solidFill>
+                  <a:schemeClr val="bg1"/>
+                </a:solidFill>
+              </a:rPr>
+              <a:t>Rotes Symbol: Wichtige Nachrichten (oder andere Farben)</a:t>
+            </a:r>
+            <a:endParaRPr lang="de-DE" dirty="0">
+              <a:solidFill>
+                <a:schemeClr val="bg1"/>
+              </a:solidFill>
+            </a:endParaRPr>
+          </a:p>
+        </p:txBody>
+      </p:sp>
+      <p:sp>
+        <p:nvSpPr>
+          <p:cNvPr id="24" name="Ellipse 23"/>
+          <p:cNvSpPr/>
+          <p:nvPr/>
+        </p:nvSpPr>
+        <p:spPr>
+          <a:xfrm>
+            <a:off x="771527" y="2119764"/>
+            <a:ext cx="144016" cy="155361"/>
+          </a:xfrm>
+          <a:prstGeom prst="ellipse">
+            <a:avLst/>
+          </a:prstGeom>
+        </p:spPr>
+        <p:style>
+          <a:lnRef idx="0">
+            <a:schemeClr val="accent2"/>
+          </a:lnRef>
+          <a:fillRef idx="3">
+            <a:schemeClr val="accent2"/>
+          </a:fillRef>
+          <a:effectRef idx="3">
+            <a:schemeClr val="accent2"/>
+          </a:effectRef>
+          <a:fontRef idx="minor">
+            <a:schemeClr val="lt1"/>
+          </a:fontRef>
+        </p:style>
+        <p:txBody>
+          <a:bodyPr rtlCol="0" anchor="ctr"/>
+          <a:lstStyle/>
+          <a:p>
+            <a:pPr algn="ctr"/>
+            <a:endParaRPr lang="de-DE"/>
+          </a:p>
+        </p:txBody>
+      </p:sp>
+    </p:spTree>
+    <p:extLst>
+      <p:ext uri="{BB962C8B-B14F-4D97-AF65-F5344CB8AC3E}">
+        <p14:creationId xmlns:p14="http://schemas.microsoft.com/office/powerpoint/2010/main" val="1680513626"/>
+      </p:ext>
+    </p:extLst>
+  </p:cSld>
+  <p:clrMapOvr>
+    <a:masterClrMapping/>
+  </p:clrMapOvr>
+</p:sld>
+</file>
+
+<file path=ppt/slides/slide8.xml><?xml version="1.0" encoding="utf-8"?>
+<p:sld xmlns:a="http://schemas.openxmlformats.org/drawingml/2006/main" xmlns:r="http://schemas.openxmlformats.org/officeDocument/2006/relationships" xmlns:p="http://schemas.openxmlformats.org/presentationml/2006/main">
+  <p:cSld>
+    <p:spTree>
+      <p:nvGrpSpPr>
+        <p:cNvPr id="1" name=""/>
+        <p:cNvGrpSpPr/>
+        <p:nvPr/>
+      </p:nvGrpSpPr>
+      <p:grpSpPr>
+        <a:xfrm>
+          <a:off x="0" y="0"/>
+          <a:ext cx="0" cy="0"/>
+          <a:chOff x="0" y="0"/>
+          <a:chExt cx="0" cy="0"/>
+        </a:xfrm>
+      </p:grpSpPr>
+      <p:sp>
+        <p:nvSpPr>
+          <p:cNvPr id="4" name="Rechteck 3"/>
+          <p:cNvSpPr/>
+          <p:nvPr/>
+        </p:nvSpPr>
+        <p:spPr>
+          <a:xfrm>
+            <a:off x="4950271" y="0"/>
+            <a:ext cx="629792" cy="1044456"/>
+          </a:xfrm>
+          <a:prstGeom prst="rect">
+            <a:avLst/>
+          </a:prstGeom>
+          <a:solidFill>
+            <a:srgbClr val="FFC000"/>
+          </a:solidFill>
+        </p:spPr>
+        <p:style>
+          <a:lnRef idx="2">
+            <a:schemeClr val="accent1">
+              <a:shade val="50000"/>
+            </a:schemeClr>
+          </a:lnRef>
+          <a:fillRef idx="1">
+            <a:schemeClr val="accent1"/>
+          </a:fillRef>
+          <a:effectRef idx="0">
+            <a:schemeClr val="accent1"/>
+          </a:effectRef>
+          <a:fontRef idx="minor">
+            <a:schemeClr val="lt1"/>
+          </a:fontRef>
+        </p:style>
+        <p:txBody>
+          <a:bodyPr rtlCol="0" anchor="ctr"/>
+          <a:lstStyle/>
+          <a:p>
+            <a:pPr algn="ctr"/>
+            <a:endParaRPr lang="de-DE"/>
+          </a:p>
+        </p:txBody>
+      </p:sp>
+      <p:sp>
+        <p:nvSpPr>
+          <p:cNvPr id="13" name="Rechteck 12"/>
+          <p:cNvSpPr/>
+          <p:nvPr/>
+        </p:nvSpPr>
+        <p:spPr>
+          <a:xfrm>
+            <a:off x="4950271" y="1044456"/>
+            <a:ext cx="629792" cy="989950"/>
+          </a:xfrm>
+          <a:prstGeom prst="rect">
+            <a:avLst/>
+          </a:prstGeom>
+        </p:spPr>
+        <p:style>
+          <a:lnRef idx="2">
+            <a:schemeClr val="accent1">
+              <a:shade val="50000"/>
+            </a:schemeClr>
+          </a:lnRef>
+          <a:fillRef idx="1">
+            <a:schemeClr val="accent1"/>
+          </a:fillRef>
+          <a:effectRef idx="0">
+            <a:schemeClr val="accent1"/>
+          </a:effectRef>
+          <a:fontRef idx="minor">
+            <a:schemeClr val="lt1"/>
+          </a:fontRef>
+        </p:style>
+        <p:txBody>
+          <a:bodyPr rtlCol="0" anchor="ctr"/>
+          <a:lstStyle/>
+          <a:p>
+            <a:pPr algn="ctr"/>
+            <a:endParaRPr lang="de-DE"/>
+          </a:p>
+        </p:txBody>
+      </p:sp>
+      <p:sp>
+        <p:nvSpPr>
+          <p:cNvPr id="14" name="Rechteck 13"/>
+          <p:cNvSpPr/>
+          <p:nvPr/>
+        </p:nvSpPr>
+        <p:spPr>
+          <a:xfrm>
+            <a:off x="4950271" y="2034406"/>
+            <a:ext cx="629792" cy="1017776"/>
+          </a:xfrm>
+          <a:prstGeom prst="rect">
+            <a:avLst/>
+          </a:prstGeom>
+        </p:spPr>
+        <p:style>
+          <a:lnRef idx="2">
+            <a:schemeClr val="accent1">
+              <a:shade val="50000"/>
+            </a:schemeClr>
+          </a:lnRef>
+          <a:fillRef idx="1">
+            <a:schemeClr val="accent1"/>
+          </a:fillRef>
+          <a:effectRef idx="0">
+            <a:schemeClr val="accent1"/>
+          </a:effectRef>
+          <a:fontRef idx="minor">
+            <a:schemeClr val="lt1"/>
+          </a:fontRef>
+        </p:style>
+        <p:txBody>
+          <a:bodyPr rtlCol="0" anchor="ctr"/>
+          <a:lstStyle/>
+          <a:p>
+            <a:pPr algn="ctr"/>
+            <a:endParaRPr lang="de-DE"/>
+          </a:p>
+        </p:txBody>
+      </p:sp>
+      <p:pic>
+        <p:nvPicPr>
+          <p:cNvPr id="1042" name="Picture 18" descr="C:\Users\Tom\AppData\Local\Microsoft\Windows\INetCache\IE\9XPSHUUL\icon-1549619_960_720[1].png"/>
+          <p:cNvPicPr>
+            <a:picLocks noChangeAspect="1" noChangeArrowheads="1"/>
+          </p:cNvPicPr>
+          <p:nvPr/>
+        </p:nvPicPr>
+        <p:blipFill>
+          <a:blip r:embed="rId2" cstate="print">
+            <a:biLevel thresh="75000"/>
+            <a:extLst>
+              <a:ext uri="{28A0092B-C50C-407E-A947-70E740481C1C}">
+                <a14:useLocalDpi xmlns:a14="http://schemas.microsoft.com/office/drawing/2010/main" val="0"/>
+              </a:ext>
+            </a:extLst>
+          </a:blip>
+          <a:srcRect/>
+          <a:stretch>
+            <a:fillRect/>
+          </a:stretch>
+        </p:blipFill>
+        <p:spPr bwMode="auto">
+          <a:xfrm>
+            <a:off x="4982939" y="1269929"/>
+            <a:ext cx="564455" cy="539003"/>
+          </a:xfrm>
+          <a:prstGeom prst="rect">
+            <a:avLst/>
+          </a:prstGeom>
+          <a:noFill/>
+          <a:extLst>
+            <a:ext uri="{909E8E84-426E-40DD-AFC4-6F175D3DCCD1}">
+              <a14:hiddenFill xmlns:a14="http://schemas.microsoft.com/office/drawing/2010/main">
+                <a:solidFill>
+                  <a:srgbClr val="FFFFFF"/>
+                </a:solidFill>
+              </a14:hiddenFill>
+            </a:ext>
+          </a:extLst>
+        </p:spPr>
+      </p:pic>
+      <p:pic>
+        <p:nvPicPr>
+          <p:cNvPr id="1043" name="Picture 19" descr="C:\Users\Tom\AppData\Local\Microsoft\Windows\INetCache\IE\NN7TXIFT\newspaper-154444_960_720[1].png"/>
+          <p:cNvPicPr>
+            <a:picLocks noChangeAspect="1" noChangeArrowheads="1"/>
+          </p:cNvPicPr>
+          <p:nvPr/>
+        </p:nvPicPr>
+        <p:blipFill>
+          <a:blip r:embed="rId3" cstate="print">
+            <a:biLevel thresh="75000"/>
+            <a:extLst>
+              <a:ext uri="{28A0092B-C50C-407E-A947-70E740481C1C}">
+                <a14:useLocalDpi xmlns:a14="http://schemas.microsoft.com/office/drawing/2010/main" val="0"/>
+              </a:ext>
+            </a:extLst>
+          </a:blip>
+          <a:srcRect/>
+          <a:stretch>
+            <a:fillRect/>
+          </a:stretch>
+        </p:blipFill>
+        <p:spPr bwMode="auto">
+          <a:xfrm>
+            <a:off x="4982938" y="2299936"/>
+            <a:ext cx="564455" cy="486715"/>
+          </a:xfrm>
+          <a:prstGeom prst="rect">
+            <a:avLst/>
+          </a:prstGeom>
+          <a:noFill/>
+          <a:extLst>
+            <a:ext uri="{909E8E84-426E-40DD-AFC4-6F175D3DCCD1}">
+              <a14:hiddenFill xmlns:a14="http://schemas.microsoft.com/office/drawing/2010/main">
+                <a:solidFill>
+                  <a:srgbClr val="FFFFFF"/>
+                </a:solidFill>
+              </a14:hiddenFill>
+            </a:ext>
+          </a:extLst>
+        </p:spPr>
+      </p:pic>
+      <p:sp>
+        <p:nvSpPr>
+          <p:cNvPr id="19" name="Rechteck 18"/>
+          <p:cNvSpPr/>
+          <p:nvPr/>
+        </p:nvSpPr>
+        <p:spPr>
+          <a:xfrm>
+            <a:off x="0" y="0"/>
+            <a:ext cx="3712704" cy="403804"/>
+          </a:xfrm>
+          <a:prstGeom prst="rect">
+            <a:avLst/>
+          </a:prstGeom>
+        </p:spPr>
+        <p:style>
+          <a:lnRef idx="2">
+            <a:schemeClr val="accent1">
+              <a:shade val="50000"/>
+            </a:schemeClr>
+          </a:lnRef>
+          <a:fillRef idx="1">
+            <a:schemeClr val="accent1"/>
+          </a:fillRef>
+          <a:effectRef idx="0">
+            <a:schemeClr val="accent1"/>
+          </a:effectRef>
+          <a:fontRef idx="minor">
+            <a:schemeClr val="lt1"/>
+          </a:fontRef>
+        </p:style>
+        <p:txBody>
+          <a:bodyPr rtlCol="0" anchor="ctr"/>
+          <a:lstStyle/>
+          <a:p>
+            <a:pPr algn="ctr"/>
+            <a:r>
+              <a:rPr lang="de-DE" dirty="0"/>
+              <a:t>*HSRM-LOGO* 	FACHBEREICH X 	STUDIENBEREICH Y </a:t>
+            </a:r>
+          </a:p>
+        </p:txBody>
+      </p:sp>
+      <p:sp>
+        <p:nvSpPr>
+          <p:cNvPr id="20" name="Rechteck 19"/>
+          <p:cNvSpPr/>
+          <p:nvPr/>
+        </p:nvSpPr>
+        <p:spPr>
+          <a:xfrm>
+            <a:off x="-5373" y="403804"/>
+            <a:ext cx="2480508" cy="807608"/>
+          </a:xfrm>
+          <a:prstGeom prst="rect">
+            <a:avLst/>
+          </a:prstGeom>
+        </p:spPr>
+        <p:style>
+          <a:lnRef idx="2">
+            <a:schemeClr val="accent1">
+              <a:shade val="50000"/>
+            </a:schemeClr>
+          </a:lnRef>
+          <a:fillRef idx="1">
+            <a:schemeClr val="accent1"/>
+          </a:fillRef>
+          <a:effectRef idx="0">
+            <a:schemeClr val="accent1"/>
+          </a:effectRef>
+          <a:fontRef idx="minor">
+            <a:schemeClr val="lt1"/>
+          </a:fontRef>
+        </p:style>
+        <p:txBody>
+          <a:bodyPr rtlCol="0" anchor="ctr"/>
+          <a:lstStyle/>
+          <a:p>
+            <a:pPr algn="ctr"/>
+            <a:r>
+              <a:rPr lang="de-DE" sz="4400" dirty="0"/>
+              <a:t>RAUMNR</a:t>
+            </a:r>
+          </a:p>
+        </p:txBody>
+      </p:sp>
+      <p:sp>
+        <p:nvSpPr>
+          <p:cNvPr id="21" name="Rechteck 20"/>
+          <p:cNvSpPr/>
+          <p:nvPr/>
+        </p:nvSpPr>
+        <p:spPr>
+          <a:xfrm>
+            <a:off x="-5375" y="1211412"/>
+            <a:ext cx="2480509" cy="1840770"/>
+          </a:xfrm>
+          <a:prstGeom prst="rect">
+            <a:avLst/>
+          </a:prstGeom>
+          <a:solidFill>
+            <a:srgbClr val="FFC000"/>
+          </a:solidFill>
+        </p:spPr>
+        <p:style>
+          <a:lnRef idx="2">
+            <a:schemeClr val="accent1">
+              <a:shade val="50000"/>
+            </a:schemeClr>
+          </a:lnRef>
+          <a:fillRef idx="1">
+            <a:schemeClr val="accent1"/>
+          </a:fillRef>
+          <a:effectRef idx="0">
+            <a:schemeClr val="accent1"/>
+          </a:effectRef>
+          <a:fontRef idx="minor">
+            <a:schemeClr val="lt1"/>
+          </a:fontRef>
+        </p:style>
+        <p:txBody>
+          <a:bodyPr rtlCol="0" anchor="ctr"/>
+          <a:lstStyle/>
+          <a:p>
+            <a:pPr algn="ctr"/>
+            <a:endParaRPr lang="de-DE" dirty="0"/>
+          </a:p>
+        </p:txBody>
+      </p:sp>
+      <p:sp>
+        <p:nvSpPr>
+          <p:cNvPr id="22" name="Rechteck 21"/>
+          <p:cNvSpPr/>
+          <p:nvPr/>
+        </p:nvSpPr>
+        <p:spPr>
+          <a:xfrm>
+            <a:off x="2475135" y="403804"/>
+            <a:ext cx="2475136" cy="2648378"/>
+          </a:xfrm>
+          <a:prstGeom prst="rect">
+            <a:avLst/>
+          </a:prstGeom>
+          <a:solidFill>
+            <a:srgbClr val="FFC000"/>
+          </a:solidFill>
+        </p:spPr>
+        <p:style>
+          <a:lnRef idx="2">
+            <a:schemeClr val="accent1">
+              <a:shade val="50000"/>
+            </a:schemeClr>
+          </a:lnRef>
+          <a:fillRef idx="1">
+            <a:schemeClr val="accent1"/>
+          </a:fillRef>
+          <a:effectRef idx="0">
+            <a:schemeClr val="accent1"/>
+          </a:effectRef>
+          <a:fontRef idx="minor">
+            <a:schemeClr val="lt1"/>
+          </a:fontRef>
+        </p:style>
+        <p:txBody>
+          <a:bodyPr rtlCol="0" anchor="ctr"/>
+          <a:lstStyle/>
+          <a:p>
+            <a:pPr algn="ctr"/>
+            <a:endParaRPr lang="de-DE"/>
+          </a:p>
+        </p:txBody>
+      </p:sp>
+      <p:sp>
+        <p:nvSpPr>
+          <p:cNvPr id="23" name="Rechteck 22"/>
+          <p:cNvSpPr/>
+          <p:nvPr/>
+        </p:nvSpPr>
+        <p:spPr>
+          <a:xfrm>
+            <a:off x="3712704" y="0"/>
+            <a:ext cx="1237567" cy="403804"/>
+          </a:xfrm>
+          <a:prstGeom prst="rect">
+            <a:avLst/>
+          </a:prstGeom>
+        </p:spPr>
+        <p:style>
+          <a:lnRef idx="2">
+            <a:schemeClr val="accent1">
+              <a:shade val="50000"/>
+            </a:schemeClr>
+          </a:lnRef>
+          <a:fillRef idx="1">
+            <a:schemeClr val="accent1"/>
+          </a:fillRef>
+          <a:effectRef idx="0">
+            <a:schemeClr val="accent1"/>
+          </a:effectRef>
+          <a:fontRef idx="minor">
+            <a:schemeClr val="lt1"/>
+          </a:fontRef>
+        </p:style>
+        <p:txBody>
+          <a:bodyPr rtlCol="0" anchor="ctr"/>
+          <a:lstStyle/>
+          <a:p>
+            <a:pPr algn="ctr"/>
+            <a:r>
+              <a:rPr lang="de-DE" dirty="0"/>
+              <a:t>UHR</a:t>
+            </a:r>
+          </a:p>
+        </p:txBody>
+      </p:sp>
+      <p:pic>
+        <p:nvPicPr>
+          <p:cNvPr id="15" name="Picture 2" descr="Classroom Svg Png Icon Free Download (#432239) - OnlineWebFonts.COM"/>
+          <p:cNvPicPr>
+            <a:picLocks noChangeAspect="1" noChangeArrowheads="1"/>
+          </p:cNvPicPr>
+          <p:nvPr/>
+        </p:nvPicPr>
+        <p:blipFill>
+          <a:blip r:embed="rId4" cstate="print">
+            <a:extLst>
+              <a:ext uri="{28A0092B-C50C-407E-A947-70E740481C1C}">
+                <a14:useLocalDpi xmlns:a14="http://schemas.microsoft.com/office/drawing/2010/main" val="0"/>
+              </a:ext>
+            </a:extLst>
+          </a:blip>
+          <a:srcRect/>
+          <a:stretch>
+            <a:fillRect/>
+          </a:stretch>
+        </p:blipFill>
+        <p:spPr bwMode="auto">
+          <a:xfrm>
+            <a:off x="5038613" y="330464"/>
+            <a:ext cx="453107" cy="452645"/>
+          </a:xfrm>
+          <a:prstGeom prst="rect">
+            <a:avLst/>
+          </a:prstGeom>
+          <a:noFill/>
+          <a:extLst>
+            <a:ext uri="{909E8E84-426E-40DD-AFC4-6F175D3DCCD1}">
+              <a14:hiddenFill xmlns:a14="http://schemas.microsoft.com/office/drawing/2010/main">
+                <a:solidFill>
+                  <a:srgbClr val="FFFFFF"/>
+                </a:solidFill>
+              </a14:hiddenFill>
+            </a:ext>
+          </a:extLst>
+        </p:spPr>
+      </p:pic>
+      <p:sp>
+        <p:nvSpPr>
+          <p:cNvPr id="2" name="Textfeld 1"/>
+          <p:cNvSpPr txBox="1"/>
+          <p:nvPr/>
+        </p:nvSpPr>
+        <p:spPr>
+          <a:xfrm>
+            <a:off x="341759" y="1602358"/>
+            <a:ext cx="1008112" cy="1323439"/>
+          </a:xfrm>
+          <a:prstGeom prst="rect">
+            <a:avLst/>
+          </a:prstGeom>
+          <a:noFill/>
+        </p:spPr>
+        <p:txBody>
+          <a:bodyPr wrap="square" rtlCol="0">
+            <a:spAutoFit/>
+          </a:bodyPr>
+          <a:lstStyle/>
+          <a:p>
+            <a:r>
+              <a:rPr lang="de-DE" dirty="0" smtClean="0"/>
+              <a:t>Raum</a:t>
+            </a:r>
+          </a:p>
+          <a:p>
+            <a:r>
+              <a:rPr lang="de-DE" dirty="0" smtClean="0"/>
+              <a:t>Seminarraum</a:t>
+            </a:r>
+          </a:p>
+          <a:p>
+            <a:endParaRPr lang="de-DE" dirty="0"/>
+          </a:p>
+          <a:p>
+            <a:r>
+              <a:rPr lang="de-DE" dirty="0" smtClean="0"/>
+              <a:t>Anzahl Plätze: 30</a:t>
+            </a:r>
+          </a:p>
+          <a:p>
+            <a:endParaRPr lang="de-DE" dirty="0"/>
+          </a:p>
+          <a:p>
+            <a:r>
+              <a:rPr lang="de-DE" dirty="0" smtClean="0"/>
+              <a:t>Fachbereich: U&amp;D</a:t>
+            </a:r>
+            <a:endParaRPr lang="de-DE" dirty="0"/>
+          </a:p>
+        </p:txBody>
+      </p:sp>
+      <p:sp>
+        <p:nvSpPr>
+          <p:cNvPr id="16" name="Textfeld 15"/>
+          <p:cNvSpPr txBox="1"/>
+          <p:nvPr/>
+        </p:nvSpPr>
+        <p:spPr>
+          <a:xfrm>
+            <a:off x="2697275" y="723822"/>
+            <a:ext cx="1676932" cy="2400657"/>
+          </a:xfrm>
+          <a:prstGeom prst="rect">
+            <a:avLst/>
+          </a:prstGeom>
+          <a:noFill/>
+        </p:spPr>
+        <p:txBody>
+          <a:bodyPr wrap="square" rtlCol="0">
+            <a:spAutoFit/>
+          </a:bodyPr>
+          <a:lstStyle/>
+          <a:p>
+            <a:r>
+              <a:rPr lang="de-DE" dirty="0" smtClean="0"/>
+              <a:t>Status: Belegt bis 15:30</a:t>
+            </a:r>
+          </a:p>
+          <a:p>
+            <a:endParaRPr lang="de-DE" dirty="0"/>
+          </a:p>
+          <a:p>
+            <a:r>
+              <a:rPr lang="de-DE" dirty="0" smtClean="0"/>
+              <a:t>Von FIRMEN</a:t>
+            </a:r>
+          </a:p>
+          <a:p>
+            <a:r>
+              <a:rPr lang="de-DE" dirty="0" smtClean="0"/>
+              <a:t>Für Tutorium </a:t>
+            </a:r>
+            <a:r>
+              <a:rPr lang="de-DE" dirty="0" err="1" smtClean="0"/>
+              <a:t>iPPP</a:t>
+            </a:r>
+            <a:endParaRPr lang="de-DE" dirty="0" smtClean="0"/>
+          </a:p>
+          <a:p>
+            <a:endParaRPr lang="de-DE" dirty="0"/>
+          </a:p>
+          <a:p>
+            <a:endParaRPr lang="de-DE" dirty="0" smtClean="0"/>
+          </a:p>
+          <a:p>
+            <a:endParaRPr lang="de-DE" dirty="0"/>
+          </a:p>
+          <a:p>
+            <a:endParaRPr lang="de-DE" dirty="0" smtClean="0"/>
+          </a:p>
+          <a:p>
+            <a:endParaRPr lang="de-DE" dirty="0"/>
+          </a:p>
+          <a:p>
+            <a:endParaRPr lang="de-DE" dirty="0" smtClean="0"/>
+          </a:p>
+          <a:p>
+            <a:r>
+              <a:rPr lang="de-DE" dirty="0" smtClean="0"/>
+              <a:t>Nächste Veranstaltung:</a:t>
+            </a:r>
+          </a:p>
+          <a:p>
+            <a:r>
+              <a:rPr lang="de-DE" dirty="0" smtClean="0"/>
+              <a:t>Aufbaukurs C++ </a:t>
+            </a:r>
+            <a:r>
+              <a:rPr lang="de-DE" dirty="0"/>
+              <a:t>Ab 16:30 </a:t>
+            </a:r>
+          </a:p>
+          <a:p>
+            <a:endParaRPr lang="de-DE" dirty="0" smtClean="0"/>
+          </a:p>
+          <a:p>
+            <a:endParaRPr lang="de-DE" dirty="0"/>
+          </a:p>
+          <a:p>
+            <a:endParaRPr lang="de-DE" dirty="0" smtClean="0"/>
+          </a:p>
+        </p:txBody>
+      </p:sp>
+      <p:pic>
+        <p:nvPicPr>
+          <p:cNvPr id="5121" name="Picture 1"/>
+          <p:cNvPicPr>
+            <a:picLocks noChangeAspect="1" noChangeArrowheads="1"/>
+          </p:cNvPicPr>
+          <p:nvPr/>
+        </p:nvPicPr>
+        <p:blipFill>
+          <a:blip r:embed="rId5" cstate="print">
+            <a:extLst>
+              <a:ext uri="{28A0092B-C50C-407E-A947-70E740481C1C}">
+                <a14:useLocalDpi xmlns:a14="http://schemas.microsoft.com/office/drawing/2010/main" val="0"/>
+              </a:ext>
+            </a:extLst>
+          </a:blip>
+          <a:srcRect/>
+          <a:stretch>
+            <a:fillRect/>
+          </a:stretch>
+        </p:blipFill>
+        <p:spPr bwMode="auto">
+          <a:xfrm>
+            <a:off x="2790031" y="1412530"/>
+            <a:ext cx="860482" cy="792804"/>
+          </a:xfrm>
+          <a:prstGeom prst="rect">
+            <a:avLst/>
+          </a:prstGeom>
+          <a:noFill/>
+          <a:ln>
+            <a:noFill/>
+          </a:ln>
+          <a:extLst>
+            <a:ext uri="{909E8E84-426E-40DD-AFC4-6F175D3DCCD1}">
+              <a14:hiddenFill xmlns:a14="http://schemas.microsoft.com/office/drawing/2010/main">
+                <a:solidFill>
+                  <a:schemeClr val="accent1"/>
+                </a:solidFill>
+              </a14:hiddenFill>
+            </a:ext>
+            <a:ext uri="{91240B29-F687-4F45-9708-019B960494DF}">
+              <a14:hiddenLine xmlns:a14="http://schemas.microsoft.com/office/drawing/2010/main" w="9525">
+                <a:solidFill>
+                  <a:schemeClr val="tx1"/>
+                </a:solidFill>
+                <a:miter lim="800000"/>
+                <a:headEnd/>
+                <a:tailEnd/>
+              </a14:hiddenLine>
+            </a:ext>
+          </a:extLst>
+        </p:spPr>
+      </p:pic>
+    </p:spTree>
+    <p:extLst>
+      <p:ext uri="{BB962C8B-B14F-4D97-AF65-F5344CB8AC3E}">
+        <p14:creationId xmlns:p14="http://schemas.microsoft.com/office/powerpoint/2010/main" val="3795644844"/>
+      </p:ext>
+    </p:extLst>
+  </p:cSld>
+  <p:clrMapOvr>
+    <a:masterClrMapping/>
+  </p:clrMapOvr>
+</p:sld>
+</file>
+
+<file path=ppt/slides/slide9.xml><?xml version="1.0" encoding="utf-8"?>
+<p:sld xmlns:a="http://schemas.openxmlformats.org/drawingml/2006/main" xmlns:r="http://schemas.openxmlformats.org/officeDocument/2006/relationships" xmlns:p="http://schemas.openxmlformats.org/presentationml/2006/main">
+  <p:cSld>
+    <p:spTree>
+      <p:nvGrpSpPr>
+        <p:cNvPr id="1" name=""/>
+        <p:cNvGrpSpPr/>
+        <p:nvPr/>
+      </p:nvGrpSpPr>
+      <p:grpSpPr>
+        <a:xfrm>
+          <a:off x="0" y="0"/>
+          <a:ext cx="0" cy="0"/>
+          <a:chOff x="0" y="0"/>
+          <a:chExt cx="0" cy="0"/>
+        </a:xfrm>
+      </p:grpSpPr>
+      <p:sp>
+        <p:nvSpPr>
+          <p:cNvPr id="54" name="Rechteck 53"/>
+          <p:cNvSpPr/>
+          <p:nvPr/>
+        </p:nvSpPr>
+        <p:spPr>
+          <a:xfrm>
+            <a:off x="269751" y="810270"/>
+            <a:ext cx="2956655" cy="2232248"/>
+          </a:xfrm>
+          <a:prstGeom prst="rect">
+            <a:avLst/>
+          </a:prstGeom>
+        </p:spPr>
+        <p:style>
+          <a:lnRef idx="2">
+            <a:schemeClr val="accent3"/>
+          </a:lnRef>
+          <a:fillRef idx="1">
+            <a:schemeClr val="lt1"/>
+          </a:fillRef>
+          <a:effectRef idx="0">
+            <a:schemeClr val="accent3"/>
+          </a:effectRef>
+          <a:fontRef idx="minor">
+            <a:schemeClr val="dk1"/>
+          </a:fontRef>
+        </p:style>
+        <p:txBody>
+          <a:bodyPr rtlCol="0" anchor="ctr"/>
+          <a:lstStyle/>
+          <a:p>
+            <a:pPr algn="ctr"/>
+            <a:endParaRPr lang="de-DE"/>
+          </a:p>
+        </p:txBody>
+      </p:sp>
+      <p:sp>
+        <p:nvSpPr>
+          <p:cNvPr id="32" name="Rechteck 31"/>
+          <p:cNvSpPr/>
+          <p:nvPr/>
+        </p:nvSpPr>
+        <p:spPr>
+          <a:xfrm>
+            <a:off x="3366095" y="2012968"/>
+            <a:ext cx="1872208" cy="989405"/>
+          </a:xfrm>
+          <a:prstGeom prst="rect">
+            <a:avLst/>
+          </a:prstGeom>
+        </p:spPr>
+        <p:style>
+          <a:lnRef idx="2">
+            <a:schemeClr val="accent6"/>
+          </a:lnRef>
+          <a:fillRef idx="1">
+            <a:schemeClr val="lt1"/>
+          </a:fillRef>
+          <a:effectRef idx="0">
+            <a:schemeClr val="accent6"/>
+          </a:effectRef>
+          <a:fontRef idx="minor">
+            <a:schemeClr val="dk1"/>
+          </a:fontRef>
+        </p:style>
+        <p:txBody>
+          <a:bodyPr rtlCol="0" anchor="ctr"/>
+          <a:lstStyle/>
+          <a:p>
+            <a:pPr algn="ctr"/>
+            <a:endParaRPr lang="de-DE"/>
+          </a:p>
+        </p:txBody>
+      </p:sp>
+      <p:sp>
+        <p:nvSpPr>
+          <p:cNvPr id="53" name="Flussdiagramm: Magnetplattenspeicher 52"/>
+          <p:cNvSpPr/>
+          <p:nvPr/>
+        </p:nvSpPr>
+        <p:spPr>
+          <a:xfrm>
+            <a:off x="4240619" y="2581737"/>
+            <a:ext cx="897780" cy="355922"/>
+          </a:xfrm>
+          <a:prstGeom prst="flowChartMagneticDisk">
+            <a:avLst/>
+          </a:prstGeom>
+        </p:spPr>
+        <p:style>
+          <a:lnRef idx="2">
+            <a:schemeClr val="accent3">
+              <a:shade val="50000"/>
+            </a:schemeClr>
+          </a:lnRef>
+          <a:fillRef idx="1">
+            <a:schemeClr val="accent3"/>
+          </a:fillRef>
+          <a:effectRef idx="0">
+            <a:schemeClr val="accent3"/>
+          </a:effectRef>
+          <a:fontRef idx="minor">
+            <a:schemeClr val="lt1"/>
+          </a:fontRef>
+        </p:style>
+        <p:txBody>
+          <a:bodyPr rtlCol="0" anchor="ctr"/>
+          <a:lstStyle/>
+          <a:p>
+            <a:pPr algn="ctr"/>
+            <a:endParaRPr lang="de-DE" dirty="0" smtClean="0"/>
+          </a:p>
+          <a:p>
+            <a:pPr algn="ctr"/>
+            <a:r>
+              <a:rPr lang="de-DE" dirty="0" smtClean="0"/>
+              <a:t>Display 2</a:t>
+            </a:r>
+            <a:endParaRPr lang="de-DE" dirty="0"/>
+          </a:p>
+        </p:txBody>
+      </p:sp>
+      <p:sp>
+        <p:nvSpPr>
+          <p:cNvPr id="17" name="Rechteck 16"/>
+          <p:cNvSpPr/>
+          <p:nvPr/>
+        </p:nvSpPr>
+        <p:spPr>
+          <a:xfrm>
+            <a:off x="197743" y="770125"/>
+            <a:ext cx="2956655" cy="2232248"/>
+          </a:xfrm>
+          <a:prstGeom prst="rect">
+            <a:avLst/>
+          </a:prstGeom>
+        </p:spPr>
+        <p:style>
+          <a:lnRef idx="2">
+            <a:schemeClr val="accent1"/>
+          </a:lnRef>
+          <a:fillRef idx="1">
+            <a:schemeClr val="lt1"/>
+          </a:fillRef>
+          <a:effectRef idx="0">
+            <a:schemeClr val="accent1"/>
+          </a:effectRef>
+          <a:fontRef idx="minor">
+            <a:schemeClr val="dk1"/>
+          </a:fontRef>
+        </p:style>
+        <p:txBody>
+          <a:bodyPr rtlCol="0" anchor="ctr"/>
+          <a:lstStyle/>
+          <a:p>
+            <a:pPr algn="ctr"/>
+            <a:endParaRPr lang="de-DE"/>
+          </a:p>
+        </p:txBody>
+      </p:sp>
+      <p:sp>
+        <p:nvSpPr>
+          <p:cNvPr id="2" name="Titel 1"/>
+          <p:cNvSpPr>
+            <a:spLocks noGrp="1"/>
+          </p:cNvSpPr>
+          <p:nvPr>
+            <p:ph type="title"/>
+          </p:nvPr>
+        </p:nvSpPr>
+        <p:spPr/>
+        <p:txBody>
+          <a:bodyPr/>
+          <a:lstStyle/>
+          <a:p>
+            <a:r>
+              <a:rPr lang="de-DE" dirty="0" smtClean="0"/>
+              <a:t>Display Management</a:t>
+            </a:r>
+            <a:endParaRPr lang="de-DE" dirty="0"/>
+          </a:p>
+        </p:txBody>
+      </p:sp>
+      <p:grpSp>
+        <p:nvGrpSpPr>
+          <p:cNvPr id="5" name="Gruppieren 4"/>
+          <p:cNvGrpSpPr/>
+          <p:nvPr/>
+        </p:nvGrpSpPr>
+        <p:grpSpPr>
+          <a:xfrm>
+            <a:off x="1116480" y="812536"/>
+            <a:ext cx="1005616" cy="593915"/>
+            <a:chOff x="-5375" y="0"/>
+            <a:chExt cx="5585438" cy="3052182"/>
+          </a:xfrm>
+        </p:grpSpPr>
+        <p:sp>
+          <p:nvSpPr>
+            <p:cNvPr id="6" name="Rechteck 5"/>
+            <p:cNvSpPr/>
+            <p:nvPr/>
+          </p:nvSpPr>
+          <p:spPr>
+            <a:xfrm>
+              <a:off x="4950271" y="0"/>
+              <a:ext cx="629792" cy="1044456"/>
+            </a:xfrm>
+            <a:prstGeom prst="rect">
+              <a:avLst/>
+            </a:prstGeom>
+          </p:spPr>
+          <p:style>
+            <a:lnRef idx="2">
+              <a:schemeClr val="accent1">
+                <a:shade val="50000"/>
+              </a:schemeClr>
+            </a:lnRef>
+            <a:fillRef idx="1">
+              <a:schemeClr val="accent1"/>
+            </a:fillRef>
+            <a:effectRef idx="0">
+              <a:schemeClr val="accent1"/>
+            </a:effectRef>
+            <a:fontRef idx="minor">
+              <a:schemeClr val="lt1"/>
+            </a:fontRef>
+          </p:style>
+          <p:txBody>
+            <a:bodyPr rtlCol="0" anchor="ctr"/>
+            <a:lstStyle/>
+            <a:p>
+              <a:pPr algn="ctr"/>
+              <a:endParaRPr lang="de-DE" dirty="0"/>
+            </a:p>
+          </p:txBody>
+        </p:sp>
+        <p:sp>
+          <p:nvSpPr>
+            <p:cNvPr id="7" name="Rechteck 6"/>
+            <p:cNvSpPr/>
+            <p:nvPr/>
+          </p:nvSpPr>
+          <p:spPr>
+            <a:xfrm>
+              <a:off x="4950271" y="1044456"/>
+              <a:ext cx="629792" cy="989950"/>
+            </a:xfrm>
+            <a:prstGeom prst="rect">
+              <a:avLst/>
+            </a:prstGeom>
+          </p:spPr>
+          <p:style>
+            <a:lnRef idx="2">
+              <a:schemeClr val="accent1">
+                <a:shade val="50000"/>
+              </a:schemeClr>
+            </a:lnRef>
+            <a:fillRef idx="1">
+              <a:schemeClr val="accent1"/>
+            </a:fillRef>
+            <a:effectRef idx="0">
+              <a:schemeClr val="accent1"/>
+            </a:effectRef>
+            <a:fontRef idx="minor">
+              <a:schemeClr val="lt1"/>
+            </a:fontRef>
+          </p:style>
+          <p:txBody>
+            <a:bodyPr rtlCol="0" anchor="ctr"/>
+            <a:lstStyle/>
+            <a:p>
+              <a:pPr algn="ctr"/>
+              <a:endParaRPr lang="de-DE" dirty="0"/>
+            </a:p>
+          </p:txBody>
+        </p:sp>
+        <p:sp>
+          <p:nvSpPr>
+            <p:cNvPr id="8" name="Rechteck 7"/>
+            <p:cNvSpPr/>
+            <p:nvPr/>
+          </p:nvSpPr>
+          <p:spPr>
+            <a:xfrm>
+              <a:off x="4950271" y="2034406"/>
+              <a:ext cx="629792" cy="1017776"/>
+            </a:xfrm>
+            <a:prstGeom prst="rect">
+              <a:avLst/>
+            </a:prstGeom>
+          </p:spPr>
+          <p:style>
+            <a:lnRef idx="2">
+              <a:schemeClr val="accent1">
+                <a:shade val="50000"/>
+              </a:schemeClr>
+            </a:lnRef>
+            <a:fillRef idx="1">
+              <a:schemeClr val="accent1"/>
+            </a:fillRef>
+            <a:effectRef idx="0">
+              <a:schemeClr val="accent1"/>
+            </a:effectRef>
+            <a:fontRef idx="minor">
+              <a:schemeClr val="lt1"/>
+            </a:fontRef>
+          </p:style>
+          <p:txBody>
+            <a:bodyPr rtlCol="0" anchor="ctr"/>
+            <a:lstStyle/>
+            <a:p>
+              <a:pPr algn="ctr"/>
+              <a:endParaRPr lang="de-DE" dirty="0"/>
+            </a:p>
+          </p:txBody>
+        </p:sp>
+        <p:sp>
+          <p:nvSpPr>
+            <p:cNvPr id="9" name="Rechteck 8"/>
+            <p:cNvSpPr/>
+            <p:nvPr/>
+          </p:nvSpPr>
+          <p:spPr>
+            <a:xfrm>
+              <a:off x="0" y="0"/>
+              <a:ext cx="3712704" cy="403804"/>
+            </a:xfrm>
+            <a:prstGeom prst="rect">
+              <a:avLst/>
+            </a:prstGeom>
+          </p:spPr>
+          <p:style>
+            <a:lnRef idx="2">
+              <a:schemeClr val="accent1">
+                <a:shade val="50000"/>
+              </a:schemeClr>
+            </a:lnRef>
+            <a:fillRef idx="1">
+              <a:schemeClr val="accent1"/>
+            </a:fillRef>
+            <a:effectRef idx="0">
+              <a:schemeClr val="accent1"/>
+            </a:effectRef>
+            <a:fontRef idx="minor">
+              <a:schemeClr val="lt1"/>
+            </a:fontRef>
+          </p:style>
+          <p:txBody>
+            <a:bodyPr rtlCol="0" anchor="ctr"/>
+            <a:lstStyle/>
+            <a:p>
+              <a:pPr algn="ctr"/>
+              <a:endParaRPr lang="de-DE" dirty="0"/>
+            </a:p>
+          </p:txBody>
+        </p:sp>
+        <p:sp>
+          <p:nvSpPr>
+            <p:cNvPr id="10" name="Rechteck 9"/>
+            <p:cNvSpPr/>
+            <p:nvPr/>
+          </p:nvSpPr>
+          <p:spPr>
+            <a:xfrm>
+              <a:off x="-5373" y="403804"/>
+              <a:ext cx="2480508" cy="807608"/>
+            </a:xfrm>
+            <a:prstGeom prst="rect">
+              <a:avLst/>
+            </a:prstGeom>
+          </p:spPr>
+          <p:style>
+            <a:lnRef idx="2">
+              <a:schemeClr val="accent1">
+                <a:shade val="50000"/>
+              </a:schemeClr>
+            </a:lnRef>
+            <a:fillRef idx="1">
+              <a:schemeClr val="accent1"/>
+            </a:fillRef>
+            <a:effectRef idx="0">
+              <a:schemeClr val="accent1"/>
+            </a:effectRef>
+            <a:fontRef idx="minor">
+              <a:schemeClr val="lt1"/>
+            </a:fontRef>
+          </p:style>
+          <p:txBody>
+            <a:bodyPr rtlCol="0" anchor="ctr"/>
+            <a:lstStyle/>
+            <a:p>
+              <a:pPr algn="ctr"/>
+              <a:endParaRPr lang="de-DE" sz="4400" dirty="0"/>
+            </a:p>
+          </p:txBody>
+        </p:sp>
+        <p:sp>
+          <p:nvSpPr>
+            <p:cNvPr id="11" name="Rechteck 10"/>
+            <p:cNvSpPr/>
+            <p:nvPr/>
+          </p:nvSpPr>
+          <p:spPr>
+            <a:xfrm>
+              <a:off x="-5375" y="1211412"/>
+              <a:ext cx="2480509" cy="1840770"/>
+            </a:xfrm>
+            <a:prstGeom prst="rect">
+              <a:avLst/>
+            </a:prstGeom>
+          </p:spPr>
+          <p:style>
+            <a:lnRef idx="2">
+              <a:schemeClr val="accent1">
+                <a:shade val="50000"/>
+              </a:schemeClr>
+            </a:lnRef>
+            <a:fillRef idx="1">
+              <a:schemeClr val="accent1"/>
+            </a:fillRef>
+            <a:effectRef idx="0">
+              <a:schemeClr val="accent1"/>
+            </a:effectRef>
+            <a:fontRef idx="minor">
+              <a:schemeClr val="lt1"/>
+            </a:fontRef>
+          </p:style>
+          <p:txBody>
+            <a:bodyPr rtlCol="0" anchor="ctr"/>
+            <a:lstStyle/>
+            <a:p>
+              <a:pPr algn="ctr"/>
+              <a:endParaRPr lang="de-DE" dirty="0"/>
+            </a:p>
+          </p:txBody>
+        </p:sp>
+        <p:sp>
+          <p:nvSpPr>
+            <p:cNvPr id="12" name="Rechteck 11"/>
+            <p:cNvSpPr/>
+            <p:nvPr/>
+          </p:nvSpPr>
+          <p:spPr>
+            <a:xfrm>
+              <a:off x="2475134" y="403804"/>
+              <a:ext cx="2475136" cy="2648378"/>
+            </a:xfrm>
+            <a:prstGeom prst="rect">
+              <a:avLst/>
+            </a:prstGeom>
+          </p:spPr>
+          <p:style>
+            <a:lnRef idx="2">
+              <a:schemeClr val="accent1">
+                <a:shade val="50000"/>
+              </a:schemeClr>
+            </a:lnRef>
+            <a:fillRef idx="1">
+              <a:schemeClr val="accent1"/>
+            </a:fillRef>
+            <a:effectRef idx="0">
+              <a:schemeClr val="accent1"/>
+            </a:effectRef>
+            <a:fontRef idx="minor">
+              <a:schemeClr val="lt1"/>
+            </a:fontRef>
+          </p:style>
+          <p:txBody>
+            <a:bodyPr rtlCol="0" anchor="ctr"/>
+            <a:lstStyle/>
+            <a:p>
+              <a:pPr algn="ctr"/>
+              <a:endParaRPr lang="de-DE" dirty="0"/>
+            </a:p>
+          </p:txBody>
+        </p:sp>
+        <p:sp>
+          <p:nvSpPr>
+            <p:cNvPr id="13" name="Rechteck 12"/>
+            <p:cNvSpPr/>
+            <p:nvPr/>
+          </p:nvSpPr>
+          <p:spPr>
+            <a:xfrm>
+              <a:off x="3712704" y="0"/>
+              <a:ext cx="1237567" cy="403804"/>
+            </a:xfrm>
+            <a:prstGeom prst="rect">
+              <a:avLst/>
+            </a:prstGeom>
+          </p:spPr>
+          <p:style>
+            <a:lnRef idx="2">
+              <a:schemeClr val="accent1">
+                <a:shade val="50000"/>
+              </a:schemeClr>
+            </a:lnRef>
+            <a:fillRef idx="1">
+              <a:schemeClr val="accent1"/>
+            </a:fillRef>
+            <a:effectRef idx="0">
+              <a:schemeClr val="accent1"/>
+            </a:effectRef>
+            <a:fontRef idx="minor">
+              <a:schemeClr val="lt1"/>
+            </a:fontRef>
+          </p:style>
+          <p:txBody>
+            <a:bodyPr rtlCol="0" anchor="ctr"/>
+            <a:lstStyle/>
+            <a:p>
+              <a:pPr algn="ctr"/>
+              <a:endParaRPr lang="de-DE" dirty="0"/>
+            </a:p>
+          </p:txBody>
+        </p:sp>
+      </p:grpSp>
+      <p:sp>
+        <p:nvSpPr>
+          <p:cNvPr id="14" name="Flussdiagramm: Magnetplattenspeicher 13"/>
+          <p:cNvSpPr/>
+          <p:nvPr/>
+        </p:nvSpPr>
+        <p:spPr>
+          <a:xfrm>
+            <a:off x="1170398" y="2386210"/>
+            <a:ext cx="897780" cy="504056"/>
+          </a:xfrm>
+          <a:prstGeom prst="flowChartMagneticDisk">
+            <a:avLst/>
+          </a:prstGeom>
+        </p:spPr>
+        <p:style>
+          <a:lnRef idx="2">
+            <a:schemeClr val="accent1">
+              <a:shade val="50000"/>
+            </a:schemeClr>
+          </a:lnRef>
+          <a:fillRef idx="1">
+            <a:schemeClr val="accent1"/>
+          </a:fillRef>
+          <a:effectRef idx="0">
+            <a:schemeClr val="accent1"/>
+          </a:effectRef>
+          <a:fontRef idx="minor">
+            <a:schemeClr val="lt1"/>
+          </a:fontRef>
+        </p:style>
+        <p:txBody>
+          <a:bodyPr rtlCol="0" anchor="ctr"/>
+          <a:lstStyle/>
+          <a:p>
+            <a:pPr algn="ctr"/>
+            <a:endParaRPr lang="de-DE" dirty="0" smtClean="0"/>
+          </a:p>
+          <a:p>
+            <a:pPr algn="ctr"/>
+            <a:r>
+              <a:rPr lang="de-DE" dirty="0" smtClean="0"/>
+              <a:t>Lokale DB</a:t>
+            </a:r>
+          </a:p>
+          <a:p>
+            <a:pPr algn="ctr"/>
+            <a:endParaRPr lang="de-DE" dirty="0"/>
+          </a:p>
+        </p:txBody>
+      </p:sp>
+      <p:sp>
+        <p:nvSpPr>
+          <p:cNvPr id="15" name="Flussdiagramm: Karte 14"/>
+          <p:cNvSpPr/>
+          <p:nvPr/>
+        </p:nvSpPr>
+        <p:spPr>
+          <a:xfrm>
+            <a:off x="1203848" y="1719283"/>
+            <a:ext cx="823637" cy="360040"/>
+          </a:xfrm>
+          <a:prstGeom prst="flowChartPunchedCard">
+            <a:avLst/>
+          </a:prstGeom>
+        </p:spPr>
+        <p:style>
+          <a:lnRef idx="2">
+            <a:schemeClr val="accent1">
+              <a:shade val="50000"/>
+            </a:schemeClr>
+          </a:lnRef>
+          <a:fillRef idx="1">
+            <a:schemeClr val="accent1"/>
+          </a:fillRef>
+          <a:effectRef idx="0">
+            <a:schemeClr val="accent1"/>
+          </a:effectRef>
+          <a:fontRef idx="minor">
+            <a:schemeClr val="lt1"/>
+          </a:fontRef>
+        </p:style>
+        <p:txBody>
+          <a:bodyPr rtlCol="0" anchor="ctr"/>
+          <a:lstStyle/>
+          <a:p>
+            <a:pPr algn="ctr"/>
+            <a:r>
+              <a:rPr lang="de-DE" dirty="0" err="1" smtClean="0"/>
+              <a:t>Display.json</a:t>
+            </a:r>
+            <a:endParaRPr lang="de-DE" dirty="0"/>
+          </a:p>
+        </p:txBody>
+      </p:sp>
+      <p:sp>
+        <p:nvSpPr>
+          <p:cNvPr id="18" name="Textfeld 17"/>
+          <p:cNvSpPr txBox="1"/>
+          <p:nvPr/>
+        </p:nvSpPr>
+        <p:spPr>
+          <a:xfrm>
+            <a:off x="197743" y="783179"/>
+            <a:ext cx="864096" cy="2154436"/>
+          </a:xfrm>
+          <a:prstGeom prst="rect">
+            <a:avLst/>
+          </a:prstGeom>
+          <a:noFill/>
+        </p:spPr>
+        <p:txBody>
+          <a:bodyPr wrap="square" rtlCol="0">
+            <a:spAutoFit/>
+          </a:bodyPr>
+          <a:lstStyle/>
+          <a:p>
+            <a:r>
+              <a:rPr lang="de-DE" dirty="0">
+                <a:solidFill>
+                  <a:schemeClr val="accent1">
+                    <a:lumMod val="75000"/>
+                  </a:schemeClr>
+                </a:solidFill>
+              </a:rPr>
+              <a:t>Rasberry PI</a:t>
+            </a:r>
+          </a:p>
+          <a:p>
+            <a:r>
+              <a:rPr lang="de-DE" dirty="0">
+                <a:solidFill>
+                  <a:schemeClr val="accent1">
+                    <a:lumMod val="75000"/>
+                  </a:schemeClr>
+                </a:solidFill>
+              </a:rPr>
+              <a:t> + LCD</a:t>
+            </a:r>
+          </a:p>
+          <a:p>
+            <a:endParaRPr lang="de-DE" dirty="0" smtClean="0"/>
+          </a:p>
+          <a:p>
+            <a:r>
+              <a:rPr lang="de-DE" sz="800" dirty="0" smtClean="0"/>
+              <a:t>Python App</a:t>
+            </a:r>
+          </a:p>
+          <a:p>
+            <a:r>
+              <a:rPr lang="de-DE" sz="800" dirty="0" smtClean="0"/>
+              <a:t>Zeigt Display</a:t>
+            </a:r>
+          </a:p>
+          <a:p>
+            <a:r>
+              <a:rPr lang="de-DE" sz="800" dirty="0" smtClean="0"/>
+              <a:t>an.</a:t>
+            </a:r>
+          </a:p>
+          <a:p>
+            <a:r>
+              <a:rPr lang="de-DE" sz="800" dirty="0" smtClean="0"/>
+              <a:t>Anzeigeinhalte </a:t>
+            </a:r>
+          </a:p>
+          <a:p>
+            <a:r>
+              <a:rPr lang="de-DE" sz="800" dirty="0" smtClean="0"/>
+              <a:t>werden zyklisch </a:t>
+            </a:r>
+          </a:p>
+          <a:p>
+            <a:r>
+              <a:rPr lang="de-DE" sz="800" dirty="0" smtClean="0"/>
+              <a:t>aus der lokalen Datenbank und .</a:t>
+            </a:r>
+            <a:r>
+              <a:rPr lang="de-DE" sz="800" dirty="0" err="1" smtClean="0"/>
+              <a:t>json</a:t>
+            </a:r>
+            <a:r>
+              <a:rPr lang="de-DE" sz="800" dirty="0" smtClean="0"/>
+              <a:t> Datei aktualisiert.</a:t>
+            </a:r>
+          </a:p>
+          <a:p>
+            <a:r>
+              <a:rPr lang="de-DE" sz="800" dirty="0" smtClean="0"/>
+              <a:t>Bilder und Infos zum Anzeigen sind dort gespeichert</a:t>
+            </a:r>
+          </a:p>
+        </p:txBody>
+      </p:sp>
+      <p:cxnSp>
+        <p:nvCxnSpPr>
+          <p:cNvPr id="22" name="Gerade Verbindung mit Pfeil 21"/>
+          <p:cNvCxnSpPr>
+            <a:stCxn id="14" idx="1"/>
+            <a:endCxn id="15" idx="2"/>
+          </p:cNvCxnSpPr>
+          <p:nvPr/>
+        </p:nvCxnSpPr>
+        <p:spPr>
+          <a:xfrm flipH="1" flipV="1">
+            <a:off x="1615667" y="2079323"/>
+            <a:ext cx="3621" cy="306887"/>
+          </a:xfrm>
+          <a:prstGeom prst="straightConnector1">
+            <a:avLst/>
+          </a:prstGeom>
+          <a:ln>
+            <a:headEnd type="none"/>
+            <a:tailEnd type="triangle"/>
+          </a:ln>
+        </p:spPr>
+        <p:style>
+          <a:lnRef idx="1">
+            <a:schemeClr val="accent1"/>
+          </a:lnRef>
+          <a:fillRef idx="0">
+            <a:schemeClr val="accent1"/>
+          </a:fillRef>
+          <a:effectRef idx="0">
+            <a:schemeClr val="accent1"/>
+          </a:effectRef>
+          <a:fontRef idx="minor">
+            <a:schemeClr val="tx1"/>
+          </a:fontRef>
+        </p:style>
+      </p:cxnSp>
+      <p:cxnSp>
+        <p:nvCxnSpPr>
+          <p:cNvPr id="29" name="Gerade Verbindung mit Pfeil 28"/>
+          <p:cNvCxnSpPr/>
+          <p:nvPr/>
+        </p:nvCxnSpPr>
+        <p:spPr>
+          <a:xfrm flipV="1">
+            <a:off x="1619295" y="1406452"/>
+            <a:ext cx="1" cy="411930"/>
+          </a:xfrm>
+          <a:prstGeom prst="straightConnector1">
+            <a:avLst/>
+          </a:prstGeom>
+          <a:ln>
+            <a:headEnd type="none"/>
+            <a:tailEnd type="triangle"/>
+          </a:ln>
+        </p:spPr>
+        <p:style>
+          <a:lnRef idx="1">
+            <a:schemeClr val="accent1"/>
+          </a:lnRef>
+          <a:fillRef idx="0">
+            <a:schemeClr val="accent1"/>
+          </a:fillRef>
+          <a:effectRef idx="0">
+            <a:schemeClr val="accent1"/>
+          </a:effectRef>
+          <a:fontRef idx="minor">
+            <a:schemeClr val="tx1"/>
+          </a:fontRef>
+        </p:style>
+      </p:cxnSp>
+      <p:sp>
+        <p:nvSpPr>
+          <p:cNvPr id="33" name="Flussdiagramm: Magnetplattenspeicher 32"/>
+          <p:cNvSpPr/>
+          <p:nvPr/>
+        </p:nvSpPr>
+        <p:spPr>
+          <a:xfrm>
+            <a:off x="4240619" y="2255642"/>
+            <a:ext cx="897780" cy="504056"/>
+          </a:xfrm>
+          <a:prstGeom prst="flowChartMagneticDisk">
+            <a:avLst/>
+          </a:prstGeom>
+        </p:spPr>
+        <p:style>
+          <a:lnRef idx="2">
+            <a:schemeClr val="accent1">
+              <a:shade val="50000"/>
+            </a:schemeClr>
+          </a:lnRef>
+          <a:fillRef idx="1">
+            <a:schemeClr val="accent1"/>
+          </a:fillRef>
+          <a:effectRef idx="0">
+            <a:schemeClr val="accent1"/>
+          </a:effectRef>
+          <a:fontRef idx="minor">
+            <a:schemeClr val="lt1"/>
+          </a:fontRef>
+        </p:style>
+        <p:txBody>
+          <a:bodyPr rtlCol="0" anchor="ctr"/>
+          <a:lstStyle/>
+          <a:p>
+            <a:pPr algn="ctr"/>
+            <a:endParaRPr lang="de-DE" dirty="0" smtClean="0"/>
+          </a:p>
+          <a:p>
+            <a:pPr algn="ctr"/>
+            <a:endParaRPr lang="de-DE" dirty="0"/>
+          </a:p>
+          <a:p>
+            <a:pPr algn="ctr"/>
+            <a:r>
+              <a:rPr lang="de-DE" dirty="0" smtClean="0"/>
+              <a:t>Display 1</a:t>
+            </a:r>
+          </a:p>
+          <a:p>
+            <a:pPr algn="ctr"/>
+            <a:endParaRPr lang="de-DE" dirty="0"/>
+          </a:p>
+        </p:txBody>
+      </p:sp>
+      <p:sp>
+        <p:nvSpPr>
+          <p:cNvPr id="41" name="Flussdiagramm: Magnetplattenspeicher 40"/>
+          <p:cNvSpPr/>
+          <p:nvPr/>
+        </p:nvSpPr>
+        <p:spPr>
+          <a:xfrm>
+            <a:off x="4240619" y="2151748"/>
+            <a:ext cx="897780" cy="355922"/>
+          </a:xfrm>
+          <a:prstGeom prst="flowChartMagneticDisk">
+            <a:avLst/>
+          </a:prstGeom>
+        </p:spPr>
+        <p:style>
+          <a:lnRef idx="2">
+            <a:schemeClr val="accent6">
+              <a:shade val="50000"/>
+            </a:schemeClr>
+          </a:lnRef>
+          <a:fillRef idx="1">
+            <a:schemeClr val="accent6"/>
+          </a:fillRef>
+          <a:effectRef idx="0">
+            <a:schemeClr val="accent6"/>
+          </a:effectRef>
+          <a:fontRef idx="minor">
+            <a:schemeClr val="lt1"/>
+          </a:fontRef>
+        </p:style>
+        <p:txBody>
+          <a:bodyPr rtlCol="0" anchor="ctr"/>
+          <a:lstStyle/>
+          <a:p>
+            <a:pPr algn="ctr"/>
+            <a:endParaRPr lang="de-DE" dirty="0" smtClean="0"/>
+          </a:p>
+          <a:p>
+            <a:pPr algn="ctr"/>
+            <a:r>
+              <a:rPr lang="de-DE" dirty="0" smtClean="0"/>
+              <a:t>Server DB</a:t>
+            </a:r>
+            <a:endParaRPr lang="de-DE" dirty="0"/>
+          </a:p>
+          <a:p>
+            <a:pPr algn="ctr"/>
+            <a:endParaRPr lang="de-DE" dirty="0"/>
+          </a:p>
+        </p:txBody>
+      </p:sp>
+      <p:cxnSp>
+        <p:nvCxnSpPr>
+          <p:cNvPr id="42" name="Gerade Verbindung mit Pfeil 41"/>
+          <p:cNvCxnSpPr/>
+          <p:nvPr/>
+        </p:nvCxnSpPr>
+        <p:spPr>
+          <a:xfrm flipH="1">
+            <a:off x="2065401" y="2637071"/>
+            <a:ext cx="2172441" cy="0"/>
+          </a:xfrm>
+          <a:prstGeom prst="straightConnector1">
+            <a:avLst/>
+          </a:prstGeom>
+          <a:ln>
+            <a:headEnd type="none"/>
+            <a:tailEnd type="triangle"/>
+          </a:ln>
+        </p:spPr>
+        <p:style>
+          <a:lnRef idx="1">
+            <a:schemeClr val="accent1"/>
+          </a:lnRef>
+          <a:fillRef idx="0">
+            <a:schemeClr val="accent1"/>
+          </a:fillRef>
+          <a:effectRef idx="0">
+            <a:schemeClr val="accent1"/>
+          </a:effectRef>
+          <a:fontRef idx="minor">
+            <a:schemeClr val="tx1"/>
+          </a:fontRef>
+        </p:style>
+      </p:cxnSp>
+      <p:sp>
+        <p:nvSpPr>
+          <p:cNvPr id="50" name="Textfeld 49"/>
+          <p:cNvSpPr txBox="1"/>
+          <p:nvPr/>
+        </p:nvSpPr>
+        <p:spPr>
+          <a:xfrm>
+            <a:off x="3366095" y="2012968"/>
+            <a:ext cx="576064" cy="400110"/>
+          </a:xfrm>
+          <a:prstGeom prst="rect">
+            <a:avLst/>
+          </a:prstGeom>
+          <a:noFill/>
+        </p:spPr>
+        <p:txBody>
+          <a:bodyPr wrap="square" rtlCol="0">
+            <a:spAutoFit/>
+          </a:bodyPr>
+          <a:lstStyle/>
+          <a:p>
+            <a:r>
+              <a:rPr lang="de-DE" dirty="0" smtClean="0"/>
+              <a:t>Display</a:t>
+            </a:r>
+            <a:br>
+              <a:rPr lang="de-DE" dirty="0" smtClean="0"/>
+            </a:br>
+            <a:r>
+              <a:rPr lang="de-DE" dirty="0" smtClean="0"/>
+              <a:t>Server</a:t>
+            </a:r>
+            <a:endParaRPr lang="de-DE" dirty="0"/>
+          </a:p>
+        </p:txBody>
+      </p:sp>
+      <p:sp>
+        <p:nvSpPr>
+          <p:cNvPr id="51" name="Textfeld 50"/>
+          <p:cNvSpPr txBox="1"/>
+          <p:nvPr/>
+        </p:nvSpPr>
+        <p:spPr>
+          <a:xfrm>
+            <a:off x="2214811" y="1191688"/>
+            <a:ext cx="939585" cy="1323439"/>
+          </a:xfrm>
+          <a:prstGeom prst="rect">
+            <a:avLst/>
+          </a:prstGeom>
+          <a:noFill/>
+        </p:spPr>
+        <p:txBody>
+          <a:bodyPr wrap="square" rtlCol="0">
+            <a:spAutoFit/>
+          </a:bodyPr>
+          <a:lstStyle/>
+          <a:p>
+            <a:r>
+              <a:rPr lang="de-DE" sz="800" dirty="0" smtClean="0"/>
+              <a:t>Lokale Datenbank wird durch Display Server aktualisiert. Dadurch können Nachrichten gesendet und Änderung an Inhalten gemacht werden.</a:t>
+            </a:r>
+          </a:p>
+        </p:txBody>
+      </p:sp>
+      <p:sp>
+        <p:nvSpPr>
+          <p:cNvPr id="52" name="Rechteck 51"/>
+          <p:cNvSpPr/>
+          <p:nvPr/>
+        </p:nvSpPr>
+        <p:spPr>
+          <a:xfrm>
+            <a:off x="3382584" y="753227"/>
+            <a:ext cx="1872208" cy="989405"/>
+          </a:xfrm>
+          <a:prstGeom prst="rect">
+            <a:avLst/>
+          </a:prstGeom>
+        </p:spPr>
+        <p:style>
+          <a:lnRef idx="2">
+            <a:schemeClr val="accent4"/>
+          </a:lnRef>
+          <a:fillRef idx="1">
+            <a:schemeClr val="lt1"/>
+          </a:fillRef>
+          <a:effectRef idx="0">
+            <a:schemeClr val="accent4"/>
+          </a:effectRef>
+          <a:fontRef idx="minor">
+            <a:schemeClr val="dk1"/>
+          </a:fontRef>
+        </p:style>
+        <p:txBody>
+          <a:bodyPr rtlCol="0" anchor="ctr"/>
+          <a:lstStyle/>
+          <a:p>
+            <a:pPr algn="ctr"/>
+            <a:endParaRPr lang="de-DE"/>
+          </a:p>
+        </p:txBody>
+      </p:sp>
+      <p:cxnSp>
+        <p:nvCxnSpPr>
+          <p:cNvPr id="55" name="Gerade Verbindung mit Pfeil 54"/>
+          <p:cNvCxnSpPr/>
+          <p:nvPr/>
+        </p:nvCxnSpPr>
+        <p:spPr>
+          <a:xfrm flipH="1">
+            <a:off x="3226406" y="2789471"/>
+            <a:ext cx="1011436" cy="0"/>
+          </a:xfrm>
+          <a:prstGeom prst="straightConnector1">
+            <a:avLst/>
+          </a:prstGeom>
+          <a:ln>
+            <a:headEnd type="none"/>
+            <a:tailEnd type="triangle"/>
+          </a:ln>
+        </p:spPr>
+        <p:style>
+          <a:lnRef idx="1">
+            <a:schemeClr val="accent3"/>
+          </a:lnRef>
+          <a:fillRef idx="0">
+            <a:schemeClr val="accent3"/>
+          </a:fillRef>
+          <a:effectRef idx="0">
+            <a:schemeClr val="accent3"/>
+          </a:effectRef>
+          <a:fontRef idx="minor">
+            <a:schemeClr val="tx1"/>
+          </a:fontRef>
+        </p:style>
+      </p:cxnSp>
+      <p:sp>
+        <p:nvSpPr>
+          <p:cNvPr id="57" name="Textfeld 56"/>
+          <p:cNvSpPr txBox="1"/>
+          <p:nvPr/>
+        </p:nvSpPr>
+        <p:spPr>
+          <a:xfrm>
+            <a:off x="3382583" y="770125"/>
+            <a:ext cx="858035" cy="923330"/>
+          </a:xfrm>
+          <a:prstGeom prst="rect">
+            <a:avLst/>
+          </a:prstGeom>
+          <a:noFill/>
+        </p:spPr>
+        <p:txBody>
+          <a:bodyPr wrap="square" rtlCol="0">
+            <a:spAutoFit/>
+          </a:bodyPr>
+          <a:lstStyle/>
+          <a:p>
+            <a:r>
+              <a:rPr lang="de-DE" dirty="0" smtClean="0"/>
+              <a:t>Display Server Anwendung</a:t>
+            </a:r>
+          </a:p>
+          <a:p>
+            <a:r>
+              <a:rPr lang="de-DE" sz="800" dirty="0" smtClean="0"/>
+              <a:t>Anzeigten und Ändern von Displays</a:t>
+            </a:r>
+            <a:endParaRPr lang="de-DE" sz="800" dirty="0"/>
+          </a:p>
+        </p:txBody>
+      </p:sp>
+      <p:cxnSp>
+        <p:nvCxnSpPr>
+          <p:cNvPr id="58" name="Gerade Verbindung mit Pfeil 57"/>
+          <p:cNvCxnSpPr/>
+          <p:nvPr/>
+        </p:nvCxnSpPr>
+        <p:spPr>
+          <a:xfrm flipV="1">
+            <a:off x="4950271" y="1772419"/>
+            <a:ext cx="0" cy="354937"/>
+          </a:xfrm>
+          <a:prstGeom prst="straightConnector1">
+            <a:avLst/>
+          </a:prstGeom>
+          <a:ln>
+            <a:headEnd type="none"/>
+            <a:tailEnd type="triangle"/>
+          </a:ln>
+        </p:spPr>
+        <p:style>
+          <a:lnRef idx="1">
+            <a:schemeClr val="accent3"/>
+          </a:lnRef>
+          <a:fillRef idx="0">
+            <a:schemeClr val="accent3"/>
+          </a:fillRef>
+          <a:effectRef idx="0">
+            <a:schemeClr val="accent3"/>
+          </a:effectRef>
+          <a:fontRef idx="minor">
+            <a:schemeClr val="tx1"/>
+          </a:fontRef>
+        </p:style>
+      </p:cxnSp>
+      <p:cxnSp>
+        <p:nvCxnSpPr>
+          <p:cNvPr id="59" name="Gerade Verbindung mit Pfeil 58"/>
+          <p:cNvCxnSpPr/>
+          <p:nvPr/>
+        </p:nvCxnSpPr>
+        <p:spPr>
+          <a:xfrm>
+            <a:off x="5022279" y="1616924"/>
+            <a:ext cx="0" cy="396044"/>
+          </a:xfrm>
+          <a:prstGeom prst="straightConnector1">
+            <a:avLst/>
+          </a:prstGeom>
+          <a:ln>
+            <a:headEnd type="none"/>
+            <a:tailEnd type="triangle"/>
+          </a:ln>
+        </p:spPr>
+        <p:style>
+          <a:lnRef idx="1">
+            <a:schemeClr val="accent3"/>
+          </a:lnRef>
+          <a:fillRef idx="0">
+            <a:schemeClr val="accent3"/>
+          </a:fillRef>
+          <a:effectRef idx="0">
+            <a:schemeClr val="accent3"/>
+          </a:effectRef>
+          <a:fontRef idx="minor">
+            <a:schemeClr val="tx1"/>
+          </a:fontRef>
+        </p:style>
+      </p:cxnSp>
+      <p:cxnSp>
+        <p:nvCxnSpPr>
+          <p:cNvPr id="62" name="Gerade Verbindung mit Pfeil 61"/>
+          <p:cNvCxnSpPr/>
+          <p:nvPr/>
+        </p:nvCxnSpPr>
+        <p:spPr>
+          <a:xfrm flipH="1" flipV="1">
+            <a:off x="4818344" y="1772419"/>
+            <a:ext cx="1" cy="335894"/>
+          </a:xfrm>
+          <a:prstGeom prst="straightConnector1">
+            <a:avLst/>
+          </a:prstGeom>
+          <a:ln>
+            <a:headEnd type="none"/>
+            <a:tailEnd type="triangle"/>
+          </a:ln>
+        </p:spPr>
+        <p:style>
+          <a:lnRef idx="1">
+            <a:schemeClr val="accent1"/>
+          </a:lnRef>
+          <a:fillRef idx="0">
+            <a:schemeClr val="accent1"/>
+          </a:fillRef>
+          <a:effectRef idx="0">
+            <a:schemeClr val="accent1"/>
+          </a:effectRef>
+          <a:fontRef idx="minor">
+            <a:schemeClr val="tx1"/>
+          </a:fontRef>
+        </p:style>
+      </p:cxnSp>
+      <p:cxnSp>
+        <p:nvCxnSpPr>
+          <p:cNvPr id="64" name="Gerade Verbindung mit Pfeil 63"/>
+          <p:cNvCxnSpPr/>
+          <p:nvPr/>
+        </p:nvCxnSpPr>
+        <p:spPr>
+          <a:xfrm>
+            <a:off x="4878264" y="1616924"/>
+            <a:ext cx="0" cy="376161"/>
+          </a:xfrm>
+          <a:prstGeom prst="straightConnector1">
+            <a:avLst/>
+          </a:prstGeom>
+          <a:ln>
+            <a:headEnd type="none"/>
+            <a:tailEnd type="triangle"/>
+          </a:ln>
+        </p:spPr>
+        <p:style>
+          <a:lnRef idx="1">
+            <a:schemeClr val="accent1"/>
+          </a:lnRef>
+          <a:fillRef idx="0">
+            <a:schemeClr val="accent1"/>
+          </a:fillRef>
+          <a:effectRef idx="0">
+            <a:schemeClr val="accent1"/>
+          </a:effectRef>
+          <a:fontRef idx="minor">
+            <a:schemeClr val="tx1"/>
+          </a:fontRef>
+        </p:style>
+      </p:cxnSp>
+      <p:grpSp>
+        <p:nvGrpSpPr>
+          <p:cNvPr id="69" name="Gruppieren 68"/>
+          <p:cNvGrpSpPr/>
+          <p:nvPr/>
+        </p:nvGrpSpPr>
+        <p:grpSpPr>
+          <a:xfrm>
+            <a:off x="4186701" y="871216"/>
+            <a:ext cx="1005616" cy="593915"/>
+            <a:chOff x="-5375" y="0"/>
+            <a:chExt cx="5585438" cy="3052182"/>
+          </a:xfrm>
+        </p:grpSpPr>
+        <p:sp>
+          <p:nvSpPr>
+            <p:cNvPr id="70" name="Rechteck 69"/>
+            <p:cNvSpPr/>
+            <p:nvPr/>
+          </p:nvSpPr>
+          <p:spPr>
+            <a:xfrm>
+              <a:off x="4950271" y="0"/>
+              <a:ext cx="629792" cy="1044456"/>
+            </a:xfrm>
+            <a:prstGeom prst="rect">
+              <a:avLst/>
+            </a:prstGeom>
+          </p:spPr>
+          <p:style>
+            <a:lnRef idx="2">
+              <a:schemeClr val="accent1">
+                <a:shade val="50000"/>
+              </a:schemeClr>
+            </a:lnRef>
+            <a:fillRef idx="1">
+              <a:schemeClr val="accent1"/>
+            </a:fillRef>
+            <a:effectRef idx="0">
+              <a:schemeClr val="accent1"/>
+            </a:effectRef>
+            <a:fontRef idx="minor">
+              <a:schemeClr val="lt1"/>
+            </a:fontRef>
+          </p:style>
+          <p:txBody>
+            <a:bodyPr rtlCol="0" anchor="ctr"/>
+            <a:lstStyle/>
+            <a:p>
+              <a:pPr algn="ctr"/>
+              <a:endParaRPr lang="de-DE" dirty="0"/>
+            </a:p>
+          </p:txBody>
+        </p:sp>
+        <p:sp>
+          <p:nvSpPr>
+            <p:cNvPr id="71" name="Rechteck 70"/>
+            <p:cNvSpPr/>
+            <p:nvPr/>
+          </p:nvSpPr>
+          <p:spPr>
+            <a:xfrm>
+              <a:off x="4950271" y="1044456"/>
+              <a:ext cx="629792" cy="989950"/>
+            </a:xfrm>
+            <a:prstGeom prst="rect">
+              <a:avLst/>
+            </a:prstGeom>
+          </p:spPr>
+          <p:style>
+            <a:lnRef idx="2">
+              <a:schemeClr val="accent1">
+                <a:shade val="50000"/>
+              </a:schemeClr>
+            </a:lnRef>
+            <a:fillRef idx="1">
+              <a:schemeClr val="accent1"/>
+            </a:fillRef>
+            <a:effectRef idx="0">
+              <a:schemeClr val="accent1"/>
+            </a:effectRef>
+            <a:fontRef idx="minor">
+              <a:schemeClr val="lt1"/>
+            </a:fontRef>
+          </p:style>
+          <p:txBody>
+            <a:bodyPr rtlCol="0" anchor="ctr"/>
+            <a:lstStyle/>
+            <a:p>
+              <a:pPr algn="ctr"/>
+              <a:endParaRPr lang="de-DE" dirty="0"/>
+            </a:p>
+          </p:txBody>
+        </p:sp>
+        <p:sp>
+          <p:nvSpPr>
+            <p:cNvPr id="72" name="Rechteck 71"/>
+            <p:cNvSpPr/>
+            <p:nvPr/>
+          </p:nvSpPr>
+          <p:spPr>
+            <a:xfrm>
+              <a:off x="4950271" y="2034406"/>
+              <a:ext cx="629792" cy="1017776"/>
+            </a:xfrm>
+            <a:prstGeom prst="rect">
+              <a:avLst/>
+            </a:prstGeom>
+          </p:spPr>
+          <p:style>
+            <a:lnRef idx="2">
+              <a:schemeClr val="accent1">
+                <a:shade val="50000"/>
+              </a:schemeClr>
+            </a:lnRef>
+            <a:fillRef idx="1">
+              <a:schemeClr val="accent1"/>
+            </a:fillRef>
+            <a:effectRef idx="0">
+              <a:schemeClr val="accent1"/>
+            </a:effectRef>
+            <a:fontRef idx="minor">
+              <a:schemeClr val="lt1"/>
+            </a:fontRef>
+          </p:style>
+          <p:txBody>
+            <a:bodyPr rtlCol="0" anchor="ctr"/>
+            <a:lstStyle/>
+            <a:p>
+              <a:pPr algn="ctr"/>
+              <a:endParaRPr lang="de-DE" dirty="0"/>
+            </a:p>
+          </p:txBody>
+        </p:sp>
+        <p:sp>
+          <p:nvSpPr>
+            <p:cNvPr id="73" name="Rechteck 72"/>
+            <p:cNvSpPr/>
+            <p:nvPr/>
+          </p:nvSpPr>
+          <p:spPr>
+            <a:xfrm>
+              <a:off x="0" y="0"/>
+              <a:ext cx="3712704" cy="403804"/>
+            </a:xfrm>
+            <a:prstGeom prst="rect">
+              <a:avLst/>
+            </a:prstGeom>
+          </p:spPr>
+          <p:style>
+            <a:lnRef idx="2">
+              <a:schemeClr val="accent1">
+                <a:shade val="50000"/>
+              </a:schemeClr>
+            </a:lnRef>
+            <a:fillRef idx="1">
+              <a:schemeClr val="accent1"/>
+            </a:fillRef>
+            <a:effectRef idx="0">
+              <a:schemeClr val="accent1"/>
+            </a:effectRef>
+            <a:fontRef idx="minor">
+              <a:schemeClr val="lt1"/>
+            </a:fontRef>
+          </p:style>
+          <p:txBody>
+            <a:bodyPr rtlCol="0" anchor="ctr"/>
+            <a:lstStyle/>
+            <a:p>
+              <a:pPr algn="ctr"/>
+              <a:endParaRPr lang="de-DE" dirty="0"/>
+            </a:p>
+          </p:txBody>
+        </p:sp>
+        <p:sp>
+          <p:nvSpPr>
+            <p:cNvPr id="74" name="Rechteck 73"/>
+            <p:cNvSpPr/>
+            <p:nvPr/>
+          </p:nvSpPr>
+          <p:spPr>
+            <a:xfrm>
+              <a:off x="-5373" y="403804"/>
+              <a:ext cx="2480508" cy="807608"/>
+            </a:xfrm>
+            <a:prstGeom prst="rect">
+              <a:avLst/>
+            </a:prstGeom>
+          </p:spPr>
+          <p:style>
+            <a:lnRef idx="2">
+              <a:schemeClr val="accent1">
+                <a:shade val="50000"/>
+              </a:schemeClr>
+            </a:lnRef>
+            <a:fillRef idx="1">
+              <a:schemeClr val="accent1"/>
+            </a:fillRef>
+            <a:effectRef idx="0">
+              <a:schemeClr val="accent1"/>
+            </a:effectRef>
+            <a:fontRef idx="minor">
+              <a:schemeClr val="lt1"/>
+            </a:fontRef>
+          </p:style>
+          <p:txBody>
+            <a:bodyPr rtlCol="0" anchor="ctr"/>
+            <a:lstStyle/>
+            <a:p>
+              <a:pPr algn="ctr"/>
+              <a:endParaRPr lang="de-DE" sz="4400" dirty="0"/>
+            </a:p>
+          </p:txBody>
+        </p:sp>
+        <p:sp>
+          <p:nvSpPr>
+            <p:cNvPr id="75" name="Rechteck 74"/>
+            <p:cNvSpPr/>
+            <p:nvPr/>
+          </p:nvSpPr>
+          <p:spPr>
+            <a:xfrm>
+              <a:off x="-5375" y="1211412"/>
+              <a:ext cx="2480509" cy="1840770"/>
+            </a:xfrm>
+            <a:prstGeom prst="rect">
+              <a:avLst/>
+            </a:prstGeom>
+          </p:spPr>
+          <p:style>
+            <a:lnRef idx="2">
+              <a:schemeClr val="accent1">
+                <a:shade val="50000"/>
+              </a:schemeClr>
+            </a:lnRef>
+            <a:fillRef idx="1">
+              <a:schemeClr val="accent1"/>
+            </a:fillRef>
+            <a:effectRef idx="0">
+              <a:schemeClr val="accent1"/>
+            </a:effectRef>
+            <a:fontRef idx="minor">
+              <a:schemeClr val="lt1"/>
+            </a:fontRef>
+          </p:style>
+          <p:txBody>
+            <a:bodyPr rtlCol="0" anchor="ctr"/>
+            <a:lstStyle/>
+            <a:p>
+              <a:pPr algn="ctr"/>
+              <a:endParaRPr lang="de-DE" dirty="0"/>
+            </a:p>
+          </p:txBody>
+        </p:sp>
+        <p:sp>
+          <p:nvSpPr>
+            <p:cNvPr id="76" name="Rechteck 75"/>
+            <p:cNvSpPr/>
+            <p:nvPr/>
+          </p:nvSpPr>
+          <p:spPr>
+            <a:xfrm>
+              <a:off x="2475134" y="403804"/>
+              <a:ext cx="2475136" cy="2648378"/>
+            </a:xfrm>
+            <a:prstGeom prst="rect">
+              <a:avLst/>
+            </a:prstGeom>
+          </p:spPr>
+          <p:style>
+            <a:lnRef idx="2">
+              <a:schemeClr val="accent1">
+                <a:shade val="50000"/>
+              </a:schemeClr>
+            </a:lnRef>
+            <a:fillRef idx="1">
+              <a:schemeClr val="accent1"/>
+            </a:fillRef>
+            <a:effectRef idx="0">
+              <a:schemeClr val="accent1"/>
+            </a:effectRef>
+            <a:fontRef idx="minor">
+              <a:schemeClr val="lt1"/>
+            </a:fontRef>
+          </p:style>
+          <p:txBody>
+            <a:bodyPr rtlCol="0" anchor="ctr"/>
+            <a:lstStyle/>
+            <a:p>
+              <a:pPr algn="ctr"/>
+              <a:endParaRPr lang="de-DE" dirty="0"/>
+            </a:p>
+          </p:txBody>
+        </p:sp>
+        <p:sp>
+          <p:nvSpPr>
+            <p:cNvPr id="77" name="Rechteck 76"/>
+            <p:cNvSpPr/>
+            <p:nvPr/>
+          </p:nvSpPr>
+          <p:spPr>
+            <a:xfrm>
+              <a:off x="3712704" y="0"/>
+              <a:ext cx="1237567" cy="403804"/>
+            </a:xfrm>
+            <a:prstGeom prst="rect">
+              <a:avLst/>
+            </a:prstGeom>
+          </p:spPr>
+          <p:style>
+            <a:lnRef idx="2">
+              <a:schemeClr val="accent1">
+                <a:shade val="50000"/>
+              </a:schemeClr>
+            </a:lnRef>
+            <a:fillRef idx="1">
+              <a:schemeClr val="accent1"/>
+            </a:fillRef>
+            <a:effectRef idx="0">
+              <a:schemeClr val="accent1"/>
+            </a:effectRef>
+            <a:fontRef idx="minor">
+              <a:schemeClr val="lt1"/>
+            </a:fontRef>
+          </p:style>
+          <p:txBody>
+            <a:bodyPr rtlCol="0" anchor="ctr"/>
+            <a:lstStyle/>
+            <a:p>
+              <a:pPr algn="ctr"/>
+              <a:endParaRPr lang="de-DE" dirty="0"/>
+            </a:p>
+          </p:txBody>
+        </p:sp>
+      </p:grpSp>
+    </p:spTree>
+    <p:controls>
+      <mc:AlternateContent xmlns:mc="http://schemas.openxmlformats.org/markup-compatibility/2006">
+        <mc:Choice xmlns:v="urn:schemas-microsoft-com:vml" Requires="v">
+          <p:control spid="1035" name="ComboBox1" r:id="rId2" imgW="361800" imgH="142920"/>
+        </mc:Choice>
+        <mc:Fallback>
+          <p:control name="ComboBox1" r:id="rId2" imgW="361800" imgH="142920">
+            <p:pic>
+              <p:nvPicPr>
+                <p:cNvPr id="0" name="ComboBox1"/>
+                <p:cNvPicPr preferRelativeResize="0">
+                  <a:picLocks noChangeArrowheads="1" noChangeShapeType="1"/>
+                </p:cNvPicPr>
+                <p:nvPr/>
+              </p:nvPicPr>
+              <p:blipFill>
+                <a:blip r:embed="rId7">
+                  <a:extLst>
+                    <a:ext uri="{28A0092B-C50C-407E-A947-70E740481C1C}">
+                      <a14:useLocalDpi xmlns:a14="http://schemas.microsoft.com/office/drawing/2010/main" val="0"/>
+                    </a:ext>
+                  </a:extLst>
+                </a:blip>
+                <a:srcRect/>
+                <a:stretch>
+                  <a:fillRect/>
+                </a:stretch>
+              </p:blipFill>
+              <p:spPr bwMode="auto">
+                <a:xfrm>
+                  <a:off x="4230688" y="954088"/>
+                  <a:ext cx="360362" cy="144462"/>
+                </a:xfrm>
+                <a:prstGeom prst="rect">
+                  <a:avLst/>
+                </a:prstGeom>
+                <a:noFill/>
+                <a:ln>
+                  <a:noFill/>
+                </a:ln>
+                <a:effectLst/>
+                <a:extLst>
+                  <a:ext uri="{909E8E84-426E-40DD-AFC4-6F175D3DCCD1}">
+                    <a14:hiddenFill xmlns:a14="http://schemas.microsoft.com/office/drawing/2010/main">
+                      <a:noFill/>
+                    </a14:hiddenFill>
+                  </a:ext>
+                  <a:ext uri="{91240B29-F687-4F45-9708-019B960494DF}">
+                    <a14:hiddenLine xmlns:a14="http://schemas.microsoft.com/office/drawing/2010/main" w="9525">
+                      <a:noFill/>
+                      <a:miter lim="800000"/>
+                      <a:headEnd/>
+                      <a:tailEnd/>
+                    </a14:hiddenLine>
+                  </a:ext>
+                  <a:ext uri="{AF507438-7753-43E0-B8FC-AC1667EBCBE1}">
+                    <a14:hiddenEffects xmlns:a14="http://schemas.microsoft.com/office/drawing/2010/main">
+                      <a:effectLst>
+                        <a:outerShdw dist="35921" dir="2700000" algn="ctr" rotWithShape="0">
+                          <a:schemeClr val="bg2"/>
+                        </a:outerShdw>
+                      </a:effectLst>
+                    </a14:hiddenEffects>
+                  </a:ext>
+                </a:extLst>
+              </p:spPr>
+            </p:pic>
+          </p:control>
+        </mc:Fallback>
+      </mc:AlternateContent>
+      <mc:AlternateContent xmlns:mc="http://schemas.openxmlformats.org/markup-compatibility/2006">
+        <mc:Choice xmlns:v="urn:schemas-microsoft-com:vml" Requires="v">
+          <p:control spid="1036" name="ComboBox2" r:id="rId3" imgW="361800" imgH="142920"/>
+        </mc:Choice>
+        <mc:Fallback>
+          <p:control name="ComboBox2" r:id="rId3" imgW="361800" imgH="142920">
+            <p:pic>
+              <p:nvPicPr>
+                <p:cNvPr id="0" name="ComboBox2"/>
+                <p:cNvPicPr preferRelativeResize="0">
+                  <a:picLocks noChangeArrowheads="1" noChangeShapeType="1"/>
+                </p:cNvPicPr>
+                <p:nvPr/>
+              </p:nvPicPr>
+              <p:blipFill>
+                <a:blip r:embed="rId7">
+                  <a:extLst>
+                    <a:ext uri="{28A0092B-C50C-407E-A947-70E740481C1C}">
+                      <a14:useLocalDpi xmlns:a14="http://schemas.microsoft.com/office/drawing/2010/main" val="0"/>
+                    </a:ext>
+                  </a:extLst>
+                </a:blip>
+                <a:srcRect/>
+                <a:stretch>
+                  <a:fillRect/>
+                </a:stretch>
+              </p:blipFill>
+              <p:spPr bwMode="auto">
+                <a:xfrm>
+                  <a:off x="4230688" y="1169988"/>
+                  <a:ext cx="360362" cy="144462"/>
+                </a:xfrm>
+                <a:prstGeom prst="rect">
+                  <a:avLst/>
+                </a:prstGeom>
+                <a:noFill/>
+                <a:ln>
+                  <a:noFill/>
+                </a:ln>
+                <a:effectLst/>
+                <a:extLst>
+                  <a:ext uri="{909E8E84-426E-40DD-AFC4-6F175D3DCCD1}">
+                    <a14:hiddenFill xmlns:a14="http://schemas.microsoft.com/office/drawing/2010/main">
+                      <a:noFill/>
+                    </a14:hiddenFill>
+                  </a:ext>
+                  <a:ext uri="{91240B29-F687-4F45-9708-019B960494DF}">
+                    <a14:hiddenLine xmlns:a14="http://schemas.microsoft.com/office/drawing/2010/main" w="9525">
+                      <a:noFill/>
+                      <a:miter lim="800000"/>
+                      <a:headEnd/>
+                      <a:tailEnd/>
+                    </a14:hiddenLine>
+                  </a:ext>
+                  <a:ext uri="{AF507438-7753-43E0-B8FC-AC1667EBCBE1}">
+                    <a14:hiddenEffects xmlns:a14="http://schemas.microsoft.com/office/drawing/2010/main">
+                      <a:effectLst>
+                        <a:outerShdw dist="35921" dir="2700000" algn="ctr" rotWithShape="0">
+                          <a:schemeClr val="bg2"/>
+                        </a:outerShdw>
+                      </a:effectLst>
+                    </a14:hiddenEffects>
+                  </a:ext>
+                </a:extLst>
+              </p:spPr>
+            </p:pic>
+          </p:control>
+        </mc:Fallback>
+      </mc:AlternateContent>
+      <mc:AlternateContent xmlns:mc="http://schemas.openxmlformats.org/markup-compatibility/2006">
+        <mc:Choice xmlns:v="urn:schemas-microsoft-com:vml" Requires="v">
+          <p:control spid="1037" name="ComboBox3" r:id="rId4" imgW="361800" imgH="142920"/>
+        </mc:Choice>
+        <mc:Fallback>
+          <p:control name="ComboBox3" r:id="rId4" imgW="361800" imgH="142920">
+            <p:pic>
+              <p:nvPicPr>
+                <p:cNvPr id="0" name="ComboBox3"/>
+                <p:cNvPicPr preferRelativeResize="0">
+                  <a:picLocks noChangeArrowheads="1" noChangeShapeType="1"/>
+                </p:cNvPicPr>
+                <p:nvPr/>
+              </p:nvPicPr>
+              <p:blipFill>
+                <a:blip r:embed="rId7">
+                  <a:extLst>
+                    <a:ext uri="{28A0092B-C50C-407E-A947-70E740481C1C}">
+                      <a14:useLocalDpi xmlns:a14="http://schemas.microsoft.com/office/drawing/2010/main" val="0"/>
+                    </a:ext>
+                  </a:extLst>
+                </a:blip>
+                <a:srcRect/>
+                <a:stretch>
+                  <a:fillRect/>
+                </a:stretch>
+              </p:blipFill>
+              <p:spPr bwMode="auto">
+                <a:xfrm>
+                  <a:off x="4662488" y="1025525"/>
+                  <a:ext cx="360362" cy="144463"/>
+                </a:xfrm>
+                <a:prstGeom prst="rect">
+                  <a:avLst/>
+                </a:prstGeom>
+                <a:noFill/>
+                <a:ln>
+                  <a:noFill/>
+                </a:ln>
+                <a:effectLst/>
+                <a:extLst>
+                  <a:ext uri="{909E8E84-426E-40DD-AFC4-6F175D3DCCD1}">
+                    <a14:hiddenFill xmlns:a14="http://schemas.microsoft.com/office/drawing/2010/main">
+                      <a:noFill/>
+                    </a14:hiddenFill>
+                  </a:ext>
+                  <a:ext uri="{91240B29-F687-4F45-9708-019B960494DF}">
+                    <a14:hiddenLine xmlns:a14="http://schemas.microsoft.com/office/drawing/2010/main" w="9525">
+                      <a:noFill/>
+                      <a:miter lim="800000"/>
+                      <a:headEnd/>
+                      <a:tailEnd/>
+                    </a14:hiddenLine>
+                  </a:ext>
+                  <a:ext uri="{AF507438-7753-43E0-B8FC-AC1667EBCBE1}">
+                    <a14:hiddenEffects xmlns:a14="http://schemas.microsoft.com/office/drawing/2010/main">
+                      <a:effectLst>
+                        <a:outerShdw dist="35921" dir="2700000" algn="ctr" rotWithShape="0">
+                          <a:schemeClr val="bg2"/>
+                        </a:outerShdw>
+                      </a:effectLst>
+                    </a14:hiddenEffects>
+                  </a:ext>
+                </a:extLst>
+              </p:spPr>
+            </p:pic>
+          </p:control>
+        </mc:Fallback>
+      </mc:AlternateContent>
+      <mc:AlternateContent xmlns:mc="http://schemas.openxmlformats.org/markup-compatibility/2006">
+        <mc:Choice xmlns:v="urn:schemas-microsoft-com:vml" Requires="v">
+          <p:control spid="1038" name="ComboBox4" r:id="rId5" imgW="361800" imgH="142920"/>
+        </mc:Choice>
+        <mc:Fallback>
+          <p:control name="ComboBox4" r:id="rId5" imgW="361800" imgH="142920">
+            <p:pic>
+              <p:nvPicPr>
+                <p:cNvPr id="0" name="ComboBox4"/>
+                <p:cNvPicPr preferRelativeResize="0">
+                  <a:picLocks noChangeArrowheads="1" noChangeShapeType="1"/>
+                </p:cNvPicPr>
+                <p:nvPr/>
+              </p:nvPicPr>
+              <p:blipFill>
+                <a:blip r:embed="rId7">
+                  <a:extLst>
+                    <a:ext uri="{28A0092B-C50C-407E-A947-70E740481C1C}">
+                      <a14:useLocalDpi xmlns:a14="http://schemas.microsoft.com/office/drawing/2010/main" val="0"/>
+                    </a:ext>
+                  </a:extLst>
+                </a:blip>
+                <a:srcRect/>
+                <a:stretch>
+                  <a:fillRect/>
+                </a:stretch>
+              </p:blipFill>
+              <p:spPr bwMode="auto">
+                <a:xfrm>
+                  <a:off x="4662488" y="1243013"/>
+                  <a:ext cx="360362" cy="144462"/>
+                </a:xfrm>
+                <a:prstGeom prst="rect">
+                  <a:avLst/>
+                </a:prstGeom>
+                <a:noFill/>
+                <a:ln>
+                  <a:noFill/>
+                </a:ln>
+                <a:effectLst/>
+                <a:extLst>
+                  <a:ext uri="{909E8E84-426E-40DD-AFC4-6F175D3DCCD1}">
+                    <a14:hiddenFill xmlns:a14="http://schemas.microsoft.com/office/drawing/2010/main">
+                      <a:noFill/>
+                    </a14:hiddenFill>
+                  </a:ext>
+                  <a:ext uri="{91240B29-F687-4F45-9708-019B960494DF}">
+                    <a14:hiddenLine xmlns:a14="http://schemas.microsoft.com/office/drawing/2010/main" w="9525">
+                      <a:noFill/>
+                      <a:miter lim="800000"/>
+                      <a:headEnd/>
+                      <a:tailEnd/>
+                    </a14:hiddenLine>
+                  </a:ext>
+                  <a:ext uri="{AF507438-7753-43E0-B8FC-AC1667EBCBE1}">
+                    <a14:hiddenEffects xmlns:a14="http://schemas.microsoft.com/office/drawing/2010/main">
+                      <a:effectLst>
+                        <a:outerShdw dist="35921" dir="2700000" algn="ctr" rotWithShape="0">
+                          <a:schemeClr val="bg2"/>
+                        </a:outerShdw>
+                      </a:effectLst>
+                    </a14:hiddenEffects>
+                  </a:ext>
+                </a:extLst>
+              </p:spPr>
+            </p:pic>
+          </p:control>
+        </mc:Fallback>
+      </mc:AlternateContent>
+    </p:controls>
+    <p:extLst>
+      <p:ext uri="{BB962C8B-B14F-4D97-AF65-F5344CB8AC3E}">
+        <p14:creationId xmlns:p14="http://schemas.microsoft.com/office/powerpoint/2010/main" val="336548317"/>
       </p:ext>
     </p:extLst>
   </p:cSld>
